--- a/PDI_Feather_Tracking_WPF/PDI_Feather_Tracking_WPF/PDI Feather tracking.pptx
+++ b/PDI_Feather_Tracking_WPF/PDI_Feather_Tracking_WPF/PDI Feather tracking.pptx
@@ -1,20 +1,28 @@
 
 <file path=ppt/presentation.xml><?xml version="1.0" encoding="utf-8"?>
-<p:presentation xmlns:a="http://schemas.openxmlformats.org/drawingml/2006/main" xmlns:r="http://schemas.openxmlformats.org/officeDocument/2006/relationships" xmlns:p="http://schemas.openxmlformats.org/presentationml/2006/main" saveSubsetFonts="1">
+<p:presentation xmlns:a="http://schemas.openxmlformats.org/drawingml/2006/main" xmlns:r="http://schemas.openxmlformats.org/officeDocument/2006/relationships" xmlns:p="http://schemas.openxmlformats.org/presentationml/2006/main">
   <p:sldMasterIdLst>
-    <p:sldMasterId id="2147483660" r:id="rId1"/>
+    <p:sldMasterId id="2147483648" r:id="rId1"/>
   </p:sldMasterIdLst>
   <p:sldIdLst>
-    <p:sldId id="256" r:id="rId2"/>
-    <p:sldId id="257" r:id="rId3"/>
-    <p:sldId id="258" r:id="rId4"/>
-    <p:sldId id="259" r:id="rId5"/>
-    <p:sldId id="260" r:id="rId6"/>
-    <p:sldId id="261" r:id="rId7"/>
-    <p:sldId id="262" r:id="rId8"/>
-    <p:sldId id="263" r:id="rId9"/>
-    <p:sldId id="264" r:id="rId10"/>
-    <p:sldId id="265" r:id="rId11"/>
+    <p:sldId id="256" r:id="rId3"/>
+    <p:sldId id="257" r:id="rId4"/>
+    <p:sldId id="258" r:id="rId5"/>
+    <p:sldId id="259" r:id="rId6"/>
+    <p:sldId id="260" r:id="rId7"/>
+    <p:sldId id="261" r:id="rId8"/>
+    <p:sldId id="262" r:id="rId9"/>
+    <p:sldId id="266" r:id="rId10"/>
+    <p:sldId id="267" r:id="rId11"/>
+    <p:sldId id="268" r:id="rId12"/>
+    <p:sldId id="269" r:id="rId13"/>
+    <p:sldId id="270" r:id="rId14"/>
+    <p:sldId id="271" r:id="rId15"/>
+    <p:sldId id="272" r:id="rId16"/>
+    <p:sldId id="263" r:id="rId17"/>
+    <p:sldId id="264" r:id="rId18"/>
+    <p:sldId id="265" r:id="rId19"/>
+    <p:sldId id="273" r:id="rId20"/>
   </p:sldIdLst>
   <p:sldSz cx="9144000" cy="6858000" type="screen4x3"/>
   <p:notesSz cx="6858000" cy="9144000"/>
@@ -117,7 +125,7 @@
 </file>
 
 <file path=ppt/slideLayouts/slideLayout1.xml><?xml version="1.0" encoding="utf-8"?>
-<p:sldLayout xmlns:a="http://schemas.openxmlformats.org/drawingml/2006/main" xmlns:r="http://schemas.openxmlformats.org/officeDocument/2006/relationships" xmlns:p="http://schemas.openxmlformats.org/presentationml/2006/main" showMasterSp="0" type="title" preserve="1">
+<p:sldLayout xmlns:a="http://schemas.openxmlformats.org/drawingml/2006/main" xmlns:r="http://schemas.openxmlformats.org/officeDocument/2006/relationships" xmlns:p="http://schemas.openxmlformats.org/presentationml/2006/main" type="title" preserve="1" showMasterSp="0">
   <p:cSld name="Title Slide">
     <p:spTree>
       <p:nvGrpSpPr>
@@ -203,133 +211,133 @@
               <a:gd name="connsiteY3" fmla="*/ 2083594 h 2083594"/>
               <a:gd name="connsiteX4" fmla="*/ 0 w 3350419"/>
               <a:gd name="connsiteY4" fmla="*/ 2081213 h 2083594"/>
-              <a:gd name="connsiteX0" fmla="*/ 0 w 3112294"/>
-              <a:gd name="connsiteY0" fmla="*/ 2019301 h 2083594"/>
-              <a:gd name="connsiteX1" fmla="*/ 2793206 w 3112294"/>
-              <a:gd name="connsiteY1" fmla="*/ 0 h 2083594"/>
-              <a:gd name="connsiteX2" fmla="*/ 3112294 w 3112294"/>
-              <a:gd name="connsiteY2" fmla="*/ 80963 h 2083594"/>
-              <a:gd name="connsiteX3" fmla="*/ 3112294 w 3112294"/>
-              <a:gd name="connsiteY3" fmla="*/ 2083594 h 2083594"/>
-              <a:gd name="connsiteX4" fmla="*/ 0 w 3112294"/>
-              <a:gd name="connsiteY4" fmla="*/ 2019301 h 2083594"/>
-              <a:gd name="connsiteX0" fmla="*/ 0 w 3345656"/>
-              <a:gd name="connsiteY0" fmla="*/ 2097882 h 2097882"/>
-              <a:gd name="connsiteX1" fmla="*/ 3026568 w 3345656"/>
-              <a:gd name="connsiteY1" fmla="*/ 0 h 2097882"/>
-              <a:gd name="connsiteX2" fmla="*/ 3345656 w 3345656"/>
-              <a:gd name="connsiteY2" fmla="*/ 80963 h 2097882"/>
-              <a:gd name="connsiteX3" fmla="*/ 3345656 w 3345656"/>
-              <a:gd name="connsiteY3" fmla="*/ 2083594 h 2097882"/>
-              <a:gd name="connsiteX4" fmla="*/ 0 w 3345656"/>
-              <a:gd name="connsiteY4" fmla="*/ 2097882 h 2097882"/>
-              <a:gd name="connsiteX0" fmla="*/ 0 w 2800350"/>
-              <a:gd name="connsiteY0" fmla="*/ 1935957 h 2083594"/>
-              <a:gd name="connsiteX1" fmla="*/ 2481262 w 2800350"/>
-              <a:gd name="connsiteY1" fmla="*/ 0 h 2083594"/>
-              <a:gd name="connsiteX2" fmla="*/ 2800350 w 2800350"/>
-              <a:gd name="connsiteY2" fmla="*/ 80963 h 2083594"/>
-              <a:gd name="connsiteX3" fmla="*/ 2800350 w 2800350"/>
-              <a:gd name="connsiteY3" fmla="*/ 2083594 h 2083594"/>
-              <a:gd name="connsiteX4" fmla="*/ 0 w 2800350"/>
-              <a:gd name="connsiteY4" fmla="*/ 1935957 h 2083594"/>
-              <a:gd name="connsiteX0" fmla="*/ 0 w 3352800"/>
-              <a:gd name="connsiteY0" fmla="*/ 2083594 h 2083594"/>
-              <a:gd name="connsiteX1" fmla="*/ 3033712 w 3352800"/>
-              <a:gd name="connsiteY1" fmla="*/ 0 h 2083594"/>
-              <a:gd name="connsiteX2" fmla="*/ 3352800 w 3352800"/>
-              <a:gd name="connsiteY2" fmla="*/ 80963 h 2083594"/>
-              <a:gd name="connsiteX3" fmla="*/ 3352800 w 3352800"/>
-              <a:gd name="connsiteY3" fmla="*/ 2083594 h 2083594"/>
-              <a:gd name="connsiteX4" fmla="*/ 0 w 3352800"/>
-              <a:gd name="connsiteY4" fmla="*/ 2083594 h 2083594"/>
-              <a:gd name="connsiteX0" fmla="*/ 0 w 3352800"/>
-              <a:gd name="connsiteY0" fmla="*/ 2002631 h 2002631"/>
-              <a:gd name="connsiteX1" fmla="*/ 3033712 w 3352800"/>
-              <a:gd name="connsiteY1" fmla="*/ 157162 h 2002631"/>
-              <a:gd name="connsiteX2" fmla="*/ 3352800 w 3352800"/>
-              <a:gd name="connsiteY2" fmla="*/ 0 h 2002631"/>
-              <a:gd name="connsiteX3" fmla="*/ 3352800 w 3352800"/>
-              <a:gd name="connsiteY3" fmla="*/ 2002631 h 2002631"/>
-              <a:gd name="connsiteX4" fmla="*/ 0 w 3352800"/>
-              <a:gd name="connsiteY4" fmla="*/ 2002631 h 2002631"/>
-              <a:gd name="connsiteX0" fmla="*/ 0 w 3352800"/>
-              <a:gd name="connsiteY0" fmla="*/ 2002631 h 2002631"/>
-              <a:gd name="connsiteX1" fmla="*/ 2988469 w 3352800"/>
-              <a:gd name="connsiteY1" fmla="*/ 59530 h 2002631"/>
-              <a:gd name="connsiteX2" fmla="*/ 3352800 w 3352800"/>
-              <a:gd name="connsiteY2" fmla="*/ 0 h 2002631"/>
-              <a:gd name="connsiteX3" fmla="*/ 3352800 w 3352800"/>
-              <a:gd name="connsiteY3" fmla="*/ 2002631 h 2002631"/>
-              <a:gd name="connsiteX4" fmla="*/ 0 w 3352800"/>
-              <a:gd name="connsiteY4" fmla="*/ 2002631 h 2002631"/>
-              <a:gd name="connsiteX0" fmla="*/ 0 w 3352800"/>
-              <a:gd name="connsiteY0" fmla="*/ 2002631 h 2002631"/>
-              <a:gd name="connsiteX1" fmla="*/ 2833966 w 3352800"/>
-              <a:gd name="connsiteY1" fmla="*/ 425 h 2002631"/>
-              <a:gd name="connsiteX2" fmla="*/ 3352800 w 3352800"/>
-              <a:gd name="connsiteY2" fmla="*/ 0 h 2002631"/>
-              <a:gd name="connsiteX3" fmla="*/ 3352800 w 3352800"/>
-              <a:gd name="connsiteY3" fmla="*/ 2002631 h 2002631"/>
-              <a:gd name="connsiteX4" fmla="*/ 0 w 3352800"/>
-              <a:gd name="connsiteY4" fmla="*/ 2002631 h 2002631"/>
-              <a:gd name="connsiteX0" fmla="*/ 0 w 3352800"/>
-              <a:gd name="connsiteY0" fmla="*/ 2002631 h 2002631"/>
-              <a:gd name="connsiteX1" fmla="*/ 2845314 w 3352800"/>
-              <a:gd name="connsiteY1" fmla="*/ 12246 h 2002631"/>
-              <a:gd name="connsiteX2" fmla="*/ 3352800 w 3352800"/>
-              <a:gd name="connsiteY2" fmla="*/ 0 h 2002631"/>
-              <a:gd name="connsiteX3" fmla="*/ 3352800 w 3352800"/>
-              <a:gd name="connsiteY3" fmla="*/ 2002631 h 2002631"/>
-              <a:gd name="connsiteX4" fmla="*/ 0 w 3352800"/>
-              <a:gd name="connsiteY4" fmla="*/ 2002631 h 2002631"/>
-              <a:gd name="connsiteX0" fmla="*/ 0 w 3352800"/>
-              <a:gd name="connsiteY0" fmla="*/ 2002631 h 2002631"/>
-              <a:gd name="connsiteX1" fmla="*/ 2834839 w 3352800"/>
-              <a:gd name="connsiteY1" fmla="*/ 425 h 2002631"/>
-              <a:gd name="connsiteX2" fmla="*/ 3352800 w 3352800"/>
-              <a:gd name="connsiteY2" fmla="*/ 0 h 2002631"/>
-              <a:gd name="connsiteX3" fmla="*/ 3352800 w 3352800"/>
-              <a:gd name="connsiteY3" fmla="*/ 2002631 h 2002631"/>
-              <a:gd name="connsiteX4" fmla="*/ 0 w 3352800"/>
-              <a:gd name="connsiteY4" fmla="*/ 2002631 h 2002631"/>
-              <a:gd name="connsiteX0" fmla="*/ 0 w 3352800"/>
-              <a:gd name="connsiteY0" fmla="*/ 2002631 h 2002631"/>
-              <a:gd name="connsiteX1" fmla="*/ 2875865 w 3352800"/>
-              <a:gd name="connsiteY1" fmla="*/ 81782 h 2002631"/>
-              <a:gd name="connsiteX2" fmla="*/ 3352800 w 3352800"/>
-              <a:gd name="connsiteY2" fmla="*/ 0 h 2002631"/>
-              <a:gd name="connsiteX3" fmla="*/ 3352800 w 3352800"/>
-              <a:gd name="connsiteY3" fmla="*/ 2002631 h 2002631"/>
-              <a:gd name="connsiteX4" fmla="*/ 0 w 3352800"/>
-              <a:gd name="connsiteY4" fmla="*/ 2002631 h 2002631"/>
-              <a:gd name="connsiteX0" fmla="*/ 0 w 3352800"/>
-              <a:gd name="connsiteY0" fmla="*/ 2002901 h 2002901"/>
-              <a:gd name="connsiteX1" fmla="*/ 2836585 w 3352800"/>
-              <a:gd name="connsiteY1" fmla="*/ 0 h 2002901"/>
-              <a:gd name="connsiteX2" fmla="*/ 3352800 w 3352800"/>
-              <a:gd name="connsiteY2" fmla="*/ 270 h 2002901"/>
-              <a:gd name="connsiteX3" fmla="*/ 3352800 w 3352800"/>
-              <a:gd name="connsiteY3" fmla="*/ 2002901 h 2002901"/>
-              <a:gd name="connsiteX4" fmla="*/ 0 w 3352800"/>
-              <a:gd name="connsiteY4" fmla="*/ 2002901 h 2002901"/>
+              <a:gd name="connsiteX0-1" fmla="*/ 0 w 3112294"/>
+              <a:gd name="connsiteY0-2" fmla="*/ 2019301 h 2083594"/>
+              <a:gd name="connsiteX1-3" fmla="*/ 2793206 w 3112294"/>
+              <a:gd name="connsiteY1-4" fmla="*/ 0 h 2083594"/>
+              <a:gd name="connsiteX2-5" fmla="*/ 3112294 w 3112294"/>
+              <a:gd name="connsiteY2-6" fmla="*/ 80963 h 2083594"/>
+              <a:gd name="connsiteX3-7" fmla="*/ 3112294 w 3112294"/>
+              <a:gd name="connsiteY3-8" fmla="*/ 2083594 h 2083594"/>
+              <a:gd name="connsiteX4-9" fmla="*/ 0 w 3112294"/>
+              <a:gd name="connsiteY4-10" fmla="*/ 2019301 h 2083594"/>
+              <a:gd name="connsiteX0-11" fmla="*/ 0 w 3345656"/>
+              <a:gd name="connsiteY0-12" fmla="*/ 2097882 h 2097882"/>
+              <a:gd name="connsiteX1-13" fmla="*/ 3026568 w 3345656"/>
+              <a:gd name="connsiteY1-14" fmla="*/ 0 h 2097882"/>
+              <a:gd name="connsiteX2-15" fmla="*/ 3345656 w 3345656"/>
+              <a:gd name="connsiteY2-16" fmla="*/ 80963 h 2097882"/>
+              <a:gd name="connsiteX3-17" fmla="*/ 3345656 w 3345656"/>
+              <a:gd name="connsiteY3-18" fmla="*/ 2083594 h 2097882"/>
+              <a:gd name="connsiteX4-19" fmla="*/ 0 w 3345656"/>
+              <a:gd name="connsiteY4-20" fmla="*/ 2097882 h 2097882"/>
+              <a:gd name="connsiteX0-21" fmla="*/ 0 w 2800350"/>
+              <a:gd name="connsiteY0-22" fmla="*/ 1935957 h 2083594"/>
+              <a:gd name="connsiteX1-23" fmla="*/ 2481262 w 2800350"/>
+              <a:gd name="connsiteY1-24" fmla="*/ 0 h 2083594"/>
+              <a:gd name="connsiteX2-25" fmla="*/ 2800350 w 2800350"/>
+              <a:gd name="connsiteY2-26" fmla="*/ 80963 h 2083594"/>
+              <a:gd name="connsiteX3-27" fmla="*/ 2800350 w 2800350"/>
+              <a:gd name="connsiteY3-28" fmla="*/ 2083594 h 2083594"/>
+              <a:gd name="connsiteX4-29" fmla="*/ 0 w 2800350"/>
+              <a:gd name="connsiteY4-30" fmla="*/ 1935957 h 2083594"/>
+              <a:gd name="connsiteX0-31" fmla="*/ 0 w 3352800"/>
+              <a:gd name="connsiteY0-32" fmla="*/ 2083594 h 2083594"/>
+              <a:gd name="connsiteX1-33" fmla="*/ 3033712 w 3352800"/>
+              <a:gd name="connsiteY1-34" fmla="*/ 0 h 2083594"/>
+              <a:gd name="connsiteX2-35" fmla="*/ 3352800 w 3352800"/>
+              <a:gd name="connsiteY2-36" fmla="*/ 80963 h 2083594"/>
+              <a:gd name="connsiteX3-37" fmla="*/ 3352800 w 3352800"/>
+              <a:gd name="connsiteY3-38" fmla="*/ 2083594 h 2083594"/>
+              <a:gd name="connsiteX4-39" fmla="*/ 0 w 3352800"/>
+              <a:gd name="connsiteY4-40" fmla="*/ 2083594 h 2083594"/>
+              <a:gd name="connsiteX0-41" fmla="*/ 0 w 3352800"/>
+              <a:gd name="connsiteY0-42" fmla="*/ 2002631 h 2002631"/>
+              <a:gd name="connsiteX1-43" fmla="*/ 3033712 w 3352800"/>
+              <a:gd name="connsiteY1-44" fmla="*/ 157162 h 2002631"/>
+              <a:gd name="connsiteX2-45" fmla="*/ 3352800 w 3352800"/>
+              <a:gd name="connsiteY2-46" fmla="*/ 0 h 2002631"/>
+              <a:gd name="connsiteX3-47" fmla="*/ 3352800 w 3352800"/>
+              <a:gd name="connsiteY3-48" fmla="*/ 2002631 h 2002631"/>
+              <a:gd name="connsiteX4-49" fmla="*/ 0 w 3352800"/>
+              <a:gd name="connsiteY4-50" fmla="*/ 2002631 h 2002631"/>
+              <a:gd name="connsiteX0-51" fmla="*/ 0 w 3352800"/>
+              <a:gd name="connsiteY0-52" fmla="*/ 2002631 h 2002631"/>
+              <a:gd name="connsiteX1-53" fmla="*/ 2988469 w 3352800"/>
+              <a:gd name="connsiteY1-54" fmla="*/ 59530 h 2002631"/>
+              <a:gd name="connsiteX2-55" fmla="*/ 3352800 w 3352800"/>
+              <a:gd name="connsiteY2-56" fmla="*/ 0 h 2002631"/>
+              <a:gd name="connsiteX3-57" fmla="*/ 3352800 w 3352800"/>
+              <a:gd name="connsiteY3-58" fmla="*/ 2002631 h 2002631"/>
+              <a:gd name="connsiteX4-59" fmla="*/ 0 w 3352800"/>
+              <a:gd name="connsiteY4-60" fmla="*/ 2002631 h 2002631"/>
+              <a:gd name="connsiteX0-61" fmla="*/ 0 w 3352800"/>
+              <a:gd name="connsiteY0-62" fmla="*/ 2002631 h 2002631"/>
+              <a:gd name="connsiteX1-63" fmla="*/ 2833966 w 3352800"/>
+              <a:gd name="connsiteY1-64" fmla="*/ 425 h 2002631"/>
+              <a:gd name="connsiteX2-65" fmla="*/ 3352800 w 3352800"/>
+              <a:gd name="connsiteY2-66" fmla="*/ 0 h 2002631"/>
+              <a:gd name="connsiteX3-67" fmla="*/ 3352800 w 3352800"/>
+              <a:gd name="connsiteY3-68" fmla="*/ 2002631 h 2002631"/>
+              <a:gd name="connsiteX4-69" fmla="*/ 0 w 3352800"/>
+              <a:gd name="connsiteY4-70" fmla="*/ 2002631 h 2002631"/>
+              <a:gd name="connsiteX0-71" fmla="*/ 0 w 3352800"/>
+              <a:gd name="connsiteY0-72" fmla="*/ 2002631 h 2002631"/>
+              <a:gd name="connsiteX1-73" fmla="*/ 2845314 w 3352800"/>
+              <a:gd name="connsiteY1-74" fmla="*/ 12246 h 2002631"/>
+              <a:gd name="connsiteX2-75" fmla="*/ 3352800 w 3352800"/>
+              <a:gd name="connsiteY2-76" fmla="*/ 0 h 2002631"/>
+              <a:gd name="connsiteX3-77" fmla="*/ 3352800 w 3352800"/>
+              <a:gd name="connsiteY3-78" fmla="*/ 2002631 h 2002631"/>
+              <a:gd name="connsiteX4-79" fmla="*/ 0 w 3352800"/>
+              <a:gd name="connsiteY4-80" fmla="*/ 2002631 h 2002631"/>
+              <a:gd name="connsiteX0-81" fmla="*/ 0 w 3352800"/>
+              <a:gd name="connsiteY0-82" fmla="*/ 2002631 h 2002631"/>
+              <a:gd name="connsiteX1-83" fmla="*/ 2834839 w 3352800"/>
+              <a:gd name="connsiteY1-84" fmla="*/ 425 h 2002631"/>
+              <a:gd name="connsiteX2-85" fmla="*/ 3352800 w 3352800"/>
+              <a:gd name="connsiteY2-86" fmla="*/ 0 h 2002631"/>
+              <a:gd name="connsiteX3-87" fmla="*/ 3352800 w 3352800"/>
+              <a:gd name="connsiteY3-88" fmla="*/ 2002631 h 2002631"/>
+              <a:gd name="connsiteX4-89" fmla="*/ 0 w 3352800"/>
+              <a:gd name="connsiteY4-90" fmla="*/ 2002631 h 2002631"/>
+              <a:gd name="connsiteX0-91" fmla="*/ 0 w 3352800"/>
+              <a:gd name="connsiteY0-92" fmla="*/ 2002631 h 2002631"/>
+              <a:gd name="connsiteX1-93" fmla="*/ 2875865 w 3352800"/>
+              <a:gd name="connsiteY1-94" fmla="*/ 81782 h 2002631"/>
+              <a:gd name="connsiteX2-95" fmla="*/ 3352800 w 3352800"/>
+              <a:gd name="connsiteY2-96" fmla="*/ 0 h 2002631"/>
+              <a:gd name="connsiteX3-97" fmla="*/ 3352800 w 3352800"/>
+              <a:gd name="connsiteY3-98" fmla="*/ 2002631 h 2002631"/>
+              <a:gd name="connsiteX4-99" fmla="*/ 0 w 3352800"/>
+              <a:gd name="connsiteY4-100" fmla="*/ 2002631 h 2002631"/>
+              <a:gd name="connsiteX0-101" fmla="*/ 0 w 3352800"/>
+              <a:gd name="connsiteY0-102" fmla="*/ 2002901 h 2002901"/>
+              <a:gd name="connsiteX1-103" fmla="*/ 2836585 w 3352800"/>
+              <a:gd name="connsiteY1-104" fmla="*/ 0 h 2002901"/>
+              <a:gd name="connsiteX2-105" fmla="*/ 3352800 w 3352800"/>
+              <a:gd name="connsiteY2-106" fmla="*/ 270 h 2002901"/>
+              <a:gd name="connsiteX3-107" fmla="*/ 3352800 w 3352800"/>
+              <a:gd name="connsiteY3-108" fmla="*/ 2002901 h 2002901"/>
+              <a:gd name="connsiteX4-109" fmla="*/ 0 w 3352800"/>
+              <a:gd name="connsiteY4-110" fmla="*/ 2002901 h 2002901"/>
             </a:gdLst>
             <a:ahLst/>
             <a:cxnLst>
               <a:cxn ang="0">
-                <a:pos x="connsiteX0" y="connsiteY0"/>
+                <a:pos x="connsiteX0-1" y="connsiteY0-2"/>
               </a:cxn>
               <a:cxn ang="0">
-                <a:pos x="connsiteX1" y="connsiteY1"/>
+                <a:pos x="connsiteX1-3" y="connsiteY1-4"/>
               </a:cxn>
               <a:cxn ang="0">
-                <a:pos x="connsiteX2" y="connsiteY2"/>
+                <a:pos x="connsiteX2-5" y="connsiteY2-6"/>
               </a:cxn>
               <a:cxn ang="0">
-                <a:pos x="connsiteX3" y="connsiteY3"/>
+                <a:pos x="connsiteX3-7" y="connsiteY3-8"/>
               </a:cxn>
               <a:cxn ang="0">
-                <a:pos x="connsiteX4" y="connsiteY4"/>
+                <a:pos x="connsiteX4-9" y="connsiteY4-10"/>
               </a:cxn>
             </a:cxnLst>
             <a:rect l="l" t="t" r="r" b="b"/>
@@ -554,9 +562,8 @@
                 <a:schemeClr val="accent1"/>
               </a:buClr>
               <a:buSzPct val="100000"/>
-              <a:buFont typeface="Arial" pitchFamily="34" charset="0"/>
+              <a:buFont typeface="Arial" panose="020B0604020202020204" pitchFamily="34" charset="0"/>
               <a:buNone/>
-              <a:tabLst/>
               <a:defRPr/>
             </a:pPr>
             <a:r>
@@ -584,7 +591,6 @@
           <a:p>
             <a:fld id="{5E148A0C-73D1-4EE5-BF2E-1E00A1A73849}" type="datetimeFigureOut">
               <a:rPr lang="en-SG" smtClean="0"/>
-              <a:t>28/3/2023</a:t>
             </a:fld>
             <a:endParaRPr lang="en-SG"/>
           </a:p>
@@ -626,7 +632,6 @@
           <a:p>
             <a:fld id="{5B0A8A63-B95F-4BD0-A647-9516EDAF554A}" type="slidenum">
               <a:rPr lang="en-SG" smtClean="0"/>
-              <a:t>‹#›</a:t>
             </a:fld>
             <a:endParaRPr lang="en-SG"/>
           </a:p>
@@ -637,6 +642,18 @@
   <p:clrMapOvr>
     <a:masterClrMapping/>
   </p:clrMapOvr>
+  <mc:AlternateContent xmlns:mc="http://schemas.openxmlformats.org/markup-compatibility/2006" xmlns:p159="http://schemas.microsoft.com/office/powerpoint/2015/09/main">
+    <mc:Choice Requires="p159">
+      <p:transition xmlns:p14="http://schemas.microsoft.com/office/powerpoint/2010/main" spd="slow" p14:dur="2000">
+        <p159:morph option="byObject"/>
+      </p:transition>
+    </mc:Choice>
+    <mc:Fallback>
+      <p:transition spd="slow">
+        <p:fade/>
+      </p:transition>
+    </mc:Fallback>
+  </mc:AlternateContent>
 </p:sldLayout>
 </file>
 
@@ -700,6 +717,7 @@
               <a:rPr lang="en-US" smtClean="0"/>
               <a:t>Click to edit Master text styles</a:t>
             </a:r>
+            <a:endParaRPr lang="en-US" smtClean="0"/>
           </a:p>
           <a:p>
             <a:pPr lvl="1"/>
@@ -707,6 +725,7 @@
               <a:rPr lang="en-US" smtClean="0"/>
               <a:t>Second level</a:t>
             </a:r>
+            <a:endParaRPr lang="en-US" smtClean="0"/>
           </a:p>
           <a:p>
             <a:pPr lvl="2"/>
@@ -714,6 +733,7 @@
               <a:rPr lang="en-US" smtClean="0"/>
               <a:t>Third level</a:t>
             </a:r>
+            <a:endParaRPr lang="en-US" smtClean="0"/>
           </a:p>
           <a:p>
             <a:pPr lvl="3"/>
@@ -721,6 +741,7 @@
               <a:rPr lang="en-US" smtClean="0"/>
               <a:t>Fourth level</a:t>
             </a:r>
+            <a:endParaRPr lang="en-US" smtClean="0"/>
           </a:p>
           <a:p>
             <a:pPr lvl="4"/>
@@ -749,7 +770,6 @@
           <a:p>
             <a:fld id="{5E148A0C-73D1-4EE5-BF2E-1E00A1A73849}" type="datetimeFigureOut">
               <a:rPr lang="en-SG" smtClean="0"/>
-              <a:t>28/3/2023</a:t>
             </a:fld>
             <a:endParaRPr lang="en-SG"/>
           </a:p>
@@ -791,7 +811,6 @@
           <a:p>
             <a:fld id="{5B0A8A63-B95F-4BD0-A647-9516EDAF554A}" type="slidenum">
               <a:rPr lang="en-SG" smtClean="0"/>
-              <a:t>‹#›</a:t>
             </a:fld>
             <a:endParaRPr lang="en-SG"/>
           </a:p>
@@ -802,6 +821,18 @@
   <p:clrMapOvr>
     <a:masterClrMapping/>
   </p:clrMapOvr>
+  <mc:AlternateContent xmlns:mc="http://schemas.openxmlformats.org/markup-compatibility/2006" xmlns:p159="http://schemas.microsoft.com/office/powerpoint/2015/09/main">
+    <mc:Choice Requires="p159">
+      <p:transition xmlns:p14="http://schemas.microsoft.com/office/powerpoint/2010/main" spd="slow" p14:dur="2000">
+        <p159:morph option="byObject"/>
+      </p:transition>
+    </mc:Choice>
+    <mc:Fallback>
+      <p:transition spd="slow">
+        <p:fade/>
+      </p:transition>
+    </mc:Fallback>
+  </mc:AlternateContent>
 </p:sldLayout>
 </file>
 
@@ -875,6 +906,7 @@
               <a:rPr lang="en-US" smtClean="0"/>
               <a:t>Click to edit Master text styles</a:t>
             </a:r>
+            <a:endParaRPr lang="en-US" smtClean="0"/>
           </a:p>
           <a:p>
             <a:pPr lvl="1"/>
@@ -882,6 +914,7 @@
               <a:rPr lang="en-US" smtClean="0"/>
               <a:t>Second level</a:t>
             </a:r>
+            <a:endParaRPr lang="en-US" smtClean="0"/>
           </a:p>
           <a:p>
             <a:pPr lvl="2"/>
@@ -889,6 +922,7 @@
               <a:rPr lang="en-US" smtClean="0"/>
               <a:t>Third level</a:t>
             </a:r>
+            <a:endParaRPr lang="en-US" smtClean="0"/>
           </a:p>
           <a:p>
             <a:pPr lvl="3"/>
@@ -896,6 +930,7 @@
               <a:rPr lang="en-US" smtClean="0"/>
               <a:t>Fourth level</a:t>
             </a:r>
+            <a:endParaRPr lang="en-US" smtClean="0"/>
           </a:p>
           <a:p>
             <a:pPr lvl="4"/>
@@ -924,7 +959,6 @@
           <a:p>
             <a:fld id="{5E148A0C-73D1-4EE5-BF2E-1E00A1A73849}" type="datetimeFigureOut">
               <a:rPr lang="en-SG" smtClean="0"/>
-              <a:t>28/3/2023</a:t>
             </a:fld>
             <a:endParaRPr lang="en-SG"/>
           </a:p>
@@ -966,7 +1000,6 @@
           <a:p>
             <a:fld id="{5B0A8A63-B95F-4BD0-A647-9516EDAF554A}" type="slidenum">
               <a:rPr lang="en-SG" smtClean="0"/>
-              <a:t>‹#›</a:t>
             </a:fld>
             <a:endParaRPr lang="en-SG"/>
           </a:p>
@@ -977,6 +1010,18 @@
   <p:clrMapOvr>
     <a:masterClrMapping/>
   </p:clrMapOvr>
+  <mc:AlternateContent xmlns:mc="http://schemas.openxmlformats.org/markup-compatibility/2006" xmlns:p159="http://schemas.microsoft.com/office/powerpoint/2015/09/main">
+    <mc:Choice Requires="p159">
+      <p:transition xmlns:p14="http://schemas.microsoft.com/office/powerpoint/2010/main" spd="slow" p14:dur="2000">
+        <p159:morph option="byObject"/>
+      </p:transition>
+    </mc:Choice>
+    <mc:Fallback>
+      <p:transition spd="slow">
+        <p:fade/>
+      </p:transition>
+    </mc:Fallback>
+  </mc:AlternateContent>
 </p:sldLayout>
 </file>
 
@@ -1040,6 +1085,7 @@
               <a:rPr lang="en-US" smtClean="0"/>
               <a:t>Click to edit Master text styles</a:t>
             </a:r>
+            <a:endParaRPr lang="en-US" smtClean="0"/>
           </a:p>
           <a:p>
             <a:pPr lvl="1"/>
@@ -1047,6 +1093,7 @@
               <a:rPr lang="en-US" smtClean="0"/>
               <a:t>Second level</a:t>
             </a:r>
+            <a:endParaRPr lang="en-US" smtClean="0"/>
           </a:p>
           <a:p>
             <a:pPr lvl="2"/>
@@ -1054,6 +1101,7 @@
               <a:rPr lang="en-US" smtClean="0"/>
               <a:t>Third level</a:t>
             </a:r>
+            <a:endParaRPr lang="en-US" smtClean="0"/>
           </a:p>
           <a:p>
             <a:pPr lvl="3"/>
@@ -1061,6 +1109,7 @@
               <a:rPr lang="en-US" smtClean="0"/>
               <a:t>Fourth level</a:t>
             </a:r>
+            <a:endParaRPr lang="en-US" smtClean="0"/>
           </a:p>
           <a:p>
             <a:pPr lvl="4"/>
@@ -1089,7 +1138,6 @@
           <a:p>
             <a:fld id="{5E148A0C-73D1-4EE5-BF2E-1E00A1A73849}" type="datetimeFigureOut">
               <a:rPr lang="en-SG" smtClean="0"/>
-              <a:t>28/3/2023</a:t>
             </a:fld>
             <a:endParaRPr lang="en-SG"/>
           </a:p>
@@ -1131,7 +1179,6 @@
           <a:p>
             <a:fld id="{5B0A8A63-B95F-4BD0-A647-9516EDAF554A}" type="slidenum">
               <a:rPr lang="en-SG" smtClean="0"/>
-              <a:t>‹#›</a:t>
             </a:fld>
             <a:endParaRPr lang="en-SG"/>
           </a:p>
@@ -1142,11 +1189,23 @@
   <p:clrMapOvr>
     <a:masterClrMapping/>
   </p:clrMapOvr>
+  <mc:AlternateContent xmlns:mc="http://schemas.openxmlformats.org/markup-compatibility/2006" xmlns:p159="http://schemas.microsoft.com/office/powerpoint/2015/09/main">
+    <mc:Choice Requires="p159">
+      <p:transition xmlns:p14="http://schemas.microsoft.com/office/powerpoint/2010/main" spd="slow" p14:dur="2000">
+        <p159:morph option="byObject"/>
+      </p:transition>
+    </mc:Choice>
+    <mc:Fallback>
+      <p:transition spd="slow">
+        <p:fade/>
+      </p:transition>
+    </mc:Fallback>
+  </mc:AlternateContent>
 </p:sldLayout>
 </file>
 
 <file path=ppt/slideLayouts/slideLayout3.xml><?xml version="1.0" encoding="utf-8"?>
-<p:sldLayout xmlns:a="http://schemas.openxmlformats.org/drawingml/2006/main" xmlns:r="http://schemas.openxmlformats.org/officeDocument/2006/relationships" xmlns:p="http://schemas.openxmlformats.org/presentationml/2006/main" showMasterSp="0" type="secHead" preserve="1">
+<p:sldLayout xmlns:a="http://schemas.openxmlformats.org/drawingml/2006/main" xmlns:r="http://schemas.openxmlformats.org/officeDocument/2006/relationships" xmlns:p="http://schemas.openxmlformats.org/presentationml/2006/main" type="secHead" preserve="1" showMasterSp="0">
   <p:cSld name="Section Header">
     <p:spTree>
       <p:nvGrpSpPr>
@@ -1186,133 +1245,133 @@
               <a:gd name="connsiteY3" fmla="*/ 2083594 h 2083594"/>
               <a:gd name="connsiteX4" fmla="*/ 0 w 3350419"/>
               <a:gd name="connsiteY4" fmla="*/ 2081213 h 2083594"/>
-              <a:gd name="connsiteX0" fmla="*/ 0 w 3112294"/>
-              <a:gd name="connsiteY0" fmla="*/ 2019301 h 2083594"/>
-              <a:gd name="connsiteX1" fmla="*/ 2793206 w 3112294"/>
-              <a:gd name="connsiteY1" fmla="*/ 0 h 2083594"/>
-              <a:gd name="connsiteX2" fmla="*/ 3112294 w 3112294"/>
-              <a:gd name="connsiteY2" fmla="*/ 80963 h 2083594"/>
-              <a:gd name="connsiteX3" fmla="*/ 3112294 w 3112294"/>
-              <a:gd name="connsiteY3" fmla="*/ 2083594 h 2083594"/>
-              <a:gd name="connsiteX4" fmla="*/ 0 w 3112294"/>
-              <a:gd name="connsiteY4" fmla="*/ 2019301 h 2083594"/>
-              <a:gd name="connsiteX0" fmla="*/ 0 w 3345656"/>
-              <a:gd name="connsiteY0" fmla="*/ 2097882 h 2097882"/>
-              <a:gd name="connsiteX1" fmla="*/ 3026568 w 3345656"/>
-              <a:gd name="connsiteY1" fmla="*/ 0 h 2097882"/>
-              <a:gd name="connsiteX2" fmla="*/ 3345656 w 3345656"/>
-              <a:gd name="connsiteY2" fmla="*/ 80963 h 2097882"/>
-              <a:gd name="connsiteX3" fmla="*/ 3345656 w 3345656"/>
-              <a:gd name="connsiteY3" fmla="*/ 2083594 h 2097882"/>
-              <a:gd name="connsiteX4" fmla="*/ 0 w 3345656"/>
-              <a:gd name="connsiteY4" fmla="*/ 2097882 h 2097882"/>
-              <a:gd name="connsiteX0" fmla="*/ 0 w 2800350"/>
-              <a:gd name="connsiteY0" fmla="*/ 1935957 h 2083594"/>
-              <a:gd name="connsiteX1" fmla="*/ 2481262 w 2800350"/>
-              <a:gd name="connsiteY1" fmla="*/ 0 h 2083594"/>
-              <a:gd name="connsiteX2" fmla="*/ 2800350 w 2800350"/>
-              <a:gd name="connsiteY2" fmla="*/ 80963 h 2083594"/>
-              <a:gd name="connsiteX3" fmla="*/ 2800350 w 2800350"/>
-              <a:gd name="connsiteY3" fmla="*/ 2083594 h 2083594"/>
-              <a:gd name="connsiteX4" fmla="*/ 0 w 2800350"/>
-              <a:gd name="connsiteY4" fmla="*/ 1935957 h 2083594"/>
-              <a:gd name="connsiteX0" fmla="*/ 0 w 3352800"/>
-              <a:gd name="connsiteY0" fmla="*/ 2083594 h 2083594"/>
-              <a:gd name="connsiteX1" fmla="*/ 3033712 w 3352800"/>
-              <a:gd name="connsiteY1" fmla="*/ 0 h 2083594"/>
-              <a:gd name="connsiteX2" fmla="*/ 3352800 w 3352800"/>
-              <a:gd name="connsiteY2" fmla="*/ 80963 h 2083594"/>
-              <a:gd name="connsiteX3" fmla="*/ 3352800 w 3352800"/>
-              <a:gd name="connsiteY3" fmla="*/ 2083594 h 2083594"/>
-              <a:gd name="connsiteX4" fmla="*/ 0 w 3352800"/>
-              <a:gd name="connsiteY4" fmla="*/ 2083594 h 2083594"/>
-              <a:gd name="connsiteX0" fmla="*/ 0 w 3352800"/>
-              <a:gd name="connsiteY0" fmla="*/ 2002631 h 2002631"/>
-              <a:gd name="connsiteX1" fmla="*/ 3033712 w 3352800"/>
-              <a:gd name="connsiteY1" fmla="*/ 157162 h 2002631"/>
-              <a:gd name="connsiteX2" fmla="*/ 3352800 w 3352800"/>
-              <a:gd name="connsiteY2" fmla="*/ 0 h 2002631"/>
-              <a:gd name="connsiteX3" fmla="*/ 3352800 w 3352800"/>
-              <a:gd name="connsiteY3" fmla="*/ 2002631 h 2002631"/>
-              <a:gd name="connsiteX4" fmla="*/ 0 w 3352800"/>
-              <a:gd name="connsiteY4" fmla="*/ 2002631 h 2002631"/>
-              <a:gd name="connsiteX0" fmla="*/ 0 w 3352800"/>
-              <a:gd name="connsiteY0" fmla="*/ 2002631 h 2002631"/>
-              <a:gd name="connsiteX1" fmla="*/ 2988469 w 3352800"/>
-              <a:gd name="connsiteY1" fmla="*/ 59530 h 2002631"/>
-              <a:gd name="connsiteX2" fmla="*/ 3352800 w 3352800"/>
-              <a:gd name="connsiteY2" fmla="*/ 0 h 2002631"/>
-              <a:gd name="connsiteX3" fmla="*/ 3352800 w 3352800"/>
-              <a:gd name="connsiteY3" fmla="*/ 2002631 h 2002631"/>
-              <a:gd name="connsiteX4" fmla="*/ 0 w 3352800"/>
-              <a:gd name="connsiteY4" fmla="*/ 2002631 h 2002631"/>
-              <a:gd name="connsiteX0" fmla="*/ 0 w 3352800"/>
-              <a:gd name="connsiteY0" fmla="*/ 2002631 h 2002631"/>
-              <a:gd name="connsiteX1" fmla="*/ 2833966 w 3352800"/>
-              <a:gd name="connsiteY1" fmla="*/ 425 h 2002631"/>
-              <a:gd name="connsiteX2" fmla="*/ 3352800 w 3352800"/>
-              <a:gd name="connsiteY2" fmla="*/ 0 h 2002631"/>
-              <a:gd name="connsiteX3" fmla="*/ 3352800 w 3352800"/>
-              <a:gd name="connsiteY3" fmla="*/ 2002631 h 2002631"/>
-              <a:gd name="connsiteX4" fmla="*/ 0 w 3352800"/>
-              <a:gd name="connsiteY4" fmla="*/ 2002631 h 2002631"/>
-              <a:gd name="connsiteX0" fmla="*/ 0 w 3352800"/>
-              <a:gd name="connsiteY0" fmla="*/ 2002631 h 2002631"/>
-              <a:gd name="connsiteX1" fmla="*/ 2845314 w 3352800"/>
-              <a:gd name="connsiteY1" fmla="*/ 12246 h 2002631"/>
-              <a:gd name="connsiteX2" fmla="*/ 3352800 w 3352800"/>
-              <a:gd name="connsiteY2" fmla="*/ 0 h 2002631"/>
-              <a:gd name="connsiteX3" fmla="*/ 3352800 w 3352800"/>
-              <a:gd name="connsiteY3" fmla="*/ 2002631 h 2002631"/>
-              <a:gd name="connsiteX4" fmla="*/ 0 w 3352800"/>
-              <a:gd name="connsiteY4" fmla="*/ 2002631 h 2002631"/>
-              <a:gd name="connsiteX0" fmla="*/ 0 w 3352800"/>
-              <a:gd name="connsiteY0" fmla="*/ 2002631 h 2002631"/>
-              <a:gd name="connsiteX1" fmla="*/ 2834839 w 3352800"/>
-              <a:gd name="connsiteY1" fmla="*/ 425 h 2002631"/>
-              <a:gd name="connsiteX2" fmla="*/ 3352800 w 3352800"/>
-              <a:gd name="connsiteY2" fmla="*/ 0 h 2002631"/>
-              <a:gd name="connsiteX3" fmla="*/ 3352800 w 3352800"/>
-              <a:gd name="connsiteY3" fmla="*/ 2002631 h 2002631"/>
-              <a:gd name="connsiteX4" fmla="*/ 0 w 3352800"/>
-              <a:gd name="connsiteY4" fmla="*/ 2002631 h 2002631"/>
-              <a:gd name="connsiteX0" fmla="*/ 0 w 3352800"/>
-              <a:gd name="connsiteY0" fmla="*/ 2002631 h 2002631"/>
-              <a:gd name="connsiteX1" fmla="*/ 2875865 w 3352800"/>
-              <a:gd name="connsiteY1" fmla="*/ 81782 h 2002631"/>
-              <a:gd name="connsiteX2" fmla="*/ 3352800 w 3352800"/>
-              <a:gd name="connsiteY2" fmla="*/ 0 h 2002631"/>
-              <a:gd name="connsiteX3" fmla="*/ 3352800 w 3352800"/>
-              <a:gd name="connsiteY3" fmla="*/ 2002631 h 2002631"/>
-              <a:gd name="connsiteX4" fmla="*/ 0 w 3352800"/>
-              <a:gd name="connsiteY4" fmla="*/ 2002631 h 2002631"/>
-              <a:gd name="connsiteX0" fmla="*/ 0 w 3352800"/>
-              <a:gd name="connsiteY0" fmla="*/ 2002901 h 2002901"/>
-              <a:gd name="connsiteX1" fmla="*/ 2836585 w 3352800"/>
-              <a:gd name="connsiteY1" fmla="*/ 0 h 2002901"/>
-              <a:gd name="connsiteX2" fmla="*/ 3352800 w 3352800"/>
-              <a:gd name="connsiteY2" fmla="*/ 270 h 2002901"/>
-              <a:gd name="connsiteX3" fmla="*/ 3352800 w 3352800"/>
-              <a:gd name="connsiteY3" fmla="*/ 2002901 h 2002901"/>
-              <a:gd name="connsiteX4" fmla="*/ 0 w 3352800"/>
-              <a:gd name="connsiteY4" fmla="*/ 2002901 h 2002901"/>
+              <a:gd name="connsiteX0-1" fmla="*/ 0 w 3112294"/>
+              <a:gd name="connsiteY0-2" fmla="*/ 2019301 h 2083594"/>
+              <a:gd name="connsiteX1-3" fmla="*/ 2793206 w 3112294"/>
+              <a:gd name="connsiteY1-4" fmla="*/ 0 h 2083594"/>
+              <a:gd name="connsiteX2-5" fmla="*/ 3112294 w 3112294"/>
+              <a:gd name="connsiteY2-6" fmla="*/ 80963 h 2083594"/>
+              <a:gd name="connsiteX3-7" fmla="*/ 3112294 w 3112294"/>
+              <a:gd name="connsiteY3-8" fmla="*/ 2083594 h 2083594"/>
+              <a:gd name="connsiteX4-9" fmla="*/ 0 w 3112294"/>
+              <a:gd name="connsiteY4-10" fmla="*/ 2019301 h 2083594"/>
+              <a:gd name="connsiteX0-11" fmla="*/ 0 w 3345656"/>
+              <a:gd name="connsiteY0-12" fmla="*/ 2097882 h 2097882"/>
+              <a:gd name="connsiteX1-13" fmla="*/ 3026568 w 3345656"/>
+              <a:gd name="connsiteY1-14" fmla="*/ 0 h 2097882"/>
+              <a:gd name="connsiteX2-15" fmla="*/ 3345656 w 3345656"/>
+              <a:gd name="connsiteY2-16" fmla="*/ 80963 h 2097882"/>
+              <a:gd name="connsiteX3-17" fmla="*/ 3345656 w 3345656"/>
+              <a:gd name="connsiteY3-18" fmla="*/ 2083594 h 2097882"/>
+              <a:gd name="connsiteX4-19" fmla="*/ 0 w 3345656"/>
+              <a:gd name="connsiteY4-20" fmla="*/ 2097882 h 2097882"/>
+              <a:gd name="connsiteX0-21" fmla="*/ 0 w 2800350"/>
+              <a:gd name="connsiteY0-22" fmla="*/ 1935957 h 2083594"/>
+              <a:gd name="connsiteX1-23" fmla="*/ 2481262 w 2800350"/>
+              <a:gd name="connsiteY1-24" fmla="*/ 0 h 2083594"/>
+              <a:gd name="connsiteX2-25" fmla="*/ 2800350 w 2800350"/>
+              <a:gd name="connsiteY2-26" fmla="*/ 80963 h 2083594"/>
+              <a:gd name="connsiteX3-27" fmla="*/ 2800350 w 2800350"/>
+              <a:gd name="connsiteY3-28" fmla="*/ 2083594 h 2083594"/>
+              <a:gd name="connsiteX4-29" fmla="*/ 0 w 2800350"/>
+              <a:gd name="connsiteY4-30" fmla="*/ 1935957 h 2083594"/>
+              <a:gd name="connsiteX0-31" fmla="*/ 0 w 3352800"/>
+              <a:gd name="connsiteY0-32" fmla="*/ 2083594 h 2083594"/>
+              <a:gd name="connsiteX1-33" fmla="*/ 3033712 w 3352800"/>
+              <a:gd name="connsiteY1-34" fmla="*/ 0 h 2083594"/>
+              <a:gd name="connsiteX2-35" fmla="*/ 3352800 w 3352800"/>
+              <a:gd name="connsiteY2-36" fmla="*/ 80963 h 2083594"/>
+              <a:gd name="connsiteX3-37" fmla="*/ 3352800 w 3352800"/>
+              <a:gd name="connsiteY3-38" fmla="*/ 2083594 h 2083594"/>
+              <a:gd name="connsiteX4-39" fmla="*/ 0 w 3352800"/>
+              <a:gd name="connsiteY4-40" fmla="*/ 2083594 h 2083594"/>
+              <a:gd name="connsiteX0-41" fmla="*/ 0 w 3352800"/>
+              <a:gd name="connsiteY0-42" fmla="*/ 2002631 h 2002631"/>
+              <a:gd name="connsiteX1-43" fmla="*/ 3033712 w 3352800"/>
+              <a:gd name="connsiteY1-44" fmla="*/ 157162 h 2002631"/>
+              <a:gd name="connsiteX2-45" fmla="*/ 3352800 w 3352800"/>
+              <a:gd name="connsiteY2-46" fmla="*/ 0 h 2002631"/>
+              <a:gd name="connsiteX3-47" fmla="*/ 3352800 w 3352800"/>
+              <a:gd name="connsiteY3-48" fmla="*/ 2002631 h 2002631"/>
+              <a:gd name="connsiteX4-49" fmla="*/ 0 w 3352800"/>
+              <a:gd name="connsiteY4-50" fmla="*/ 2002631 h 2002631"/>
+              <a:gd name="connsiteX0-51" fmla="*/ 0 w 3352800"/>
+              <a:gd name="connsiteY0-52" fmla="*/ 2002631 h 2002631"/>
+              <a:gd name="connsiteX1-53" fmla="*/ 2988469 w 3352800"/>
+              <a:gd name="connsiteY1-54" fmla="*/ 59530 h 2002631"/>
+              <a:gd name="connsiteX2-55" fmla="*/ 3352800 w 3352800"/>
+              <a:gd name="connsiteY2-56" fmla="*/ 0 h 2002631"/>
+              <a:gd name="connsiteX3-57" fmla="*/ 3352800 w 3352800"/>
+              <a:gd name="connsiteY3-58" fmla="*/ 2002631 h 2002631"/>
+              <a:gd name="connsiteX4-59" fmla="*/ 0 w 3352800"/>
+              <a:gd name="connsiteY4-60" fmla="*/ 2002631 h 2002631"/>
+              <a:gd name="connsiteX0-61" fmla="*/ 0 w 3352800"/>
+              <a:gd name="connsiteY0-62" fmla="*/ 2002631 h 2002631"/>
+              <a:gd name="connsiteX1-63" fmla="*/ 2833966 w 3352800"/>
+              <a:gd name="connsiteY1-64" fmla="*/ 425 h 2002631"/>
+              <a:gd name="connsiteX2-65" fmla="*/ 3352800 w 3352800"/>
+              <a:gd name="connsiteY2-66" fmla="*/ 0 h 2002631"/>
+              <a:gd name="connsiteX3-67" fmla="*/ 3352800 w 3352800"/>
+              <a:gd name="connsiteY3-68" fmla="*/ 2002631 h 2002631"/>
+              <a:gd name="connsiteX4-69" fmla="*/ 0 w 3352800"/>
+              <a:gd name="connsiteY4-70" fmla="*/ 2002631 h 2002631"/>
+              <a:gd name="connsiteX0-71" fmla="*/ 0 w 3352800"/>
+              <a:gd name="connsiteY0-72" fmla="*/ 2002631 h 2002631"/>
+              <a:gd name="connsiteX1-73" fmla="*/ 2845314 w 3352800"/>
+              <a:gd name="connsiteY1-74" fmla="*/ 12246 h 2002631"/>
+              <a:gd name="connsiteX2-75" fmla="*/ 3352800 w 3352800"/>
+              <a:gd name="connsiteY2-76" fmla="*/ 0 h 2002631"/>
+              <a:gd name="connsiteX3-77" fmla="*/ 3352800 w 3352800"/>
+              <a:gd name="connsiteY3-78" fmla="*/ 2002631 h 2002631"/>
+              <a:gd name="connsiteX4-79" fmla="*/ 0 w 3352800"/>
+              <a:gd name="connsiteY4-80" fmla="*/ 2002631 h 2002631"/>
+              <a:gd name="connsiteX0-81" fmla="*/ 0 w 3352800"/>
+              <a:gd name="connsiteY0-82" fmla="*/ 2002631 h 2002631"/>
+              <a:gd name="connsiteX1-83" fmla="*/ 2834839 w 3352800"/>
+              <a:gd name="connsiteY1-84" fmla="*/ 425 h 2002631"/>
+              <a:gd name="connsiteX2-85" fmla="*/ 3352800 w 3352800"/>
+              <a:gd name="connsiteY2-86" fmla="*/ 0 h 2002631"/>
+              <a:gd name="connsiteX3-87" fmla="*/ 3352800 w 3352800"/>
+              <a:gd name="connsiteY3-88" fmla="*/ 2002631 h 2002631"/>
+              <a:gd name="connsiteX4-89" fmla="*/ 0 w 3352800"/>
+              <a:gd name="connsiteY4-90" fmla="*/ 2002631 h 2002631"/>
+              <a:gd name="connsiteX0-91" fmla="*/ 0 w 3352800"/>
+              <a:gd name="connsiteY0-92" fmla="*/ 2002631 h 2002631"/>
+              <a:gd name="connsiteX1-93" fmla="*/ 2875865 w 3352800"/>
+              <a:gd name="connsiteY1-94" fmla="*/ 81782 h 2002631"/>
+              <a:gd name="connsiteX2-95" fmla="*/ 3352800 w 3352800"/>
+              <a:gd name="connsiteY2-96" fmla="*/ 0 h 2002631"/>
+              <a:gd name="connsiteX3-97" fmla="*/ 3352800 w 3352800"/>
+              <a:gd name="connsiteY3-98" fmla="*/ 2002631 h 2002631"/>
+              <a:gd name="connsiteX4-99" fmla="*/ 0 w 3352800"/>
+              <a:gd name="connsiteY4-100" fmla="*/ 2002631 h 2002631"/>
+              <a:gd name="connsiteX0-101" fmla="*/ 0 w 3352800"/>
+              <a:gd name="connsiteY0-102" fmla="*/ 2002901 h 2002901"/>
+              <a:gd name="connsiteX1-103" fmla="*/ 2836585 w 3352800"/>
+              <a:gd name="connsiteY1-104" fmla="*/ 0 h 2002901"/>
+              <a:gd name="connsiteX2-105" fmla="*/ 3352800 w 3352800"/>
+              <a:gd name="connsiteY2-106" fmla="*/ 270 h 2002901"/>
+              <a:gd name="connsiteX3-107" fmla="*/ 3352800 w 3352800"/>
+              <a:gd name="connsiteY3-108" fmla="*/ 2002901 h 2002901"/>
+              <a:gd name="connsiteX4-109" fmla="*/ 0 w 3352800"/>
+              <a:gd name="connsiteY4-110" fmla="*/ 2002901 h 2002901"/>
             </a:gdLst>
             <a:ahLst/>
             <a:cxnLst>
               <a:cxn ang="0">
-                <a:pos x="connsiteX0" y="connsiteY0"/>
+                <a:pos x="connsiteX0-1" y="connsiteY0-2"/>
               </a:cxn>
               <a:cxn ang="0">
-                <a:pos x="connsiteX1" y="connsiteY1"/>
+                <a:pos x="connsiteX1-3" y="connsiteY1-4"/>
               </a:cxn>
               <a:cxn ang="0">
-                <a:pos x="connsiteX2" y="connsiteY2"/>
+                <a:pos x="connsiteX2-5" y="connsiteY2-6"/>
               </a:cxn>
               <a:cxn ang="0">
-                <a:pos x="connsiteX3" y="connsiteY3"/>
+                <a:pos x="connsiteX3-7" y="connsiteY3-8"/>
               </a:cxn>
               <a:cxn ang="0">
-                <a:pos x="connsiteX4" y="connsiteY4"/>
+                <a:pos x="connsiteX4-9" y="connsiteY4-10"/>
               </a:cxn>
             </a:cxnLst>
             <a:rect l="l" t="t" r="r" b="b"/>
@@ -1468,7 +1527,6 @@
               <a:buSzTx/>
               <a:buFontTx/>
               <a:buNone/>
-              <a:tabLst/>
               <a:defRPr/>
             </a:pPr>
             <a:r>
@@ -1613,15 +1671,15 @@
                 <a:schemeClr val="accent1"/>
               </a:buClr>
               <a:buSzPct val="100000"/>
-              <a:buFont typeface="Arial" pitchFamily="34" charset="0"/>
+              <a:buFont typeface="Arial" panose="020B0604020202020204" pitchFamily="34" charset="0"/>
               <a:buNone/>
-              <a:tabLst/>
               <a:defRPr/>
             </a:pPr>
             <a:r>
               <a:rPr lang="en-US" smtClean="0"/>
               <a:t>Click to edit Master text styles</a:t>
             </a:r>
+            <a:endParaRPr lang="en-US" smtClean="0"/>
           </a:p>
         </p:txBody>
       </p:sp>
@@ -1642,7 +1700,6 @@
           <a:p>
             <a:fld id="{5E148A0C-73D1-4EE5-BF2E-1E00A1A73849}" type="datetimeFigureOut">
               <a:rPr lang="en-SG" smtClean="0"/>
-              <a:t>28/3/2023</a:t>
             </a:fld>
             <a:endParaRPr lang="en-SG"/>
           </a:p>
@@ -1684,7 +1741,6 @@
           <a:p>
             <a:fld id="{5B0A8A63-B95F-4BD0-A647-9516EDAF554A}" type="slidenum">
               <a:rPr lang="en-SG" smtClean="0"/>
-              <a:t>‹#›</a:t>
             </a:fld>
             <a:endParaRPr lang="en-SG"/>
           </a:p>
@@ -1695,6 +1751,18 @@
   <p:clrMapOvr>
     <a:masterClrMapping/>
   </p:clrMapOvr>
+  <mc:AlternateContent xmlns:mc="http://schemas.openxmlformats.org/markup-compatibility/2006" xmlns:p159="http://schemas.microsoft.com/office/powerpoint/2015/09/main">
+    <mc:Choice Requires="p159">
+      <p:transition xmlns:p14="http://schemas.microsoft.com/office/powerpoint/2010/main" spd="slow" p14:dur="2000">
+        <p159:morph option="byObject"/>
+      </p:transition>
+    </mc:Choice>
+    <mc:Fallback>
+      <p:transition spd="slow">
+        <p:fade/>
+      </p:transition>
+    </mc:Fallback>
+  </mc:AlternateContent>
 </p:sldLayout>
 </file>
 
@@ -1768,6 +1836,7 @@
               <a:rPr lang="en-US" smtClean="0"/>
               <a:t>Click to edit Master text styles</a:t>
             </a:r>
+            <a:endParaRPr lang="en-US" smtClean="0"/>
           </a:p>
           <a:p>
             <a:pPr lvl="1"/>
@@ -1775,6 +1844,7 @@
               <a:rPr lang="en-US" smtClean="0"/>
               <a:t>Second level</a:t>
             </a:r>
+            <a:endParaRPr lang="en-US" smtClean="0"/>
           </a:p>
           <a:p>
             <a:pPr lvl="2"/>
@@ -1782,6 +1852,7 @@
               <a:rPr lang="en-US" smtClean="0"/>
               <a:t>Third level</a:t>
             </a:r>
+            <a:endParaRPr lang="en-US" smtClean="0"/>
           </a:p>
           <a:p>
             <a:pPr lvl="3"/>
@@ -1789,6 +1860,7 @@
               <a:rPr lang="en-US" smtClean="0"/>
               <a:t>Fourth level</a:t>
             </a:r>
+            <a:endParaRPr lang="en-US" smtClean="0"/>
           </a:p>
           <a:p>
             <a:pPr lvl="4"/>
@@ -1853,6 +1925,7 @@
               <a:rPr lang="en-US" smtClean="0"/>
               <a:t>Click to edit Master text styles</a:t>
             </a:r>
+            <a:endParaRPr lang="en-US" smtClean="0"/>
           </a:p>
           <a:p>
             <a:pPr lvl="1"/>
@@ -1860,6 +1933,7 @@
               <a:rPr lang="en-US" smtClean="0"/>
               <a:t>Second level</a:t>
             </a:r>
+            <a:endParaRPr lang="en-US" smtClean="0"/>
           </a:p>
           <a:p>
             <a:pPr lvl="2"/>
@@ -1867,6 +1941,7 @@
               <a:rPr lang="en-US" smtClean="0"/>
               <a:t>Third level</a:t>
             </a:r>
+            <a:endParaRPr lang="en-US" smtClean="0"/>
           </a:p>
           <a:p>
             <a:pPr lvl="3"/>
@@ -1874,6 +1949,7 @@
               <a:rPr lang="en-US" smtClean="0"/>
               <a:t>Fourth level</a:t>
             </a:r>
+            <a:endParaRPr lang="en-US" smtClean="0"/>
           </a:p>
           <a:p>
             <a:pPr lvl="4"/>
@@ -1902,7 +1978,6 @@
           <a:p>
             <a:fld id="{5E148A0C-73D1-4EE5-BF2E-1E00A1A73849}" type="datetimeFigureOut">
               <a:rPr lang="en-SG" smtClean="0"/>
-              <a:t>28/3/2023</a:t>
             </a:fld>
             <a:endParaRPr lang="en-SG"/>
           </a:p>
@@ -1944,7 +2019,6 @@
           <a:p>
             <a:fld id="{5B0A8A63-B95F-4BD0-A647-9516EDAF554A}" type="slidenum">
               <a:rPr lang="en-SG" smtClean="0"/>
-              <a:t>‹#›</a:t>
             </a:fld>
             <a:endParaRPr lang="en-SG"/>
           </a:p>
@@ -1978,6 +2052,18 @@
   <p:clrMapOvr>
     <a:masterClrMapping/>
   </p:clrMapOvr>
+  <mc:AlternateContent xmlns:mc="http://schemas.openxmlformats.org/markup-compatibility/2006" xmlns:p159="http://schemas.microsoft.com/office/powerpoint/2015/09/main">
+    <mc:Choice Requires="p159">
+      <p:transition xmlns:p14="http://schemas.microsoft.com/office/powerpoint/2010/main" spd="slow" p14:dur="2000">
+        <p159:morph option="byObject"/>
+      </p:transition>
+    </mc:Choice>
+    <mc:Fallback>
+      <p:transition spd="slow">
+        <p:fade/>
+      </p:transition>
+    </mc:Fallback>
+  </mc:AlternateContent>
 </p:sldLayout>
 </file>
 
@@ -2104,13 +2190,14 @@
               <a:buClr>
                 <a:schemeClr val="accent1"/>
               </a:buClr>
-              <a:buFont typeface="Arial" pitchFamily="34" charset="0"/>
+              <a:buFont typeface="Arial" panose="020B0604020202020204" pitchFamily="34" charset="0"/>
               <a:buNone/>
             </a:pPr>
             <a:r>
               <a:rPr lang="en-US" smtClean="0"/>
               <a:t>Click to edit Master text styles</a:t>
             </a:r>
+            <a:endParaRPr lang="en-US" smtClean="0"/>
           </a:p>
         </p:txBody>
       </p:sp>
@@ -2167,6 +2254,7 @@
               <a:rPr lang="en-US" smtClean="0"/>
               <a:t>Click to edit Master text styles</a:t>
             </a:r>
+            <a:endParaRPr lang="en-US" smtClean="0"/>
           </a:p>
           <a:p>
             <a:pPr lvl="1"/>
@@ -2174,6 +2262,7 @@
               <a:rPr lang="en-US" smtClean="0"/>
               <a:t>Second level</a:t>
             </a:r>
+            <a:endParaRPr lang="en-US" smtClean="0"/>
           </a:p>
           <a:p>
             <a:pPr lvl="2"/>
@@ -2181,6 +2270,7 @@
               <a:rPr lang="en-US" smtClean="0"/>
               <a:t>Third level</a:t>
             </a:r>
+            <a:endParaRPr lang="en-US" smtClean="0"/>
           </a:p>
           <a:p>
             <a:pPr lvl="3"/>
@@ -2188,6 +2278,7 @@
               <a:rPr lang="en-US" smtClean="0"/>
               <a:t>Fourth level</a:t>
             </a:r>
+            <a:endParaRPr lang="en-US" smtClean="0"/>
           </a:p>
           <a:p>
             <a:pPr lvl="4"/>
@@ -2278,13 +2369,14 @@
               <a:buClr>
                 <a:schemeClr val="accent1"/>
               </a:buClr>
-              <a:buFont typeface="Arial" pitchFamily="34" charset="0"/>
+              <a:buFont typeface="Arial" panose="020B0604020202020204" pitchFamily="34" charset="0"/>
               <a:buNone/>
             </a:pPr>
             <a:r>
               <a:rPr lang="en-US" smtClean="0"/>
               <a:t>Click to edit Master text styles</a:t>
             </a:r>
+            <a:endParaRPr lang="en-US" smtClean="0"/>
           </a:p>
         </p:txBody>
       </p:sp>
@@ -2341,6 +2433,7 @@
               <a:rPr lang="en-US" smtClean="0"/>
               <a:t>Click to edit Master text styles</a:t>
             </a:r>
+            <a:endParaRPr lang="en-US" smtClean="0"/>
           </a:p>
           <a:p>
             <a:pPr lvl="1"/>
@@ -2348,6 +2441,7 @@
               <a:rPr lang="en-US" smtClean="0"/>
               <a:t>Second level</a:t>
             </a:r>
+            <a:endParaRPr lang="en-US" smtClean="0"/>
           </a:p>
           <a:p>
             <a:pPr lvl="2"/>
@@ -2355,6 +2449,7 @@
               <a:rPr lang="en-US" smtClean="0"/>
               <a:t>Third level</a:t>
             </a:r>
+            <a:endParaRPr lang="en-US" smtClean="0"/>
           </a:p>
           <a:p>
             <a:pPr lvl="3"/>
@@ -2362,6 +2457,7 @@
               <a:rPr lang="en-US" smtClean="0"/>
               <a:t>Fourth level</a:t>
             </a:r>
+            <a:endParaRPr lang="en-US" smtClean="0"/>
           </a:p>
           <a:p>
             <a:pPr lvl="4"/>
@@ -2390,7 +2486,6 @@
           <a:p>
             <a:fld id="{5E148A0C-73D1-4EE5-BF2E-1E00A1A73849}" type="datetimeFigureOut">
               <a:rPr lang="en-SG" smtClean="0"/>
-              <a:t>28/3/2023</a:t>
             </a:fld>
             <a:endParaRPr lang="en-SG"/>
           </a:p>
@@ -2432,7 +2527,6 @@
           <a:p>
             <a:fld id="{5B0A8A63-B95F-4BD0-A647-9516EDAF554A}" type="slidenum">
               <a:rPr lang="en-SG" smtClean="0"/>
-              <a:t>‹#›</a:t>
             </a:fld>
             <a:endParaRPr lang="en-SG"/>
           </a:p>
@@ -2443,6 +2537,18 @@
   <p:clrMapOvr>
     <a:masterClrMapping/>
   </p:clrMapOvr>
+  <mc:AlternateContent xmlns:mc="http://schemas.openxmlformats.org/markup-compatibility/2006" xmlns:p159="http://schemas.microsoft.com/office/powerpoint/2015/09/main">
+    <mc:Choice Requires="p159">
+      <p:transition xmlns:p14="http://schemas.microsoft.com/office/powerpoint/2010/main" spd="slow" p14:dur="2000">
+        <p159:morph option="byObject"/>
+      </p:transition>
+    </mc:Choice>
+    <mc:Fallback>
+      <p:transition spd="slow">
+        <p:fade/>
+      </p:transition>
+    </mc:Fallback>
+  </mc:AlternateContent>
 </p:sldLayout>
 </file>
 
@@ -2503,7 +2609,6 @@
           <a:p>
             <a:fld id="{5E148A0C-73D1-4EE5-BF2E-1E00A1A73849}" type="datetimeFigureOut">
               <a:rPr lang="en-SG" smtClean="0"/>
-              <a:t>28/3/2023</a:t>
             </a:fld>
             <a:endParaRPr lang="en-SG"/>
           </a:p>
@@ -2545,7 +2650,6 @@
           <a:p>
             <a:fld id="{5B0A8A63-B95F-4BD0-A647-9516EDAF554A}" type="slidenum">
               <a:rPr lang="en-SG" smtClean="0"/>
-              <a:t>‹#›</a:t>
             </a:fld>
             <a:endParaRPr lang="en-SG"/>
           </a:p>
@@ -2556,6 +2660,18 @@
   <p:clrMapOvr>
     <a:masterClrMapping/>
   </p:clrMapOvr>
+  <mc:AlternateContent xmlns:mc="http://schemas.openxmlformats.org/markup-compatibility/2006" xmlns:p159="http://schemas.microsoft.com/office/powerpoint/2015/09/main">
+    <mc:Choice Requires="p159">
+      <p:transition xmlns:p14="http://schemas.microsoft.com/office/powerpoint/2010/main" spd="slow" p14:dur="2000">
+        <p159:morph option="byObject"/>
+      </p:transition>
+    </mc:Choice>
+    <mc:Fallback>
+      <p:transition spd="slow">
+        <p:fade/>
+      </p:transition>
+    </mc:Fallback>
+  </mc:AlternateContent>
 </p:sldLayout>
 </file>
 
@@ -2593,7 +2709,6 @@
           <a:p>
             <a:fld id="{5E148A0C-73D1-4EE5-BF2E-1E00A1A73849}" type="datetimeFigureOut">
               <a:rPr lang="en-SG" smtClean="0"/>
-              <a:t>28/3/2023</a:t>
             </a:fld>
             <a:endParaRPr lang="en-SG"/>
           </a:p>
@@ -2635,7 +2750,6 @@
           <a:p>
             <a:fld id="{5B0A8A63-B95F-4BD0-A647-9516EDAF554A}" type="slidenum">
               <a:rPr lang="en-SG" smtClean="0"/>
-              <a:t>‹#›</a:t>
             </a:fld>
             <a:endParaRPr lang="en-SG"/>
           </a:p>
@@ -2646,11 +2760,23 @@
   <p:clrMapOvr>
     <a:masterClrMapping/>
   </p:clrMapOvr>
+  <mc:AlternateContent xmlns:mc="http://schemas.openxmlformats.org/markup-compatibility/2006" xmlns:p159="http://schemas.microsoft.com/office/powerpoint/2015/09/main">
+    <mc:Choice Requires="p159">
+      <p:transition xmlns:p14="http://schemas.microsoft.com/office/powerpoint/2010/main" spd="slow" p14:dur="2000">
+        <p159:morph option="byObject"/>
+      </p:transition>
+    </mc:Choice>
+    <mc:Fallback>
+      <p:transition spd="slow">
+        <p:fade/>
+      </p:transition>
+    </mc:Fallback>
+  </mc:AlternateContent>
 </p:sldLayout>
 </file>
 
 <file path=ppt/slideLayouts/slideLayout8.xml><?xml version="1.0" encoding="utf-8"?>
-<p:sldLayout xmlns:a="http://schemas.openxmlformats.org/drawingml/2006/main" xmlns:r="http://schemas.openxmlformats.org/officeDocument/2006/relationships" xmlns:p="http://schemas.openxmlformats.org/presentationml/2006/main" showMasterSp="0" type="objTx" preserve="1">
+<p:sldLayout xmlns:a="http://schemas.openxmlformats.org/drawingml/2006/main" xmlns:r="http://schemas.openxmlformats.org/officeDocument/2006/relationships" xmlns:p="http://schemas.openxmlformats.org/presentationml/2006/main" type="objTx" preserve="1" showMasterSp="0">
   <p:cSld name="Content with Caption">
     <p:spTree>
       <p:nvGrpSpPr>
@@ -2818,7 +2944,6 @@
               <a:buSzTx/>
               <a:buFontTx/>
               <a:buNone/>
-              <a:tabLst/>
               <a:defRPr/>
             </a:pPr>
             <a:r>
@@ -2882,6 +3007,7 @@
               <a:rPr lang="en-US" smtClean="0"/>
               <a:t>Click to edit Master text styles</a:t>
             </a:r>
+            <a:endParaRPr lang="en-US" smtClean="0"/>
           </a:p>
           <a:p>
             <a:pPr lvl="1"/>
@@ -2889,6 +3015,7 @@
               <a:rPr lang="en-US" smtClean="0"/>
               <a:t>Second level</a:t>
             </a:r>
+            <a:endParaRPr lang="en-US" smtClean="0"/>
           </a:p>
           <a:p>
             <a:pPr lvl="2"/>
@@ -2896,6 +3023,7 @@
               <a:rPr lang="en-US" smtClean="0"/>
               <a:t>Third level</a:t>
             </a:r>
+            <a:endParaRPr lang="en-US" smtClean="0"/>
           </a:p>
           <a:p>
             <a:pPr lvl="3"/>
@@ -2903,6 +3031,7 @@
               <a:rPr lang="en-US" smtClean="0"/>
               <a:t>Fourth level</a:t>
             </a:r>
+            <a:endParaRPr lang="en-US" smtClean="0"/>
           </a:p>
           <a:p>
             <a:pPr lvl="4"/>
@@ -2994,15 +3123,15 @@
                 <a:schemeClr val="accent1"/>
               </a:buClr>
               <a:buSzPct val="100000"/>
-              <a:buFont typeface="Arial" pitchFamily="34" charset="0"/>
+              <a:buFont typeface="Arial" panose="020B0604020202020204" pitchFamily="34" charset="0"/>
               <a:buNone/>
-              <a:tabLst/>
               <a:defRPr/>
             </a:pPr>
             <a:r>
               <a:rPr lang="en-US" smtClean="0"/>
               <a:t>Click to edit Master text styles</a:t>
             </a:r>
+            <a:endParaRPr lang="en-US" smtClean="0"/>
           </a:p>
         </p:txBody>
       </p:sp>
@@ -3023,7 +3152,6 @@
           <a:p>
             <a:fld id="{5E148A0C-73D1-4EE5-BF2E-1E00A1A73849}" type="datetimeFigureOut">
               <a:rPr lang="en-SG" smtClean="0"/>
-              <a:t>28/3/2023</a:t>
             </a:fld>
             <a:endParaRPr lang="en-SG"/>
           </a:p>
@@ -3087,7 +3215,6 @@
           <a:p>
             <a:fld id="{5B0A8A63-B95F-4BD0-A647-9516EDAF554A}" type="slidenum">
               <a:rPr lang="en-SG" smtClean="0"/>
-              <a:t>‹#›</a:t>
             </a:fld>
             <a:endParaRPr lang="en-SG"/>
           </a:p>
@@ -3098,11 +3225,23 @@
   <p:clrMapOvr>
     <a:masterClrMapping/>
   </p:clrMapOvr>
+  <mc:AlternateContent xmlns:mc="http://schemas.openxmlformats.org/markup-compatibility/2006" xmlns:p159="http://schemas.microsoft.com/office/powerpoint/2015/09/main">
+    <mc:Choice Requires="p159">
+      <p:transition xmlns:p14="http://schemas.microsoft.com/office/powerpoint/2010/main" spd="slow" p14:dur="2000">
+        <p159:morph option="byObject"/>
+      </p:transition>
+    </mc:Choice>
+    <mc:Fallback>
+      <p:transition spd="slow">
+        <p:fade/>
+      </p:transition>
+    </mc:Fallback>
+  </mc:AlternateContent>
 </p:sldLayout>
 </file>
 
 <file path=ppt/slideLayouts/slideLayout9.xml><?xml version="1.0" encoding="utf-8"?>
-<p:sldLayout xmlns:a="http://schemas.openxmlformats.org/drawingml/2006/main" xmlns:r="http://schemas.openxmlformats.org/officeDocument/2006/relationships" xmlns:p="http://schemas.openxmlformats.org/presentationml/2006/main" showMasterSp="0" type="picTx" preserve="1">
+<p:sldLayout xmlns:a="http://schemas.openxmlformats.org/drawingml/2006/main" xmlns:r="http://schemas.openxmlformats.org/officeDocument/2006/relationships" xmlns:p="http://schemas.openxmlformats.org/presentationml/2006/main" type="picTx" preserve="1" showMasterSp="0">
   <p:cSld name="Picture with Caption">
     <p:spTree>
       <p:nvGrpSpPr>
@@ -3146,94 +3285,94 @@
               <a:gd name="connsiteY3" fmla="*/ 6858000 h 6858000"/>
               <a:gd name="connsiteX4" fmla="*/ 0 w 7104888"/>
               <a:gd name="connsiteY4" fmla="*/ 0 h 6858000"/>
-              <a:gd name="connsiteX0" fmla="*/ 0 w 7104888"/>
-              <a:gd name="connsiteY0" fmla="*/ 0 h 6858000"/>
-              <a:gd name="connsiteX1" fmla="*/ 5695188 w 7104888"/>
-              <a:gd name="connsiteY1" fmla="*/ 0 h 6858000"/>
-              <a:gd name="connsiteX2" fmla="*/ 7104888 w 7104888"/>
-              <a:gd name="connsiteY2" fmla="*/ 0 h 6858000"/>
-              <a:gd name="connsiteX3" fmla="*/ 7104888 w 7104888"/>
-              <a:gd name="connsiteY3" fmla="*/ 6858000 h 6858000"/>
-              <a:gd name="connsiteX4" fmla="*/ 0 w 7104888"/>
-              <a:gd name="connsiteY4" fmla="*/ 6858000 h 6858000"/>
+              <a:gd name="connsiteX0-1" fmla="*/ 0 w 7104888"/>
+              <a:gd name="connsiteY0-2" fmla="*/ 0 h 6858000"/>
+              <a:gd name="connsiteX1-3" fmla="*/ 5695188 w 7104888"/>
+              <a:gd name="connsiteY1-4" fmla="*/ 0 h 6858000"/>
+              <a:gd name="connsiteX2-5" fmla="*/ 7104888 w 7104888"/>
+              <a:gd name="connsiteY2-6" fmla="*/ 0 h 6858000"/>
+              <a:gd name="connsiteX3-7" fmla="*/ 7104888 w 7104888"/>
+              <a:gd name="connsiteY3-8" fmla="*/ 6858000 h 6858000"/>
+              <a:gd name="connsiteX4-9" fmla="*/ 0 w 7104888"/>
+              <a:gd name="connsiteY4-10" fmla="*/ 6858000 h 6858000"/>
               <a:gd name="connsiteX5" fmla="*/ 0 w 7104888"/>
               <a:gd name="connsiteY5" fmla="*/ 0 h 6858000"/>
-              <a:gd name="connsiteX0" fmla="*/ 10287 w 7115175"/>
-              <a:gd name="connsiteY0" fmla="*/ 0 h 6858000"/>
-              <a:gd name="connsiteX1" fmla="*/ 5705475 w 7115175"/>
-              <a:gd name="connsiteY1" fmla="*/ 0 h 6858000"/>
-              <a:gd name="connsiteX2" fmla="*/ 7115175 w 7115175"/>
-              <a:gd name="connsiteY2" fmla="*/ 0 h 6858000"/>
-              <a:gd name="connsiteX3" fmla="*/ 7115175 w 7115175"/>
-              <a:gd name="connsiteY3" fmla="*/ 6858000 h 6858000"/>
-              <a:gd name="connsiteX4" fmla="*/ 10287 w 7115175"/>
-              <a:gd name="connsiteY4" fmla="*/ 6858000 h 6858000"/>
-              <a:gd name="connsiteX5" fmla="*/ 0 w 7115175"/>
-              <a:gd name="connsiteY5" fmla="*/ 5048250 h 6858000"/>
+              <a:gd name="connsiteX0-11" fmla="*/ 10287 w 7115175"/>
+              <a:gd name="connsiteY0-12" fmla="*/ 0 h 6858000"/>
+              <a:gd name="connsiteX1-13" fmla="*/ 5705475 w 7115175"/>
+              <a:gd name="connsiteY1-14" fmla="*/ 0 h 6858000"/>
+              <a:gd name="connsiteX2-15" fmla="*/ 7115175 w 7115175"/>
+              <a:gd name="connsiteY2-16" fmla="*/ 0 h 6858000"/>
+              <a:gd name="connsiteX3-17" fmla="*/ 7115175 w 7115175"/>
+              <a:gd name="connsiteY3-18" fmla="*/ 6858000 h 6858000"/>
+              <a:gd name="connsiteX4-19" fmla="*/ 10287 w 7115175"/>
+              <a:gd name="connsiteY4-20" fmla="*/ 6858000 h 6858000"/>
+              <a:gd name="connsiteX5-21" fmla="*/ 0 w 7115175"/>
+              <a:gd name="connsiteY5-22" fmla="*/ 5048250 h 6858000"/>
               <a:gd name="connsiteX6" fmla="*/ 10287 w 7115175"/>
               <a:gd name="connsiteY6" fmla="*/ 0 h 6858000"/>
-              <a:gd name="connsiteX0" fmla="*/ 10287 w 7115175"/>
-              <a:gd name="connsiteY0" fmla="*/ 0 h 6858000"/>
-              <a:gd name="connsiteX1" fmla="*/ 5705475 w 7115175"/>
-              <a:gd name="connsiteY1" fmla="*/ 0 h 6858000"/>
-              <a:gd name="connsiteX2" fmla="*/ 7115175 w 7115175"/>
-              <a:gd name="connsiteY2" fmla="*/ 0 h 6858000"/>
-              <a:gd name="connsiteX3" fmla="*/ 7115175 w 7115175"/>
-              <a:gd name="connsiteY3" fmla="*/ 6858000 h 6858000"/>
-              <a:gd name="connsiteX4" fmla="*/ 1533526 w 7115175"/>
-              <a:gd name="connsiteY4" fmla="*/ 6848475 h 6858000"/>
-              <a:gd name="connsiteX5" fmla="*/ 10287 w 7115175"/>
-              <a:gd name="connsiteY5" fmla="*/ 6858000 h 6858000"/>
-              <a:gd name="connsiteX6" fmla="*/ 0 w 7115175"/>
-              <a:gd name="connsiteY6" fmla="*/ 5048250 h 6858000"/>
+              <a:gd name="connsiteX0-23" fmla="*/ 10287 w 7115175"/>
+              <a:gd name="connsiteY0-24" fmla="*/ 0 h 6858000"/>
+              <a:gd name="connsiteX1-25" fmla="*/ 5705475 w 7115175"/>
+              <a:gd name="connsiteY1-26" fmla="*/ 0 h 6858000"/>
+              <a:gd name="connsiteX2-27" fmla="*/ 7115175 w 7115175"/>
+              <a:gd name="connsiteY2-28" fmla="*/ 0 h 6858000"/>
+              <a:gd name="connsiteX3-29" fmla="*/ 7115175 w 7115175"/>
+              <a:gd name="connsiteY3-30" fmla="*/ 6858000 h 6858000"/>
+              <a:gd name="connsiteX4-31" fmla="*/ 1533526 w 7115175"/>
+              <a:gd name="connsiteY4-32" fmla="*/ 6848475 h 6858000"/>
+              <a:gd name="connsiteX5-33" fmla="*/ 10287 w 7115175"/>
+              <a:gd name="connsiteY5-34" fmla="*/ 6858000 h 6858000"/>
+              <a:gd name="connsiteX6-35" fmla="*/ 0 w 7115175"/>
+              <a:gd name="connsiteY6-36" fmla="*/ 5048250 h 6858000"/>
               <a:gd name="connsiteX7" fmla="*/ 10287 w 7115175"/>
               <a:gd name="connsiteY7" fmla="*/ 0 h 6858000"/>
-              <a:gd name="connsiteX0" fmla="*/ 10287 w 7115175"/>
-              <a:gd name="connsiteY0" fmla="*/ 0 h 6858000"/>
-              <a:gd name="connsiteX1" fmla="*/ 5705475 w 7115175"/>
-              <a:gd name="connsiteY1" fmla="*/ 0 h 6858000"/>
-              <a:gd name="connsiteX2" fmla="*/ 7115175 w 7115175"/>
-              <a:gd name="connsiteY2" fmla="*/ 0 h 6858000"/>
-              <a:gd name="connsiteX3" fmla="*/ 7115175 w 7115175"/>
-              <a:gd name="connsiteY3" fmla="*/ 6858000 h 6858000"/>
-              <a:gd name="connsiteX4" fmla="*/ 1533526 w 7115175"/>
-              <a:gd name="connsiteY4" fmla="*/ 6848475 h 6858000"/>
-              <a:gd name="connsiteX5" fmla="*/ 0 w 7115175"/>
-              <a:gd name="connsiteY5" fmla="*/ 5048250 h 6858000"/>
-              <a:gd name="connsiteX6" fmla="*/ 10287 w 7115175"/>
-              <a:gd name="connsiteY6" fmla="*/ 0 h 6858000"/>
-              <a:gd name="connsiteX0" fmla="*/ 0 w 7115175"/>
-              <a:gd name="connsiteY0" fmla="*/ 5048250 h 6858000"/>
-              <a:gd name="connsiteX1" fmla="*/ 5705475 w 7115175"/>
-              <a:gd name="connsiteY1" fmla="*/ 0 h 6858000"/>
-              <a:gd name="connsiteX2" fmla="*/ 7115175 w 7115175"/>
-              <a:gd name="connsiteY2" fmla="*/ 0 h 6858000"/>
-              <a:gd name="connsiteX3" fmla="*/ 7115175 w 7115175"/>
-              <a:gd name="connsiteY3" fmla="*/ 6858000 h 6858000"/>
-              <a:gd name="connsiteX4" fmla="*/ 1533526 w 7115175"/>
-              <a:gd name="connsiteY4" fmla="*/ 6848475 h 6858000"/>
-              <a:gd name="connsiteX5" fmla="*/ 0 w 7115175"/>
-              <a:gd name="connsiteY5" fmla="*/ 5048250 h 6858000"/>
+              <a:gd name="connsiteX0-37" fmla="*/ 10287 w 7115175"/>
+              <a:gd name="connsiteY0-38" fmla="*/ 0 h 6858000"/>
+              <a:gd name="connsiteX1-39" fmla="*/ 5705475 w 7115175"/>
+              <a:gd name="connsiteY1-40" fmla="*/ 0 h 6858000"/>
+              <a:gd name="connsiteX2-41" fmla="*/ 7115175 w 7115175"/>
+              <a:gd name="connsiteY2-42" fmla="*/ 0 h 6858000"/>
+              <a:gd name="connsiteX3-43" fmla="*/ 7115175 w 7115175"/>
+              <a:gd name="connsiteY3-44" fmla="*/ 6858000 h 6858000"/>
+              <a:gd name="connsiteX4-45" fmla="*/ 1533526 w 7115175"/>
+              <a:gd name="connsiteY4-46" fmla="*/ 6848475 h 6858000"/>
+              <a:gd name="connsiteX5-47" fmla="*/ 0 w 7115175"/>
+              <a:gd name="connsiteY5-48" fmla="*/ 5048250 h 6858000"/>
+              <a:gd name="connsiteX6-49" fmla="*/ 10287 w 7115175"/>
+              <a:gd name="connsiteY6-50" fmla="*/ 0 h 6858000"/>
+              <a:gd name="connsiteX0-51" fmla="*/ 0 w 7115175"/>
+              <a:gd name="connsiteY0-52" fmla="*/ 5048250 h 6858000"/>
+              <a:gd name="connsiteX1-53" fmla="*/ 5705475 w 7115175"/>
+              <a:gd name="connsiteY1-54" fmla="*/ 0 h 6858000"/>
+              <a:gd name="connsiteX2-55" fmla="*/ 7115175 w 7115175"/>
+              <a:gd name="connsiteY2-56" fmla="*/ 0 h 6858000"/>
+              <a:gd name="connsiteX3-57" fmla="*/ 7115175 w 7115175"/>
+              <a:gd name="connsiteY3-58" fmla="*/ 6858000 h 6858000"/>
+              <a:gd name="connsiteX4-59" fmla="*/ 1533526 w 7115175"/>
+              <a:gd name="connsiteY4-60" fmla="*/ 6848475 h 6858000"/>
+              <a:gd name="connsiteX5-61" fmla="*/ 0 w 7115175"/>
+              <a:gd name="connsiteY5-62" fmla="*/ 5048250 h 6858000"/>
             </a:gdLst>
             <a:ahLst/>
             <a:cxnLst>
               <a:cxn ang="0">
-                <a:pos x="connsiteX0" y="connsiteY0"/>
+                <a:pos x="connsiteX0-1" y="connsiteY0-2"/>
               </a:cxn>
               <a:cxn ang="0">
-                <a:pos x="connsiteX1" y="connsiteY1"/>
+                <a:pos x="connsiteX1-3" y="connsiteY1-4"/>
               </a:cxn>
               <a:cxn ang="0">
-                <a:pos x="connsiteX2" y="connsiteY2"/>
+                <a:pos x="connsiteX2-5" y="connsiteY2-6"/>
               </a:cxn>
               <a:cxn ang="0">
-                <a:pos x="connsiteX3" y="connsiteY3"/>
+                <a:pos x="connsiteX3-7" y="connsiteY3-8"/>
               </a:cxn>
               <a:cxn ang="0">
-                <a:pos x="connsiteX4" y="connsiteY4"/>
+                <a:pos x="connsiteX4-9" y="connsiteY4-10"/>
               </a:cxn>
               <a:cxn ang="0">
-                <a:pos x="connsiteX5" y="connsiteY5"/>
+                <a:pos x="connsiteX5-21" y="connsiteY5-22"/>
               </a:cxn>
             </a:cxnLst>
             <a:rect l="l" t="t" r="r" b="b"/>
@@ -3351,36 +3490,36 @@
               <a:gd name="connsiteY2" fmla="*/ 4210050 h 4210050"/>
               <a:gd name="connsiteX3" fmla="*/ 0 w 3571875"/>
               <a:gd name="connsiteY3" fmla="*/ 4210050 h 4210050"/>
-              <a:gd name="connsiteX0" fmla="*/ 0 w 3571875"/>
-              <a:gd name="connsiteY0" fmla="*/ 1809750 h 1809750"/>
-              <a:gd name="connsiteX1" fmla="*/ 1895475 w 3571875"/>
-              <a:gd name="connsiteY1" fmla="*/ 0 h 1809750"/>
-              <a:gd name="connsiteX2" fmla="*/ 3571875 w 3571875"/>
-              <a:gd name="connsiteY2" fmla="*/ 1809750 h 1809750"/>
-              <a:gd name="connsiteX3" fmla="*/ 0 w 3571875"/>
-              <a:gd name="connsiteY3" fmla="*/ 1809750 h 1809750"/>
-              <a:gd name="connsiteX0" fmla="*/ 0 w 3571875"/>
-              <a:gd name="connsiteY0" fmla="*/ 1809750 h 1809750"/>
-              <a:gd name="connsiteX1" fmla="*/ 2038350 w 3571875"/>
-              <a:gd name="connsiteY1" fmla="*/ 0 h 1809750"/>
-              <a:gd name="connsiteX2" fmla="*/ 3571875 w 3571875"/>
-              <a:gd name="connsiteY2" fmla="*/ 1809750 h 1809750"/>
-              <a:gd name="connsiteX3" fmla="*/ 0 w 3571875"/>
-              <a:gd name="connsiteY3" fmla="*/ 1809750 h 1809750"/>
+              <a:gd name="connsiteX0-1" fmla="*/ 0 w 3571875"/>
+              <a:gd name="connsiteY0-2" fmla="*/ 1809750 h 1809750"/>
+              <a:gd name="connsiteX1-3" fmla="*/ 1895475 w 3571875"/>
+              <a:gd name="connsiteY1-4" fmla="*/ 0 h 1809750"/>
+              <a:gd name="connsiteX2-5" fmla="*/ 3571875 w 3571875"/>
+              <a:gd name="connsiteY2-6" fmla="*/ 1809750 h 1809750"/>
+              <a:gd name="connsiteX3-7" fmla="*/ 0 w 3571875"/>
+              <a:gd name="connsiteY3-8" fmla="*/ 1809750 h 1809750"/>
+              <a:gd name="connsiteX0-9" fmla="*/ 0 w 3571875"/>
+              <a:gd name="connsiteY0-10" fmla="*/ 1809750 h 1809750"/>
+              <a:gd name="connsiteX1-11" fmla="*/ 2038350 w 3571875"/>
+              <a:gd name="connsiteY1-12" fmla="*/ 0 h 1809750"/>
+              <a:gd name="connsiteX2-13" fmla="*/ 3571875 w 3571875"/>
+              <a:gd name="connsiteY2-14" fmla="*/ 1809750 h 1809750"/>
+              <a:gd name="connsiteX3-15" fmla="*/ 0 w 3571875"/>
+              <a:gd name="connsiteY3-16" fmla="*/ 1809750 h 1809750"/>
             </a:gdLst>
             <a:ahLst/>
             <a:cxnLst>
               <a:cxn ang="0">
-                <a:pos x="connsiteX0" y="connsiteY0"/>
+                <a:pos x="connsiteX0-1" y="connsiteY0-2"/>
               </a:cxn>
               <a:cxn ang="0">
-                <a:pos x="connsiteX1" y="connsiteY1"/>
+                <a:pos x="connsiteX1-3" y="connsiteY1-4"/>
               </a:cxn>
               <a:cxn ang="0">
-                <a:pos x="connsiteX2" y="connsiteY2"/>
+                <a:pos x="connsiteX2-5" y="connsiteY2-6"/>
               </a:cxn>
               <a:cxn ang="0">
-                <a:pos x="connsiteX3" y="connsiteY3"/>
+                <a:pos x="connsiteX3-7" y="connsiteY3-8"/>
               </a:cxn>
             </a:cxnLst>
             <a:rect l="l" t="t" r="r" b="b"/>
@@ -3536,6 +3675,7 @@
               <a:rPr lang="en-US" smtClean="0"/>
               <a:t>Click to edit Master text styles</a:t>
             </a:r>
+            <a:endParaRPr lang="en-US" smtClean="0"/>
           </a:p>
         </p:txBody>
       </p:sp>
@@ -3556,7 +3696,6 @@
           <a:p>
             <a:fld id="{5E148A0C-73D1-4EE5-BF2E-1E00A1A73849}" type="datetimeFigureOut">
               <a:rPr lang="en-SG" smtClean="0"/>
-              <a:t>28/3/2023</a:t>
             </a:fld>
             <a:endParaRPr lang="en-SG"/>
           </a:p>
@@ -3598,7 +3737,6 @@
           <a:p>
             <a:fld id="{5B0A8A63-B95F-4BD0-A647-9516EDAF554A}" type="slidenum">
               <a:rPr lang="en-SG" smtClean="0"/>
-              <a:t>‹#›</a:t>
             </a:fld>
             <a:endParaRPr lang="en-SG"/>
           </a:p>
@@ -3609,6 +3747,18 @@
   <p:clrMapOvr>
     <a:masterClrMapping/>
   </p:clrMapOvr>
+  <mc:AlternateContent xmlns:mc="http://schemas.openxmlformats.org/markup-compatibility/2006" xmlns:p159="http://schemas.microsoft.com/office/powerpoint/2015/09/main">
+    <mc:Choice Requires="p159">
+      <p:transition xmlns:p14="http://schemas.microsoft.com/office/powerpoint/2010/main" spd="slow" p14:dur="2000">
+        <p159:morph option="byObject"/>
+      </p:transition>
+    </mc:Choice>
+    <mc:Fallback>
+      <p:transition spd="slow">
+        <p:fade/>
+      </p:transition>
+    </mc:Fallback>
+  </mc:AlternateContent>
 </p:sldLayout>
 </file>
 
@@ -3656,243 +3806,243 @@
               <a:gd name="connsiteY2" fmla="*/ 4210050 h 4210050"/>
               <a:gd name="connsiteX3" fmla="*/ 0 w 3571875"/>
               <a:gd name="connsiteY3" fmla="*/ 4210050 h 4210050"/>
-              <a:gd name="connsiteX0" fmla="*/ 0 w 3571875"/>
-              <a:gd name="connsiteY0" fmla="*/ 4210050 h 4210050"/>
-              <a:gd name="connsiteX1" fmla="*/ 0 w 3571875"/>
-              <a:gd name="connsiteY1" fmla="*/ 0 h 4210050"/>
-              <a:gd name="connsiteX2" fmla="*/ 2028825 w 3571875"/>
-              <a:gd name="connsiteY2" fmla="*/ 2388394 h 4210050"/>
-              <a:gd name="connsiteX3" fmla="*/ 3571875 w 3571875"/>
-              <a:gd name="connsiteY3" fmla="*/ 4210050 h 4210050"/>
+              <a:gd name="connsiteX0-1" fmla="*/ 0 w 3571875"/>
+              <a:gd name="connsiteY0-2" fmla="*/ 4210050 h 4210050"/>
+              <a:gd name="connsiteX1-3" fmla="*/ 0 w 3571875"/>
+              <a:gd name="connsiteY1-4" fmla="*/ 0 h 4210050"/>
+              <a:gd name="connsiteX2-5" fmla="*/ 2028825 w 3571875"/>
+              <a:gd name="connsiteY2-6" fmla="*/ 2388394 h 4210050"/>
+              <a:gd name="connsiteX3-7" fmla="*/ 3571875 w 3571875"/>
+              <a:gd name="connsiteY3-8" fmla="*/ 4210050 h 4210050"/>
               <a:gd name="connsiteX4" fmla="*/ 0 w 3571875"/>
               <a:gd name="connsiteY4" fmla="*/ 4210050 h 4210050"/>
-              <a:gd name="connsiteX0" fmla="*/ 0 w 3571875"/>
-              <a:gd name="connsiteY0" fmla="*/ 4210050 h 4210050"/>
-              <a:gd name="connsiteX1" fmla="*/ 0 w 3571875"/>
-              <a:gd name="connsiteY1" fmla="*/ 0 h 4210050"/>
-              <a:gd name="connsiteX2" fmla="*/ 2028825 w 3571875"/>
-              <a:gd name="connsiteY2" fmla="*/ 2205038 h 4210050"/>
-              <a:gd name="connsiteX3" fmla="*/ 3571875 w 3571875"/>
-              <a:gd name="connsiteY3" fmla="*/ 4210050 h 4210050"/>
-              <a:gd name="connsiteX4" fmla="*/ 0 w 3571875"/>
-              <a:gd name="connsiteY4" fmla="*/ 4210050 h 4210050"/>
-              <a:gd name="connsiteX0" fmla="*/ 0 w 3571875"/>
-              <a:gd name="connsiteY0" fmla="*/ 4210050 h 4210050"/>
-              <a:gd name="connsiteX1" fmla="*/ 0 w 3571875"/>
-              <a:gd name="connsiteY1" fmla="*/ 0 h 4210050"/>
-              <a:gd name="connsiteX2" fmla="*/ 2028825 w 3571875"/>
-              <a:gd name="connsiteY2" fmla="*/ 2393157 h 4210050"/>
-              <a:gd name="connsiteX3" fmla="*/ 3571875 w 3571875"/>
-              <a:gd name="connsiteY3" fmla="*/ 4210050 h 4210050"/>
-              <a:gd name="connsiteX4" fmla="*/ 0 w 3571875"/>
-              <a:gd name="connsiteY4" fmla="*/ 4210050 h 4210050"/>
-              <a:gd name="connsiteX0" fmla="*/ 0 w 3571875"/>
-              <a:gd name="connsiteY0" fmla="*/ 4210050 h 4210050"/>
-              <a:gd name="connsiteX1" fmla="*/ 0 w 3571875"/>
-              <a:gd name="connsiteY1" fmla="*/ 0 h 4210050"/>
-              <a:gd name="connsiteX2" fmla="*/ 2028825 w 3571875"/>
-              <a:gd name="connsiteY2" fmla="*/ 2393157 h 4210050"/>
-              <a:gd name="connsiteX3" fmla="*/ 3571875 w 3571875"/>
-              <a:gd name="connsiteY3" fmla="*/ 4210050 h 4210050"/>
-              <a:gd name="connsiteX4" fmla="*/ 0 w 3571875"/>
-              <a:gd name="connsiteY4" fmla="*/ 4210050 h 4210050"/>
-              <a:gd name="connsiteX0" fmla="*/ 0 w 3571875"/>
-              <a:gd name="connsiteY0" fmla="*/ 4210050 h 4210050"/>
-              <a:gd name="connsiteX1" fmla="*/ 0 w 3571875"/>
-              <a:gd name="connsiteY1" fmla="*/ 0 h 4210050"/>
-              <a:gd name="connsiteX2" fmla="*/ 2028825 w 3571875"/>
-              <a:gd name="connsiteY2" fmla="*/ 2281238 h 4210050"/>
-              <a:gd name="connsiteX3" fmla="*/ 3571875 w 3571875"/>
-              <a:gd name="connsiteY3" fmla="*/ 4210050 h 4210050"/>
-              <a:gd name="connsiteX4" fmla="*/ 0 w 3571875"/>
-              <a:gd name="connsiteY4" fmla="*/ 4210050 h 4210050"/>
-              <a:gd name="connsiteX0" fmla="*/ 0 w 3571875"/>
-              <a:gd name="connsiteY0" fmla="*/ 4210050 h 4210050"/>
-              <a:gd name="connsiteX1" fmla="*/ 0 w 3571875"/>
-              <a:gd name="connsiteY1" fmla="*/ 0 h 4210050"/>
-              <a:gd name="connsiteX2" fmla="*/ 2028825 w 3571875"/>
-              <a:gd name="connsiteY2" fmla="*/ 2393157 h 4210050"/>
-              <a:gd name="connsiteX3" fmla="*/ 3571875 w 3571875"/>
-              <a:gd name="connsiteY3" fmla="*/ 4210050 h 4210050"/>
-              <a:gd name="connsiteX4" fmla="*/ 0 w 3571875"/>
-              <a:gd name="connsiteY4" fmla="*/ 4210050 h 4210050"/>
-              <a:gd name="connsiteX0" fmla="*/ 0 w 3571875"/>
-              <a:gd name="connsiteY0" fmla="*/ 4210050 h 4210050"/>
-              <a:gd name="connsiteX1" fmla="*/ 0 w 3571875"/>
-              <a:gd name="connsiteY1" fmla="*/ 0 h 4210050"/>
-              <a:gd name="connsiteX2" fmla="*/ 2028825 w 3571875"/>
-              <a:gd name="connsiteY2" fmla="*/ 2393157 h 4210050"/>
-              <a:gd name="connsiteX3" fmla="*/ 3571875 w 3571875"/>
-              <a:gd name="connsiteY3" fmla="*/ 4210050 h 4210050"/>
-              <a:gd name="connsiteX4" fmla="*/ 0 w 3571875"/>
-              <a:gd name="connsiteY4" fmla="*/ 4210050 h 4210050"/>
-              <a:gd name="connsiteX0" fmla="*/ 0 w 3571875"/>
-              <a:gd name="connsiteY0" fmla="*/ 4210050 h 4210050"/>
-              <a:gd name="connsiteX1" fmla="*/ 0 w 3571875"/>
-              <a:gd name="connsiteY1" fmla="*/ 0 h 4210050"/>
-              <a:gd name="connsiteX2" fmla="*/ 2076450 w 3571875"/>
-              <a:gd name="connsiteY2" fmla="*/ 2274094 h 4210050"/>
-              <a:gd name="connsiteX3" fmla="*/ 3571875 w 3571875"/>
-              <a:gd name="connsiteY3" fmla="*/ 4210050 h 4210050"/>
-              <a:gd name="connsiteX4" fmla="*/ 0 w 3571875"/>
-              <a:gd name="connsiteY4" fmla="*/ 4210050 h 4210050"/>
-              <a:gd name="connsiteX0" fmla="*/ 0 w 3571875"/>
-              <a:gd name="connsiteY0" fmla="*/ 4210050 h 4210050"/>
-              <a:gd name="connsiteX1" fmla="*/ 0 w 3571875"/>
-              <a:gd name="connsiteY1" fmla="*/ 0 h 4210050"/>
-              <a:gd name="connsiteX2" fmla="*/ 2245519 w 3571875"/>
-              <a:gd name="connsiteY2" fmla="*/ 2405063 h 4210050"/>
-              <a:gd name="connsiteX3" fmla="*/ 3571875 w 3571875"/>
-              <a:gd name="connsiteY3" fmla="*/ 4210050 h 4210050"/>
-              <a:gd name="connsiteX4" fmla="*/ 0 w 3571875"/>
-              <a:gd name="connsiteY4" fmla="*/ 4210050 h 4210050"/>
-              <a:gd name="connsiteX0" fmla="*/ 0 w 3571875"/>
-              <a:gd name="connsiteY0" fmla="*/ 4210050 h 4210050"/>
-              <a:gd name="connsiteX1" fmla="*/ 0 w 3571875"/>
-              <a:gd name="connsiteY1" fmla="*/ 0 h 4210050"/>
-              <a:gd name="connsiteX2" fmla="*/ 2038350 w 3571875"/>
-              <a:gd name="connsiteY2" fmla="*/ 2405063 h 4210050"/>
-              <a:gd name="connsiteX3" fmla="*/ 3571875 w 3571875"/>
-              <a:gd name="connsiteY3" fmla="*/ 4210050 h 4210050"/>
-              <a:gd name="connsiteX4" fmla="*/ 0 w 3571875"/>
-              <a:gd name="connsiteY4" fmla="*/ 4210050 h 4210050"/>
-              <a:gd name="connsiteX0" fmla="*/ 0 w 3571875"/>
-              <a:gd name="connsiteY0" fmla="*/ 2433637 h 2433637"/>
-              <a:gd name="connsiteX1" fmla="*/ 257175 w 3571875"/>
-              <a:gd name="connsiteY1" fmla="*/ 0 h 2433637"/>
-              <a:gd name="connsiteX2" fmla="*/ 2038350 w 3571875"/>
-              <a:gd name="connsiteY2" fmla="*/ 628650 h 2433637"/>
-              <a:gd name="connsiteX3" fmla="*/ 3571875 w 3571875"/>
-              <a:gd name="connsiteY3" fmla="*/ 2433637 h 2433637"/>
-              <a:gd name="connsiteX4" fmla="*/ 0 w 3571875"/>
-              <a:gd name="connsiteY4" fmla="*/ 2433637 h 2433637"/>
-              <a:gd name="connsiteX0" fmla="*/ 2382 w 3574257"/>
-              <a:gd name="connsiteY0" fmla="*/ 1807368 h 1807368"/>
-              <a:gd name="connsiteX1" fmla="*/ 0 w 3574257"/>
-              <a:gd name="connsiteY1" fmla="*/ 0 h 1807368"/>
-              <a:gd name="connsiteX2" fmla="*/ 2040732 w 3574257"/>
-              <a:gd name="connsiteY2" fmla="*/ 2381 h 1807368"/>
-              <a:gd name="connsiteX3" fmla="*/ 3574257 w 3574257"/>
-              <a:gd name="connsiteY3" fmla="*/ 1807368 h 1807368"/>
-              <a:gd name="connsiteX4" fmla="*/ 2382 w 3574257"/>
-              <a:gd name="connsiteY4" fmla="*/ 1807368 h 1807368"/>
-              <a:gd name="connsiteX0" fmla="*/ 2382 w 3574257"/>
-              <a:gd name="connsiteY0" fmla="*/ 1807368 h 1807368"/>
-              <a:gd name="connsiteX1" fmla="*/ 0 w 3574257"/>
-              <a:gd name="connsiteY1" fmla="*/ 0 h 1807368"/>
-              <a:gd name="connsiteX2" fmla="*/ 1924051 w 3574257"/>
-              <a:gd name="connsiteY2" fmla="*/ 307181 h 1807368"/>
-              <a:gd name="connsiteX3" fmla="*/ 3574257 w 3574257"/>
-              <a:gd name="connsiteY3" fmla="*/ 1807368 h 1807368"/>
-              <a:gd name="connsiteX4" fmla="*/ 2382 w 3574257"/>
-              <a:gd name="connsiteY4" fmla="*/ 1807368 h 1807368"/>
-              <a:gd name="connsiteX0" fmla="*/ 2382 w 3574257"/>
-              <a:gd name="connsiteY0" fmla="*/ 1809749 h 1809749"/>
-              <a:gd name="connsiteX1" fmla="*/ 0 w 3574257"/>
-              <a:gd name="connsiteY1" fmla="*/ 2381 h 1809749"/>
-              <a:gd name="connsiteX2" fmla="*/ 2038351 w 3574257"/>
-              <a:gd name="connsiteY2" fmla="*/ 0 h 1809749"/>
-              <a:gd name="connsiteX3" fmla="*/ 3574257 w 3574257"/>
-              <a:gd name="connsiteY3" fmla="*/ 1809749 h 1809749"/>
-              <a:gd name="connsiteX4" fmla="*/ 2382 w 3574257"/>
-              <a:gd name="connsiteY4" fmla="*/ 1809749 h 1809749"/>
-              <a:gd name="connsiteX0" fmla="*/ 2382 w 3574257"/>
-              <a:gd name="connsiteY0" fmla="*/ 1807368 h 1807368"/>
-              <a:gd name="connsiteX1" fmla="*/ 0 w 3574257"/>
-              <a:gd name="connsiteY1" fmla="*/ 0 h 1807368"/>
-              <a:gd name="connsiteX2" fmla="*/ 1640682 w 3574257"/>
-              <a:gd name="connsiteY2" fmla="*/ 450057 h 1807368"/>
-              <a:gd name="connsiteX3" fmla="*/ 3574257 w 3574257"/>
-              <a:gd name="connsiteY3" fmla="*/ 1807368 h 1807368"/>
-              <a:gd name="connsiteX4" fmla="*/ 2382 w 3574257"/>
-              <a:gd name="connsiteY4" fmla="*/ 1807368 h 1807368"/>
-              <a:gd name="connsiteX0" fmla="*/ 2382 w 3574257"/>
-              <a:gd name="connsiteY0" fmla="*/ 1809749 h 1809749"/>
-              <a:gd name="connsiteX1" fmla="*/ 0 w 3574257"/>
-              <a:gd name="connsiteY1" fmla="*/ 2381 h 1809749"/>
-              <a:gd name="connsiteX2" fmla="*/ 2038351 w 3574257"/>
-              <a:gd name="connsiteY2" fmla="*/ 0 h 1809749"/>
-              <a:gd name="connsiteX3" fmla="*/ 3574257 w 3574257"/>
-              <a:gd name="connsiteY3" fmla="*/ 1809749 h 1809749"/>
-              <a:gd name="connsiteX4" fmla="*/ 2382 w 3574257"/>
-              <a:gd name="connsiteY4" fmla="*/ 1809749 h 1809749"/>
-              <a:gd name="connsiteX0" fmla="*/ 2382 w 3574257"/>
-              <a:gd name="connsiteY0" fmla="*/ 1807368 h 1807368"/>
-              <a:gd name="connsiteX1" fmla="*/ 0 w 3574257"/>
-              <a:gd name="connsiteY1" fmla="*/ 0 h 1807368"/>
-              <a:gd name="connsiteX2" fmla="*/ 1657351 w 3574257"/>
-              <a:gd name="connsiteY2" fmla="*/ 230982 h 1807368"/>
-              <a:gd name="connsiteX3" fmla="*/ 3574257 w 3574257"/>
-              <a:gd name="connsiteY3" fmla="*/ 1807368 h 1807368"/>
-              <a:gd name="connsiteX4" fmla="*/ 2382 w 3574257"/>
-              <a:gd name="connsiteY4" fmla="*/ 1807368 h 1807368"/>
-              <a:gd name="connsiteX0" fmla="*/ 2382 w 3574257"/>
-              <a:gd name="connsiteY0" fmla="*/ 1807368 h 1807368"/>
-              <a:gd name="connsiteX1" fmla="*/ 0 w 3574257"/>
-              <a:gd name="connsiteY1" fmla="*/ 0 h 1807368"/>
-              <a:gd name="connsiteX2" fmla="*/ 2040732 w 3574257"/>
-              <a:gd name="connsiteY2" fmla="*/ 2382 h 1807368"/>
-              <a:gd name="connsiteX3" fmla="*/ 3574257 w 3574257"/>
-              <a:gd name="connsiteY3" fmla="*/ 1807368 h 1807368"/>
-              <a:gd name="connsiteX4" fmla="*/ 2382 w 3574257"/>
-              <a:gd name="connsiteY4" fmla="*/ 1807368 h 1807368"/>
-              <a:gd name="connsiteX0" fmla="*/ 2382 w 3574257"/>
-              <a:gd name="connsiteY0" fmla="*/ 1807368 h 1807368"/>
-              <a:gd name="connsiteX1" fmla="*/ 0 w 3574257"/>
-              <a:gd name="connsiteY1" fmla="*/ 0 h 1807368"/>
-              <a:gd name="connsiteX2" fmla="*/ 1774032 w 3574257"/>
-              <a:gd name="connsiteY2" fmla="*/ 161925 h 1807368"/>
-              <a:gd name="connsiteX3" fmla="*/ 3574257 w 3574257"/>
-              <a:gd name="connsiteY3" fmla="*/ 1807368 h 1807368"/>
-              <a:gd name="connsiteX4" fmla="*/ 2382 w 3574257"/>
-              <a:gd name="connsiteY4" fmla="*/ 1807368 h 1807368"/>
-              <a:gd name="connsiteX0" fmla="*/ 2382 w 3574257"/>
-              <a:gd name="connsiteY0" fmla="*/ 1807368 h 1807368"/>
-              <a:gd name="connsiteX1" fmla="*/ 0 w 3574257"/>
-              <a:gd name="connsiteY1" fmla="*/ 0 h 1807368"/>
-              <a:gd name="connsiteX2" fmla="*/ 1969294 w 3574257"/>
-              <a:gd name="connsiteY2" fmla="*/ 21432 h 1807368"/>
-              <a:gd name="connsiteX3" fmla="*/ 3574257 w 3574257"/>
-              <a:gd name="connsiteY3" fmla="*/ 1807368 h 1807368"/>
-              <a:gd name="connsiteX4" fmla="*/ 2382 w 3574257"/>
-              <a:gd name="connsiteY4" fmla="*/ 1807368 h 1807368"/>
-              <a:gd name="connsiteX0" fmla="*/ 2382 w 3574257"/>
-              <a:gd name="connsiteY0" fmla="*/ 1807368 h 1807368"/>
-              <a:gd name="connsiteX1" fmla="*/ 0 w 3574257"/>
-              <a:gd name="connsiteY1" fmla="*/ 0 h 1807368"/>
-              <a:gd name="connsiteX2" fmla="*/ 1819275 w 3574257"/>
-              <a:gd name="connsiteY2" fmla="*/ 200026 h 1807368"/>
-              <a:gd name="connsiteX3" fmla="*/ 3574257 w 3574257"/>
-              <a:gd name="connsiteY3" fmla="*/ 1807368 h 1807368"/>
-              <a:gd name="connsiteX4" fmla="*/ 2382 w 3574257"/>
-              <a:gd name="connsiteY4" fmla="*/ 1807368 h 1807368"/>
-              <a:gd name="connsiteX0" fmla="*/ 2382 w 3574257"/>
-              <a:gd name="connsiteY0" fmla="*/ 1807368 h 1807368"/>
-              <a:gd name="connsiteX1" fmla="*/ 0 w 3574257"/>
-              <a:gd name="connsiteY1" fmla="*/ 0 h 1807368"/>
-              <a:gd name="connsiteX2" fmla="*/ 2045494 w 3574257"/>
-              <a:gd name="connsiteY2" fmla="*/ 1 h 1807368"/>
-              <a:gd name="connsiteX3" fmla="*/ 3574257 w 3574257"/>
-              <a:gd name="connsiteY3" fmla="*/ 1807368 h 1807368"/>
-              <a:gd name="connsiteX4" fmla="*/ 2382 w 3574257"/>
-              <a:gd name="connsiteY4" fmla="*/ 1807368 h 1807368"/>
+              <a:gd name="connsiteX0-9" fmla="*/ 0 w 3571875"/>
+              <a:gd name="connsiteY0-10" fmla="*/ 4210050 h 4210050"/>
+              <a:gd name="connsiteX1-11" fmla="*/ 0 w 3571875"/>
+              <a:gd name="connsiteY1-12" fmla="*/ 0 h 4210050"/>
+              <a:gd name="connsiteX2-13" fmla="*/ 2028825 w 3571875"/>
+              <a:gd name="connsiteY2-14" fmla="*/ 2205038 h 4210050"/>
+              <a:gd name="connsiteX3-15" fmla="*/ 3571875 w 3571875"/>
+              <a:gd name="connsiteY3-16" fmla="*/ 4210050 h 4210050"/>
+              <a:gd name="connsiteX4-17" fmla="*/ 0 w 3571875"/>
+              <a:gd name="connsiteY4-18" fmla="*/ 4210050 h 4210050"/>
+              <a:gd name="connsiteX0-19" fmla="*/ 0 w 3571875"/>
+              <a:gd name="connsiteY0-20" fmla="*/ 4210050 h 4210050"/>
+              <a:gd name="connsiteX1-21" fmla="*/ 0 w 3571875"/>
+              <a:gd name="connsiteY1-22" fmla="*/ 0 h 4210050"/>
+              <a:gd name="connsiteX2-23" fmla="*/ 2028825 w 3571875"/>
+              <a:gd name="connsiteY2-24" fmla="*/ 2393157 h 4210050"/>
+              <a:gd name="connsiteX3-25" fmla="*/ 3571875 w 3571875"/>
+              <a:gd name="connsiteY3-26" fmla="*/ 4210050 h 4210050"/>
+              <a:gd name="connsiteX4-27" fmla="*/ 0 w 3571875"/>
+              <a:gd name="connsiteY4-28" fmla="*/ 4210050 h 4210050"/>
+              <a:gd name="connsiteX0-29" fmla="*/ 0 w 3571875"/>
+              <a:gd name="connsiteY0-30" fmla="*/ 4210050 h 4210050"/>
+              <a:gd name="connsiteX1-31" fmla="*/ 0 w 3571875"/>
+              <a:gd name="connsiteY1-32" fmla="*/ 0 h 4210050"/>
+              <a:gd name="connsiteX2-33" fmla="*/ 2028825 w 3571875"/>
+              <a:gd name="connsiteY2-34" fmla="*/ 2393157 h 4210050"/>
+              <a:gd name="connsiteX3-35" fmla="*/ 3571875 w 3571875"/>
+              <a:gd name="connsiteY3-36" fmla="*/ 4210050 h 4210050"/>
+              <a:gd name="connsiteX4-37" fmla="*/ 0 w 3571875"/>
+              <a:gd name="connsiteY4-38" fmla="*/ 4210050 h 4210050"/>
+              <a:gd name="connsiteX0-39" fmla="*/ 0 w 3571875"/>
+              <a:gd name="connsiteY0-40" fmla="*/ 4210050 h 4210050"/>
+              <a:gd name="connsiteX1-41" fmla="*/ 0 w 3571875"/>
+              <a:gd name="connsiteY1-42" fmla="*/ 0 h 4210050"/>
+              <a:gd name="connsiteX2-43" fmla="*/ 2028825 w 3571875"/>
+              <a:gd name="connsiteY2-44" fmla="*/ 2281238 h 4210050"/>
+              <a:gd name="connsiteX3-45" fmla="*/ 3571875 w 3571875"/>
+              <a:gd name="connsiteY3-46" fmla="*/ 4210050 h 4210050"/>
+              <a:gd name="connsiteX4-47" fmla="*/ 0 w 3571875"/>
+              <a:gd name="connsiteY4-48" fmla="*/ 4210050 h 4210050"/>
+              <a:gd name="connsiteX0-49" fmla="*/ 0 w 3571875"/>
+              <a:gd name="connsiteY0-50" fmla="*/ 4210050 h 4210050"/>
+              <a:gd name="connsiteX1-51" fmla="*/ 0 w 3571875"/>
+              <a:gd name="connsiteY1-52" fmla="*/ 0 h 4210050"/>
+              <a:gd name="connsiteX2-53" fmla="*/ 2028825 w 3571875"/>
+              <a:gd name="connsiteY2-54" fmla="*/ 2393157 h 4210050"/>
+              <a:gd name="connsiteX3-55" fmla="*/ 3571875 w 3571875"/>
+              <a:gd name="connsiteY3-56" fmla="*/ 4210050 h 4210050"/>
+              <a:gd name="connsiteX4-57" fmla="*/ 0 w 3571875"/>
+              <a:gd name="connsiteY4-58" fmla="*/ 4210050 h 4210050"/>
+              <a:gd name="connsiteX0-59" fmla="*/ 0 w 3571875"/>
+              <a:gd name="connsiteY0-60" fmla="*/ 4210050 h 4210050"/>
+              <a:gd name="connsiteX1-61" fmla="*/ 0 w 3571875"/>
+              <a:gd name="connsiteY1-62" fmla="*/ 0 h 4210050"/>
+              <a:gd name="connsiteX2-63" fmla="*/ 2028825 w 3571875"/>
+              <a:gd name="connsiteY2-64" fmla="*/ 2393157 h 4210050"/>
+              <a:gd name="connsiteX3-65" fmla="*/ 3571875 w 3571875"/>
+              <a:gd name="connsiteY3-66" fmla="*/ 4210050 h 4210050"/>
+              <a:gd name="connsiteX4-67" fmla="*/ 0 w 3571875"/>
+              <a:gd name="connsiteY4-68" fmla="*/ 4210050 h 4210050"/>
+              <a:gd name="connsiteX0-69" fmla="*/ 0 w 3571875"/>
+              <a:gd name="connsiteY0-70" fmla="*/ 4210050 h 4210050"/>
+              <a:gd name="connsiteX1-71" fmla="*/ 0 w 3571875"/>
+              <a:gd name="connsiteY1-72" fmla="*/ 0 h 4210050"/>
+              <a:gd name="connsiteX2-73" fmla="*/ 2076450 w 3571875"/>
+              <a:gd name="connsiteY2-74" fmla="*/ 2274094 h 4210050"/>
+              <a:gd name="connsiteX3-75" fmla="*/ 3571875 w 3571875"/>
+              <a:gd name="connsiteY3-76" fmla="*/ 4210050 h 4210050"/>
+              <a:gd name="connsiteX4-77" fmla="*/ 0 w 3571875"/>
+              <a:gd name="connsiteY4-78" fmla="*/ 4210050 h 4210050"/>
+              <a:gd name="connsiteX0-79" fmla="*/ 0 w 3571875"/>
+              <a:gd name="connsiteY0-80" fmla="*/ 4210050 h 4210050"/>
+              <a:gd name="connsiteX1-81" fmla="*/ 0 w 3571875"/>
+              <a:gd name="connsiteY1-82" fmla="*/ 0 h 4210050"/>
+              <a:gd name="connsiteX2-83" fmla="*/ 2245519 w 3571875"/>
+              <a:gd name="connsiteY2-84" fmla="*/ 2405063 h 4210050"/>
+              <a:gd name="connsiteX3-85" fmla="*/ 3571875 w 3571875"/>
+              <a:gd name="connsiteY3-86" fmla="*/ 4210050 h 4210050"/>
+              <a:gd name="connsiteX4-87" fmla="*/ 0 w 3571875"/>
+              <a:gd name="connsiteY4-88" fmla="*/ 4210050 h 4210050"/>
+              <a:gd name="connsiteX0-89" fmla="*/ 0 w 3571875"/>
+              <a:gd name="connsiteY0-90" fmla="*/ 4210050 h 4210050"/>
+              <a:gd name="connsiteX1-91" fmla="*/ 0 w 3571875"/>
+              <a:gd name="connsiteY1-92" fmla="*/ 0 h 4210050"/>
+              <a:gd name="connsiteX2-93" fmla="*/ 2038350 w 3571875"/>
+              <a:gd name="connsiteY2-94" fmla="*/ 2405063 h 4210050"/>
+              <a:gd name="connsiteX3-95" fmla="*/ 3571875 w 3571875"/>
+              <a:gd name="connsiteY3-96" fmla="*/ 4210050 h 4210050"/>
+              <a:gd name="connsiteX4-97" fmla="*/ 0 w 3571875"/>
+              <a:gd name="connsiteY4-98" fmla="*/ 4210050 h 4210050"/>
+              <a:gd name="connsiteX0-99" fmla="*/ 0 w 3571875"/>
+              <a:gd name="connsiteY0-100" fmla="*/ 2433637 h 2433637"/>
+              <a:gd name="connsiteX1-101" fmla="*/ 257175 w 3571875"/>
+              <a:gd name="connsiteY1-102" fmla="*/ 0 h 2433637"/>
+              <a:gd name="connsiteX2-103" fmla="*/ 2038350 w 3571875"/>
+              <a:gd name="connsiteY2-104" fmla="*/ 628650 h 2433637"/>
+              <a:gd name="connsiteX3-105" fmla="*/ 3571875 w 3571875"/>
+              <a:gd name="connsiteY3-106" fmla="*/ 2433637 h 2433637"/>
+              <a:gd name="connsiteX4-107" fmla="*/ 0 w 3571875"/>
+              <a:gd name="connsiteY4-108" fmla="*/ 2433637 h 2433637"/>
+              <a:gd name="connsiteX0-109" fmla="*/ 2382 w 3574257"/>
+              <a:gd name="connsiteY0-110" fmla="*/ 1807368 h 1807368"/>
+              <a:gd name="connsiteX1-111" fmla="*/ 0 w 3574257"/>
+              <a:gd name="connsiteY1-112" fmla="*/ 0 h 1807368"/>
+              <a:gd name="connsiteX2-113" fmla="*/ 2040732 w 3574257"/>
+              <a:gd name="connsiteY2-114" fmla="*/ 2381 h 1807368"/>
+              <a:gd name="connsiteX3-115" fmla="*/ 3574257 w 3574257"/>
+              <a:gd name="connsiteY3-116" fmla="*/ 1807368 h 1807368"/>
+              <a:gd name="connsiteX4-117" fmla="*/ 2382 w 3574257"/>
+              <a:gd name="connsiteY4-118" fmla="*/ 1807368 h 1807368"/>
+              <a:gd name="connsiteX0-119" fmla="*/ 2382 w 3574257"/>
+              <a:gd name="connsiteY0-120" fmla="*/ 1807368 h 1807368"/>
+              <a:gd name="connsiteX1-121" fmla="*/ 0 w 3574257"/>
+              <a:gd name="connsiteY1-122" fmla="*/ 0 h 1807368"/>
+              <a:gd name="connsiteX2-123" fmla="*/ 1924051 w 3574257"/>
+              <a:gd name="connsiteY2-124" fmla="*/ 307181 h 1807368"/>
+              <a:gd name="connsiteX3-125" fmla="*/ 3574257 w 3574257"/>
+              <a:gd name="connsiteY3-126" fmla="*/ 1807368 h 1807368"/>
+              <a:gd name="connsiteX4-127" fmla="*/ 2382 w 3574257"/>
+              <a:gd name="connsiteY4-128" fmla="*/ 1807368 h 1807368"/>
+              <a:gd name="connsiteX0-129" fmla="*/ 2382 w 3574257"/>
+              <a:gd name="connsiteY0-130" fmla="*/ 1809749 h 1809749"/>
+              <a:gd name="connsiteX1-131" fmla="*/ 0 w 3574257"/>
+              <a:gd name="connsiteY1-132" fmla="*/ 2381 h 1809749"/>
+              <a:gd name="connsiteX2-133" fmla="*/ 2038351 w 3574257"/>
+              <a:gd name="connsiteY2-134" fmla="*/ 0 h 1809749"/>
+              <a:gd name="connsiteX3-135" fmla="*/ 3574257 w 3574257"/>
+              <a:gd name="connsiteY3-136" fmla="*/ 1809749 h 1809749"/>
+              <a:gd name="connsiteX4-137" fmla="*/ 2382 w 3574257"/>
+              <a:gd name="connsiteY4-138" fmla="*/ 1809749 h 1809749"/>
+              <a:gd name="connsiteX0-139" fmla="*/ 2382 w 3574257"/>
+              <a:gd name="connsiteY0-140" fmla="*/ 1807368 h 1807368"/>
+              <a:gd name="connsiteX1-141" fmla="*/ 0 w 3574257"/>
+              <a:gd name="connsiteY1-142" fmla="*/ 0 h 1807368"/>
+              <a:gd name="connsiteX2-143" fmla="*/ 1640682 w 3574257"/>
+              <a:gd name="connsiteY2-144" fmla="*/ 450057 h 1807368"/>
+              <a:gd name="connsiteX3-145" fmla="*/ 3574257 w 3574257"/>
+              <a:gd name="connsiteY3-146" fmla="*/ 1807368 h 1807368"/>
+              <a:gd name="connsiteX4-147" fmla="*/ 2382 w 3574257"/>
+              <a:gd name="connsiteY4-148" fmla="*/ 1807368 h 1807368"/>
+              <a:gd name="connsiteX0-149" fmla="*/ 2382 w 3574257"/>
+              <a:gd name="connsiteY0-150" fmla="*/ 1809749 h 1809749"/>
+              <a:gd name="connsiteX1-151" fmla="*/ 0 w 3574257"/>
+              <a:gd name="connsiteY1-152" fmla="*/ 2381 h 1809749"/>
+              <a:gd name="connsiteX2-153" fmla="*/ 2038351 w 3574257"/>
+              <a:gd name="connsiteY2-154" fmla="*/ 0 h 1809749"/>
+              <a:gd name="connsiteX3-155" fmla="*/ 3574257 w 3574257"/>
+              <a:gd name="connsiteY3-156" fmla="*/ 1809749 h 1809749"/>
+              <a:gd name="connsiteX4-157" fmla="*/ 2382 w 3574257"/>
+              <a:gd name="connsiteY4-158" fmla="*/ 1809749 h 1809749"/>
+              <a:gd name="connsiteX0-159" fmla="*/ 2382 w 3574257"/>
+              <a:gd name="connsiteY0-160" fmla="*/ 1807368 h 1807368"/>
+              <a:gd name="connsiteX1-161" fmla="*/ 0 w 3574257"/>
+              <a:gd name="connsiteY1-162" fmla="*/ 0 h 1807368"/>
+              <a:gd name="connsiteX2-163" fmla="*/ 1657351 w 3574257"/>
+              <a:gd name="connsiteY2-164" fmla="*/ 230982 h 1807368"/>
+              <a:gd name="connsiteX3-165" fmla="*/ 3574257 w 3574257"/>
+              <a:gd name="connsiteY3-166" fmla="*/ 1807368 h 1807368"/>
+              <a:gd name="connsiteX4-167" fmla="*/ 2382 w 3574257"/>
+              <a:gd name="connsiteY4-168" fmla="*/ 1807368 h 1807368"/>
+              <a:gd name="connsiteX0-169" fmla="*/ 2382 w 3574257"/>
+              <a:gd name="connsiteY0-170" fmla="*/ 1807368 h 1807368"/>
+              <a:gd name="connsiteX1-171" fmla="*/ 0 w 3574257"/>
+              <a:gd name="connsiteY1-172" fmla="*/ 0 h 1807368"/>
+              <a:gd name="connsiteX2-173" fmla="*/ 2040732 w 3574257"/>
+              <a:gd name="connsiteY2-174" fmla="*/ 2382 h 1807368"/>
+              <a:gd name="connsiteX3-175" fmla="*/ 3574257 w 3574257"/>
+              <a:gd name="connsiteY3-176" fmla="*/ 1807368 h 1807368"/>
+              <a:gd name="connsiteX4-177" fmla="*/ 2382 w 3574257"/>
+              <a:gd name="connsiteY4-178" fmla="*/ 1807368 h 1807368"/>
+              <a:gd name="connsiteX0-179" fmla="*/ 2382 w 3574257"/>
+              <a:gd name="connsiteY0-180" fmla="*/ 1807368 h 1807368"/>
+              <a:gd name="connsiteX1-181" fmla="*/ 0 w 3574257"/>
+              <a:gd name="connsiteY1-182" fmla="*/ 0 h 1807368"/>
+              <a:gd name="connsiteX2-183" fmla="*/ 1774032 w 3574257"/>
+              <a:gd name="connsiteY2-184" fmla="*/ 161925 h 1807368"/>
+              <a:gd name="connsiteX3-185" fmla="*/ 3574257 w 3574257"/>
+              <a:gd name="connsiteY3-186" fmla="*/ 1807368 h 1807368"/>
+              <a:gd name="connsiteX4-187" fmla="*/ 2382 w 3574257"/>
+              <a:gd name="connsiteY4-188" fmla="*/ 1807368 h 1807368"/>
+              <a:gd name="connsiteX0-189" fmla="*/ 2382 w 3574257"/>
+              <a:gd name="connsiteY0-190" fmla="*/ 1807368 h 1807368"/>
+              <a:gd name="connsiteX1-191" fmla="*/ 0 w 3574257"/>
+              <a:gd name="connsiteY1-192" fmla="*/ 0 h 1807368"/>
+              <a:gd name="connsiteX2-193" fmla="*/ 1969294 w 3574257"/>
+              <a:gd name="connsiteY2-194" fmla="*/ 21432 h 1807368"/>
+              <a:gd name="connsiteX3-195" fmla="*/ 3574257 w 3574257"/>
+              <a:gd name="connsiteY3-196" fmla="*/ 1807368 h 1807368"/>
+              <a:gd name="connsiteX4-197" fmla="*/ 2382 w 3574257"/>
+              <a:gd name="connsiteY4-198" fmla="*/ 1807368 h 1807368"/>
+              <a:gd name="connsiteX0-199" fmla="*/ 2382 w 3574257"/>
+              <a:gd name="connsiteY0-200" fmla="*/ 1807368 h 1807368"/>
+              <a:gd name="connsiteX1-201" fmla="*/ 0 w 3574257"/>
+              <a:gd name="connsiteY1-202" fmla="*/ 0 h 1807368"/>
+              <a:gd name="connsiteX2-203" fmla="*/ 1819275 w 3574257"/>
+              <a:gd name="connsiteY2-204" fmla="*/ 200026 h 1807368"/>
+              <a:gd name="connsiteX3-205" fmla="*/ 3574257 w 3574257"/>
+              <a:gd name="connsiteY3-206" fmla="*/ 1807368 h 1807368"/>
+              <a:gd name="connsiteX4-207" fmla="*/ 2382 w 3574257"/>
+              <a:gd name="connsiteY4-208" fmla="*/ 1807368 h 1807368"/>
+              <a:gd name="connsiteX0-209" fmla="*/ 2382 w 3574257"/>
+              <a:gd name="connsiteY0-210" fmla="*/ 1807368 h 1807368"/>
+              <a:gd name="connsiteX1-211" fmla="*/ 0 w 3574257"/>
+              <a:gd name="connsiteY1-212" fmla="*/ 0 h 1807368"/>
+              <a:gd name="connsiteX2-213" fmla="*/ 2045494 w 3574257"/>
+              <a:gd name="connsiteY2-214" fmla="*/ 1 h 1807368"/>
+              <a:gd name="connsiteX3-215" fmla="*/ 3574257 w 3574257"/>
+              <a:gd name="connsiteY3-216" fmla="*/ 1807368 h 1807368"/>
+              <a:gd name="connsiteX4-217" fmla="*/ 2382 w 3574257"/>
+              <a:gd name="connsiteY4-218" fmla="*/ 1807368 h 1807368"/>
             </a:gdLst>
             <a:ahLst/>
             <a:cxnLst>
               <a:cxn ang="0">
-                <a:pos x="connsiteX0" y="connsiteY0"/>
+                <a:pos x="connsiteX0-1" y="connsiteY0-2"/>
               </a:cxn>
               <a:cxn ang="0">
-                <a:pos x="connsiteX1" y="connsiteY1"/>
+                <a:pos x="connsiteX1-3" y="connsiteY1-4"/>
               </a:cxn>
               <a:cxn ang="0">
-                <a:pos x="connsiteX2" y="connsiteY2"/>
+                <a:pos x="connsiteX2-5" y="connsiteY2-6"/>
               </a:cxn>
               <a:cxn ang="0">
-                <a:pos x="connsiteX3" y="connsiteY3"/>
+                <a:pos x="connsiteX3-7" y="connsiteY3-8"/>
               </a:cxn>
               <a:cxn ang="0">
-                <a:pos x="connsiteX4" y="connsiteY4"/>
+                <a:pos x="connsiteX4-17" y="connsiteY4-18"/>
               </a:cxn>
             </a:cxnLst>
             <a:rect l="l" t="t" r="r" b="b"/>
@@ -3973,243 +4123,243 @@
               <a:gd name="connsiteY3" fmla="*/ 2083594 h 2083594"/>
               <a:gd name="connsiteX4" fmla="*/ 0 w 3350419"/>
               <a:gd name="connsiteY4" fmla="*/ 2081213 h 2083594"/>
-              <a:gd name="connsiteX0" fmla="*/ 0 w 3112294"/>
-              <a:gd name="connsiteY0" fmla="*/ 2019301 h 2083594"/>
-              <a:gd name="connsiteX1" fmla="*/ 2793206 w 3112294"/>
-              <a:gd name="connsiteY1" fmla="*/ 0 h 2083594"/>
-              <a:gd name="connsiteX2" fmla="*/ 3112294 w 3112294"/>
-              <a:gd name="connsiteY2" fmla="*/ 80963 h 2083594"/>
-              <a:gd name="connsiteX3" fmla="*/ 3112294 w 3112294"/>
-              <a:gd name="connsiteY3" fmla="*/ 2083594 h 2083594"/>
-              <a:gd name="connsiteX4" fmla="*/ 0 w 3112294"/>
-              <a:gd name="connsiteY4" fmla="*/ 2019301 h 2083594"/>
-              <a:gd name="connsiteX0" fmla="*/ 0 w 3345656"/>
-              <a:gd name="connsiteY0" fmla="*/ 2097882 h 2097882"/>
-              <a:gd name="connsiteX1" fmla="*/ 3026568 w 3345656"/>
-              <a:gd name="connsiteY1" fmla="*/ 0 h 2097882"/>
-              <a:gd name="connsiteX2" fmla="*/ 3345656 w 3345656"/>
-              <a:gd name="connsiteY2" fmla="*/ 80963 h 2097882"/>
-              <a:gd name="connsiteX3" fmla="*/ 3345656 w 3345656"/>
-              <a:gd name="connsiteY3" fmla="*/ 2083594 h 2097882"/>
-              <a:gd name="connsiteX4" fmla="*/ 0 w 3345656"/>
-              <a:gd name="connsiteY4" fmla="*/ 2097882 h 2097882"/>
-              <a:gd name="connsiteX0" fmla="*/ 0 w 2800350"/>
-              <a:gd name="connsiteY0" fmla="*/ 1935957 h 2083594"/>
-              <a:gd name="connsiteX1" fmla="*/ 2481262 w 2800350"/>
-              <a:gd name="connsiteY1" fmla="*/ 0 h 2083594"/>
-              <a:gd name="connsiteX2" fmla="*/ 2800350 w 2800350"/>
-              <a:gd name="connsiteY2" fmla="*/ 80963 h 2083594"/>
-              <a:gd name="connsiteX3" fmla="*/ 2800350 w 2800350"/>
-              <a:gd name="connsiteY3" fmla="*/ 2083594 h 2083594"/>
-              <a:gd name="connsiteX4" fmla="*/ 0 w 2800350"/>
-              <a:gd name="connsiteY4" fmla="*/ 1935957 h 2083594"/>
-              <a:gd name="connsiteX0" fmla="*/ 0 w 3352800"/>
-              <a:gd name="connsiteY0" fmla="*/ 2083594 h 2083594"/>
-              <a:gd name="connsiteX1" fmla="*/ 3033712 w 3352800"/>
-              <a:gd name="connsiteY1" fmla="*/ 0 h 2083594"/>
-              <a:gd name="connsiteX2" fmla="*/ 3352800 w 3352800"/>
-              <a:gd name="connsiteY2" fmla="*/ 80963 h 2083594"/>
-              <a:gd name="connsiteX3" fmla="*/ 3352800 w 3352800"/>
-              <a:gd name="connsiteY3" fmla="*/ 2083594 h 2083594"/>
-              <a:gd name="connsiteX4" fmla="*/ 0 w 3352800"/>
-              <a:gd name="connsiteY4" fmla="*/ 2083594 h 2083594"/>
-              <a:gd name="connsiteX0" fmla="*/ 0 w 3352800"/>
-              <a:gd name="connsiteY0" fmla="*/ 2002631 h 2002631"/>
-              <a:gd name="connsiteX1" fmla="*/ 3033712 w 3352800"/>
-              <a:gd name="connsiteY1" fmla="*/ 157162 h 2002631"/>
-              <a:gd name="connsiteX2" fmla="*/ 3352800 w 3352800"/>
-              <a:gd name="connsiteY2" fmla="*/ 0 h 2002631"/>
-              <a:gd name="connsiteX3" fmla="*/ 3352800 w 3352800"/>
-              <a:gd name="connsiteY3" fmla="*/ 2002631 h 2002631"/>
-              <a:gd name="connsiteX4" fmla="*/ 0 w 3352800"/>
-              <a:gd name="connsiteY4" fmla="*/ 2002631 h 2002631"/>
-              <a:gd name="connsiteX0" fmla="*/ 0 w 3352800"/>
-              <a:gd name="connsiteY0" fmla="*/ 2002631 h 2002631"/>
-              <a:gd name="connsiteX1" fmla="*/ 2988469 w 3352800"/>
-              <a:gd name="connsiteY1" fmla="*/ 59530 h 2002631"/>
-              <a:gd name="connsiteX2" fmla="*/ 3352800 w 3352800"/>
-              <a:gd name="connsiteY2" fmla="*/ 0 h 2002631"/>
-              <a:gd name="connsiteX3" fmla="*/ 3352800 w 3352800"/>
-              <a:gd name="connsiteY3" fmla="*/ 2002631 h 2002631"/>
-              <a:gd name="connsiteX4" fmla="*/ 0 w 3352800"/>
-              <a:gd name="connsiteY4" fmla="*/ 2002631 h 2002631"/>
-              <a:gd name="connsiteX0" fmla="*/ 0 w 3352800"/>
-              <a:gd name="connsiteY0" fmla="*/ 2002631 h 2002631"/>
-              <a:gd name="connsiteX1" fmla="*/ 2833966 w 3352800"/>
-              <a:gd name="connsiteY1" fmla="*/ 425 h 2002631"/>
-              <a:gd name="connsiteX2" fmla="*/ 3352800 w 3352800"/>
-              <a:gd name="connsiteY2" fmla="*/ 0 h 2002631"/>
-              <a:gd name="connsiteX3" fmla="*/ 3352800 w 3352800"/>
-              <a:gd name="connsiteY3" fmla="*/ 2002631 h 2002631"/>
-              <a:gd name="connsiteX4" fmla="*/ 0 w 3352800"/>
-              <a:gd name="connsiteY4" fmla="*/ 2002631 h 2002631"/>
-              <a:gd name="connsiteX0" fmla="*/ 0 w 3352800"/>
-              <a:gd name="connsiteY0" fmla="*/ 2002631 h 2002631"/>
-              <a:gd name="connsiteX1" fmla="*/ 2845314 w 3352800"/>
-              <a:gd name="connsiteY1" fmla="*/ 12246 h 2002631"/>
-              <a:gd name="connsiteX2" fmla="*/ 3352800 w 3352800"/>
-              <a:gd name="connsiteY2" fmla="*/ 0 h 2002631"/>
-              <a:gd name="connsiteX3" fmla="*/ 3352800 w 3352800"/>
-              <a:gd name="connsiteY3" fmla="*/ 2002631 h 2002631"/>
-              <a:gd name="connsiteX4" fmla="*/ 0 w 3352800"/>
-              <a:gd name="connsiteY4" fmla="*/ 2002631 h 2002631"/>
-              <a:gd name="connsiteX0" fmla="*/ 0 w 3352800"/>
-              <a:gd name="connsiteY0" fmla="*/ 2002631 h 2002631"/>
-              <a:gd name="connsiteX1" fmla="*/ 2834839 w 3352800"/>
-              <a:gd name="connsiteY1" fmla="*/ 425 h 2002631"/>
-              <a:gd name="connsiteX2" fmla="*/ 3352800 w 3352800"/>
-              <a:gd name="connsiteY2" fmla="*/ 0 h 2002631"/>
-              <a:gd name="connsiteX3" fmla="*/ 3352800 w 3352800"/>
-              <a:gd name="connsiteY3" fmla="*/ 2002631 h 2002631"/>
-              <a:gd name="connsiteX4" fmla="*/ 0 w 3352800"/>
-              <a:gd name="connsiteY4" fmla="*/ 2002631 h 2002631"/>
-              <a:gd name="connsiteX0" fmla="*/ 0 w 3352800"/>
-              <a:gd name="connsiteY0" fmla="*/ 2002631 h 2002631"/>
-              <a:gd name="connsiteX1" fmla="*/ 2875865 w 3352800"/>
-              <a:gd name="connsiteY1" fmla="*/ 81782 h 2002631"/>
-              <a:gd name="connsiteX2" fmla="*/ 3352800 w 3352800"/>
-              <a:gd name="connsiteY2" fmla="*/ 0 h 2002631"/>
-              <a:gd name="connsiteX3" fmla="*/ 3352800 w 3352800"/>
-              <a:gd name="connsiteY3" fmla="*/ 2002631 h 2002631"/>
-              <a:gd name="connsiteX4" fmla="*/ 0 w 3352800"/>
-              <a:gd name="connsiteY4" fmla="*/ 2002631 h 2002631"/>
-              <a:gd name="connsiteX0" fmla="*/ 0 w 3352800"/>
-              <a:gd name="connsiteY0" fmla="*/ 2002901 h 2002901"/>
-              <a:gd name="connsiteX1" fmla="*/ 2836585 w 3352800"/>
-              <a:gd name="connsiteY1" fmla="*/ 0 h 2002901"/>
-              <a:gd name="connsiteX2" fmla="*/ 3352800 w 3352800"/>
-              <a:gd name="connsiteY2" fmla="*/ 270 h 2002901"/>
-              <a:gd name="connsiteX3" fmla="*/ 3352800 w 3352800"/>
-              <a:gd name="connsiteY3" fmla="*/ 2002901 h 2002901"/>
-              <a:gd name="connsiteX4" fmla="*/ 0 w 3352800"/>
-              <a:gd name="connsiteY4" fmla="*/ 2002901 h 2002901"/>
-              <a:gd name="connsiteX0" fmla="*/ 0 w 3352800"/>
-              <a:gd name="connsiteY0" fmla="*/ 2002631 h 2002631"/>
-              <a:gd name="connsiteX1" fmla="*/ 754045 w 3352800"/>
-              <a:gd name="connsiteY1" fmla="*/ 1468326 h 2002631"/>
-              <a:gd name="connsiteX2" fmla="*/ 3352800 w 3352800"/>
-              <a:gd name="connsiteY2" fmla="*/ 0 h 2002631"/>
-              <a:gd name="connsiteX3" fmla="*/ 3352800 w 3352800"/>
-              <a:gd name="connsiteY3" fmla="*/ 2002631 h 2002631"/>
-              <a:gd name="connsiteX4" fmla="*/ 0 w 3352800"/>
-              <a:gd name="connsiteY4" fmla="*/ 2002631 h 2002631"/>
-              <a:gd name="connsiteX0" fmla="*/ 0 w 3352800"/>
-              <a:gd name="connsiteY0" fmla="*/ 534305 h 534305"/>
-              <a:gd name="connsiteX1" fmla="*/ 754045 w 3352800"/>
-              <a:gd name="connsiteY1" fmla="*/ 0 h 534305"/>
-              <a:gd name="connsiteX2" fmla="*/ 3352800 w 3352800"/>
-              <a:gd name="connsiteY2" fmla="*/ 7687 h 534305"/>
-              <a:gd name="connsiteX3" fmla="*/ 3352800 w 3352800"/>
-              <a:gd name="connsiteY3" fmla="*/ 534305 h 534305"/>
-              <a:gd name="connsiteX4" fmla="*/ 0 w 3352800"/>
-              <a:gd name="connsiteY4" fmla="*/ 534305 h 534305"/>
-              <a:gd name="connsiteX0" fmla="*/ 0 w 3352800"/>
-              <a:gd name="connsiteY0" fmla="*/ 534305 h 534305"/>
-              <a:gd name="connsiteX1" fmla="*/ 754045 w 3352800"/>
-              <a:gd name="connsiteY1" fmla="*/ 0 h 534305"/>
-              <a:gd name="connsiteX2" fmla="*/ 3352800 w 3352800"/>
-              <a:gd name="connsiteY2" fmla="*/ 7687 h 534305"/>
-              <a:gd name="connsiteX3" fmla="*/ 3352800 w 3352800"/>
-              <a:gd name="connsiteY3" fmla="*/ 534305 h 534305"/>
-              <a:gd name="connsiteX4" fmla="*/ 0 w 3352800"/>
-              <a:gd name="connsiteY4" fmla="*/ 534305 h 534305"/>
-              <a:gd name="connsiteX0" fmla="*/ 0 w 3352800"/>
-              <a:gd name="connsiteY0" fmla="*/ 526618 h 526618"/>
-              <a:gd name="connsiteX1" fmla="*/ 980611 w 3352800"/>
-              <a:gd name="connsiteY1" fmla="*/ 93681 h 526618"/>
-              <a:gd name="connsiteX2" fmla="*/ 3352800 w 3352800"/>
-              <a:gd name="connsiteY2" fmla="*/ 0 h 526618"/>
-              <a:gd name="connsiteX3" fmla="*/ 3352800 w 3352800"/>
-              <a:gd name="connsiteY3" fmla="*/ 526618 h 526618"/>
-              <a:gd name="connsiteX4" fmla="*/ 0 w 3352800"/>
-              <a:gd name="connsiteY4" fmla="*/ 526618 h 526618"/>
-              <a:gd name="connsiteX0" fmla="*/ 0 w 3352800"/>
-              <a:gd name="connsiteY0" fmla="*/ 526888 h 526888"/>
-              <a:gd name="connsiteX1" fmla="*/ 744735 w 3352800"/>
-              <a:gd name="connsiteY1" fmla="*/ 0 h 526888"/>
-              <a:gd name="connsiteX2" fmla="*/ 3352800 w 3352800"/>
-              <a:gd name="connsiteY2" fmla="*/ 270 h 526888"/>
-              <a:gd name="connsiteX3" fmla="*/ 3352800 w 3352800"/>
-              <a:gd name="connsiteY3" fmla="*/ 526888 h 526888"/>
-              <a:gd name="connsiteX4" fmla="*/ 0 w 3352800"/>
-              <a:gd name="connsiteY4" fmla="*/ 526888 h 526888"/>
-              <a:gd name="connsiteX0" fmla="*/ 0 w 3352800"/>
-              <a:gd name="connsiteY0" fmla="*/ 526618 h 526618"/>
-              <a:gd name="connsiteX1" fmla="*/ 811948 w 3352800"/>
-              <a:gd name="connsiteY1" fmla="*/ 60921 h 526618"/>
-              <a:gd name="connsiteX2" fmla="*/ 3352800 w 3352800"/>
-              <a:gd name="connsiteY2" fmla="*/ 0 h 526618"/>
-              <a:gd name="connsiteX3" fmla="*/ 3352800 w 3352800"/>
-              <a:gd name="connsiteY3" fmla="*/ 526618 h 526618"/>
-              <a:gd name="connsiteX4" fmla="*/ 0 w 3352800"/>
-              <a:gd name="connsiteY4" fmla="*/ 526618 h 526618"/>
-              <a:gd name="connsiteX0" fmla="*/ 0 w 3352800"/>
-              <a:gd name="connsiteY0" fmla="*/ 527584 h 527584"/>
-              <a:gd name="connsiteX1" fmla="*/ 751718 w 3352800"/>
-              <a:gd name="connsiteY1" fmla="*/ 0 h 527584"/>
-              <a:gd name="connsiteX2" fmla="*/ 3352800 w 3352800"/>
-              <a:gd name="connsiteY2" fmla="*/ 966 h 527584"/>
-              <a:gd name="connsiteX3" fmla="*/ 3352800 w 3352800"/>
-              <a:gd name="connsiteY3" fmla="*/ 527584 h 527584"/>
-              <a:gd name="connsiteX4" fmla="*/ 0 w 3352800"/>
-              <a:gd name="connsiteY4" fmla="*/ 527584 h 527584"/>
-              <a:gd name="connsiteX0" fmla="*/ 0 w 3352800"/>
-              <a:gd name="connsiteY0" fmla="*/ 527584 h 527584"/>
-              <a:gd name="connsiteX1" fmla="*/ 751718 w 3352800"/>
-              <a:gd name="connsiteY1" fmla="*/ 0 h 527584"/>
-              <a:gd name="connsiteX2" fmla="*/ 3241069 w 3352800"/>
-              <a:gd name="connsiteY2" fmla="*/ 94144 h 527584"/>
-              <a:gd name="connsiteX3" fmla="*/ 3352800 w 3352800"/>
-              <a:gd name="connsiteY3" fmla="*/ 527584 h 527584"/>
-              <a:gd name="connsiteX4" fmla="*/ 0 w 3352800"/>
-              <a:gd name="connsiteY4" fmla="*/ 527584 h 527584"/>
-              <a:gd name="connsiteX0" fmla="*/ 0 w 3352800"/>
-              <a:gd name="connsiteY0" fmla="*/ 527584 h 527584"/>
-              <a:gd name="connsiteX1" fmla="*/ 751718 w 3352800"/>
-              <a:gd name="connsiteY1" fmla="*/ 0 h 527584"/>
-              <a:gd name="connsiteX2" fmla="*/ 3352800 w 3352800"/>
-              <a:gd name="connsiteY2" fmla="*/ 271 h 527584"/>
-              <a:gd name="connsiteX3" fmla="*/ 3352800 w 3352800"/>
-              <a:gd name="connsiteY3" fmla="*/ 527584 h 527584"/>
-              <a:gd name="connsiteX4" fmla="*/ 0 w 3352800"/>
-              <a:gd name="connsiteY4" fmla="*/ 527584 h 527584"/>
-              <a:gd name="connsiteX0" fmla="*/ 0 w 3352800"/>
-              <a:gd name="connsiteY0" fmla="*/ 527313 h 527313"/>
-              <a:gd name="connsiteX1" fmla="*/ 900984 w 3352800"/>
-              <a:gd name="connsiteY1" fmla="*/ 97774 h 527313"/>
-              <a:gd name="connsiteX2" fmla="*/ 3352800 w 3352800"/>
-              <a:gd name="connsiteY2" fmla="*/ 0 h 527313"/>
-              <a:gd name="connsiteX3" fmla="*/ 3352800 w 3352800"/>
-              <a:gd name="connsiteY3" fmla="*/ 527313 h 527313"/>
-              <a:gd name="connsiteX4" fmla="*/ 0 w 3352800"/>
-              <a:gd name="connsiteY4" fmla="*/ 527313 h 527313"/>
-              <a:gd name="connsiteX0" fmla="*/ 0 w 3352800"/>
-              <a:gd name="connsiteY0" fmla="*/ 527584 h 527584"/>
-              <a:gd name="connsiteX1" fmla="*/ 748227 w 3352800"/>
-              <a:gd name="connsiteY1" fmla="*/ 0 h 527584"/>
-              <a:gd name="connsiteX2" fmla="*/ 3352800 w 3352800"/>
-              <a:gd name="connsiteY2" fmla="*/ 271 h 527584"/>
-              <a:gd name="connsiteX3" fmla="*/ 3352800 w 3352800"/>
-              <a:gd name="connsiteY3" fmla="*/ 527584 h 527584"/>
-              <a:gd name="connsiteX4" fmla="*/ 0 w 3352800"/>
-              <a:gd name="connsiteY4" fmla="*/ 527584 h 527584"/>
+              <a:gd name="connsiteX0-1" fmla="*/ 0 w 3112294"/>
+              <a:gd name="connsiteY0-2" fmla="*/ 2019301 h 2083594"/>
+              <a:gd name="connsiteX1-3" fmla="*/ 2793206 w 3112294"/>
+              <a:gd name="connsiteY1-4" fmla="*/ 0 h 2083594"/>
+              <a:gd name="connsiteX2-5" fmla="*/ 3112294 w 3112294"/>
+              <a:gd name="connsiteY2-6" fmla="*/ 80963 h 2083594"/>
+              <a:gd name="connsiteX3-7" fmla="*/ 3112294 w 3112294"/>
+              <a:gd name="connsiteY3-8" fmla="*/ 2083594 h 2083594"/>
+              <a:gd name="connsiteX4-9" fmla="*/ 0 w 3112294"/>
+              <a:gd name="connsiteY4-10" fmla="*/ 2019301 h 2083594"/>
+              <a:gd name="connsiteX0-11" fmla="*/ 0 w 3345656"/>
+              <a:gd name="connsiteY0-12" fmla="*/ 2097882 h 2097882"/>
+              <a:gd name="connsiteX1-13" fmla="*/ 3026568 w 3345656"/>
+              <a:gd name="connsiteY1-14" fmla="*/ 0 h 2097882"/>
+              <a:gd name="connsiteX2-15" fmla="*/ 3345656 w 3345656"/>
+              <a:gd name="connsiteY2-16" fmla="*/ 80963 h 2097882"/>
+              <a:gd name="connsiteX3-17" fmla="*/ 3345656 w 3345656"/>
+              <a:gd name="connsiteY3-18" fmla="*/ 2083594 h 2097882"/>
+              <a:gd name="connsiteX4-19" fmla="*/ 0 w 3345656"/>
+              <a:gd name="connsiteY4-20" fmla="*/ 2097882 h 2097882"/>
+              <a:gd name="connsiteX0-21" fmla="*/ 0 w 2800350"/>
+              <a:gd name="connsiteY0-22" fmla="*/ 1935957 h 2083594"/>
+              <a:gd name="connsiteX1-23" fmla="*/ 2481262 w 2800350"/>
+              <a:gd name="connsiteY1-24" fmla="*/ 0 h 2083594"/>
+              <a:gd name="connsiteX2-25" fmla="*/ 2800350 w 2800350"/>
+              <a:gd name="connsiteY2-26" fmla="*/ 80963 h 2083594"/>
+              <a:gd name="connsiteX3-27" fmla="*/ 2800350 w 2800350"/>
+              <a:gd name="connsiteY3-28" fmla="*/ 2083594 h 2083594"/>
+              <a:gd name="connsiteX4-29" fmla="*/ 0 w 2800350"/>
+              <a:gd name="connsiteY4-30" fmla="*/ 1935957 h 2083594"/>
+              <a:gd name="connsiteX0-31" fmla="*/ 0 w 3352800"/>
+              <a:gd name="connsiteY0-32" fmla="*/ 2083594 h 2083594"/>
+              <a:gd name="connsiteX1-33" fmla="*/ 3033712 w 3352800"/>
+              <a:gd name="connsiteY1-34" fmla="*/ 0 h 2083594"/>
+              <a:gd name="connsiteX2-35" fmla="*/ 3352800 w 3352800"/>
+              <a:gd name="connsiteY2-36" fmla="*/ 80963 h 2083594"/>
+              <a:gd name="connsiteX3-37" fmla="*/ 3352800 w 3352800"/>
+              <a:gd name="connsiteY3-38" fmla="*/ 2083594 h 2083594"/>
+              <a:gd name="connsiteX4-39" fmla="*/ 0 w 3352800"/>
+              <a:gd name="connsiteY4-40" fmla="*/ 2083594 h 2083594"/>
+              <a:gd name="connsiteX0-41" fmla="*/ 0 w 3352800"/>
+              <a:gd name="connsiteY0-42" fmla="*/ 2002631 h 2002631"/>
+              <a:gd name="connsiteX1-43" fmla="*/ 3033712 w 3352800"/>
+              <a:gd name="connsiteY1-44" fmla="*/ 157162 h 2002631"/>
+              <a:gd name="connsiteX2-45" fmla="*/ 3352800 w 3352800"/>
+              <a:gd name="connsiteY2-46" fmla="*/ 0 h 2002631"/>
+              <a:gd name="connsiteX3-47" fmla="*/ 3352800 w 3352800"/>
+              <a:gd name="connsiteY3-48" fmla="*/ 2002631 h 2002631"/>
+              <a:gd name="connsiteX4-49" fmla="*/ 0 w 3352800"/>
+              <a:gd name="connsiteY4-50" fmla="*/ 2002631 h 2002631"/>
+              <a:gd name="connsiteX0-51" fmla="*/ 0 w 3352800"/>
+              <a:gd name="connsiteY0-52" fmla="*/ 2002631 h 2002631"/>
+              <a:gd name="connsiteX1-53" fmla="*/ 2988469 w 3352800"/>
+              <a:gd name="connsiteY1-54" fmla="*/ 59530 h 2002631"/>
+              <a:gd name="connsiteX2-55" fmla="*/ 3352800 w 3352800"/>
+              <a:gd name="connsiteY2-56" fmla="*/ 0 h 2002631"/>
+              <a:gd name="connsiteX3-57" fmla="*/ 3352800 w 3352800"/>
+              <a:gd name="connsiteY3-58" fmla="*/ 2002631 h 2002631"/>
+              <a:gd name="connsiteX4-59" fmla="*/ 0 w 3352800"/>
+              <a:gd name="connsiteY4-60" fmla="*/ 2002631 h 2002631"/>
+              <a:gd name="connsiteX0-61" fmla="*/ 0 w 3352800"/>
+              <a:gd name="connsiteY0-62" fmla="*/ 2002631 h 2002631"/>
+              <a:gd name="connsiteX1-63" fmla="*/ 2833966 w 3352800"/>
+              <a:gd name="connsiteY1-64" fmla="*/ 425 h 2002631"/>
+              <a:gd name="connsiteX2-65" fmla="*/ 3352800 w 3352800"/>
+              <a:gd name="connsiteY2-66" fmla="*/ 0 h 2002631"/>
+              <a:gd name="connsiteX3-67" fmla="*/ 3352800 w 3352800"/>
+              <a:gd name="connsiteY3-68" fmla="*/ 2002631 h 2002631"/>
+              <a:gd name="connsiteX4-69" fmla="*/ 0 w 3352800"/>
+              <a:gd name="connsiteY4-70" fmla="*/ 2002631 h 2002631"/>
+              <a:gd name="connsiteX0-71" fmla="*/ 0 w 3352800"/>
+              <a:gd name="connsiteY0-72" fmla="*/ 2002631 h 2002631"/>
+              <a:gd name="connsiteX1-73" fmla="*/ 2845314 w 3352800"/>
+              <a:gd name="connsiteY1-74" fmla="*/ 12246 h 2002631"/>
+              <a:gd name="connsiteX2-75" fmla="*/ 3352800 w 3352800"/>
+              <a:gd name="connsiteY2-76" fmla="*/ 0 h 2002631"/>
+              <a:gd name="connsiteX3-77" fmla="*/ 3352800 w 3352800"/>
+              <a:gd name="connsiteY3-78" fmla="*/ 2002631 h 2002631"/>
+              <a:gd name="connsiteX4-79" fmla="*/ 0 w 3352800"/>
+              <a:gd name="connsiteY4-80" fmla="*/ 2002631 h 2002631"/>
+              <a:gd name="connsiteX0-81" fmla="*/ 0 w 3352800"/>
+              <a:gd name="connsiteY0-82" fmla="*/ 2002631 h 2002631"/>
+              <a:gd name="connsiteX1-83" fmla="*/ 2834839 w 3352800"/>
+              <a:gd name="connsiteY1-84" fmla="*/ 425 h 2002631"/>
+              <a:gd name="connsiteX2-85" fmla="*/ 3352800 w 3352800"/>
+              <a:gd name="connsiteY2-86" fmla="*/ 0 h 2002631"/>
+              <a:gd name="connsiteX3-87" fmla="*/ 3352800 w 3352800"/>
+              <a:gd name="connsiteY3-88" fmla="*/ 2002631 h 2002631"/>
+              <a:gd name="connsiteX4-89" fmla="*/ 0 w 3352800"/>
+              <a:gd name="connsiteY4-90" fmla="*/ 2002631 h 2002631"/>
+              <a:gd name="connsiteX0-91" fmla="*/ 0 w 3352800"/>
+              <a:gd name="connsiteY0-92" fmla="*/ 2002631 h 2002631"/>
+              <a:gd name="connsiteX1-93" fmla="*/ 2875865 w 3352800"/>
+              <a:gd name="connsiteY1-94" fmla="*/ 81782 h 2002631"/>
+              <a:gd name="connsiteX2-95" fmla="*/ 3352800 w 3352800"/>
+              <a:gd name="connsiteY2-96" fmla="*/ 0 h 2002631"/>
+              <a:gd name="connsiteX3-97" fmla="*/ 3352800 w 3352800"/>
+              <a:gd name="connsiteY3-98" fmla="*/ 2002631 h 2002631"/>
+              <a:gd name="connsiteX4-99" fmla="*/ 0 w 3352800"/>
+              <a:gd name="connsiteY4-100" fmla="*/ 2002631 h 2002631"/>
+              <a:gd name="connsiteX0-101" fmla="*/ 0 w 3352800"/>
+              <a:gd name="connsiteY0-102" fmla="*/ 2002901 h 2002901"/>
+              <a:gd name="connsiteX1-103" fmla="*/ 2836585 w 3352800"/>
+              <a:gd name="connsiteY1-104" fmla="*/ 0 h 2002901"/>
+              <a:gd name="connsiteX2-105" fmla="*/ 3352800 w 3352800"/>
+              <a:gd name="connsiteY2-106" fmla="*/ 270 h 2002901"/>
+              <a:gd name="connsiteX3-107" fmla="*/ 3352800 w 3352800"/>
+              <a:gd name="connsiteY3-108" fmla="*/ 2002901 h 2002901"/>
+              <a:gd name="connsiteX4-109" fmla="*/ 0 w 3352800"/>
+              <a:gd name="connsiteY4-110" fmla="*/ 2002901 h 2002901"/>
+              <a:gd name="connsiteX0-111" fmla="*/ 0 w 3352800"/>
+              <a:gd name="connsiteY0-112" fmla="*/ 2002631 h 2002631"/>
+              <a:gd name="connsiteX1-113" fmla="*/ 754045 w 3352800"/>
+              <a:gd name="connsiteY1-114" fmla="*/ 1468326 h 2002631"/>
+              <a:gd name="connsiteX2-115" fmla="*/ 3352800 w 3352800"/>
+              <a:gd name="connsiteY2-116" fmla="*/ 0 h 2002631"/>
+              <a:gd name="connsiteX3-117" fmla="*/ 3352800 w 3352800"/>
+              <a:gd name="connsiteY3-118" fmla="*/ 2002631 h 2002631"/>
+              <a:gd name="connsiteX4-119" fmla="*/ 0 w 3352800"/>
+              <a:gd name="connsiteY4-120" fmla="*/ 2002631 h 2002631"/>
+              <a:gd name="connsiteX0-121" fmla="*/ 0 w 3352800"/>
+              <a:gd name="connsiteY0-122" fmla="*/ 534305 h 534305"/>
+              <a:gd name="connsiteX1-123" fmla="*/ 754045 w 3352800"/>
+              <a:gd name="connsiteY1-124" fmla="*/ 0 h 534305"/>
+              <a:gd name="connsiteX2-125" fmla="*/ 3352800 w 3352800"/>
+              <a:gd name="connsiteY2-126" fmla="*/ 7687 h 534305"/>
+              <a:gd name="connsiteX3-127" fmla="*/ 3352800 w 3352800"/>
+              <a:gd name="connsiteY3-128" fmla="*/ 534305 h 534305"/>
+              <a:gd name="connsiteX4-129" fmla="*/ 0 w 3352800"/>
+              <a:gd name="connsiteY4-130" fmla="*/ 534305 h 534305"/>
+              <a:gd name="connsiteX0-131" fmla="*/ 0 w 3352800"/>
+              <a:gd name="connsiteY0-132" fmla="*/ 534305 h 534305"/>
+              <a:gd name="connsiteX1-133" fmla="*/ 754045 w 3352800"/>
+              <a:gd name="connsiteY1-134" fmla="*/ 0 h 534305"/>
+              <a:gd name="connsiteX2-135" fmla="*/ 3352800 w 3352800"/>
+              <a:gd name="connsiteY2-136" fmla="*/ 7687 h 534305"/>
+              <a:gd name="connsiteX3-137" fmla="*/ 3352800 w 3352800"/>
+              <a:gd name="connsiteY3-138" fmla="*/ 534305 h 534305"/>
+              <a:gd name="connsiteX4-139" fmla="*/ 0 w 3352800"/>
+              <a:gd name="connsiteY4-140" fmla="*/ 534305 h 534305"/>
+              <a:gd name="connsiteX0-141" fmla="*/ 0 w 3352800"/>
+              <a:gd name="connsiteY0-142" fmla="*/ 526618 h 526618"/>
+              <a:gd name="connsiteX1-143" fmla="*/ 980611 w 3352800"/>
+              <a:gd name="connsiteY1-144" fmla="*/ 93681 h 526618"/>
+              <a:gd name="connsiteX2-145" fmla="*/ 3352800 w 3352800"/>
+              <a:gd name="connsiteY2-146" fmla="*/ 0 h 526618"/>
+              <a:gd name="connsiteX3-147" fmla="*/ 3352800 w 3352800"/>
+              <a:gd name="connsiteY3-148" fmla="*/ 526618 h 526618"/>
+              <a:gd name="connsiteX4-149" fmla="*/ 0 w 3352800"/>
+              <a:gd name="connsiteY4-150" fmla="*/ 526618 h 526618"/>
+              <a:gd name="connsiteX0-151" fmla="*/ 0 w 3352800"/>
+              <a:gd name="connsiteY0-152" fmla="*/ 526888 h 526888"/>
+              <a:gd name="connsiteX1-153" fmla="*/ 744735 w 3352800"/>
+              <a:gd name="connsiteY1-154" fmla="*/ 0 h 526888"/>
+              <a:gd name="connsiteX2-155" fmla="*/ 3352800 w 3352800"/>
+              <a:gd name="connsiteY2-156" fmla="*/ 270 h 526888"/>
+              <a:gd name="connsiteX3-157" fmla="*/ 3352800 w 3352800"/>
+              <a:gd name="connsiteY3-158" fmla="*/ 526888 h 526888"/>
+              <a:gd name="connsiteX4-159" fmla="*/ 0 w 3352800"/>
+              <a:gd name="connsiteY4-160" fmla="*/ 526888 h 526888"/>
+              <a:gd name="connsiteX0-161" fmla="*/ 0 w 3352800"/>
+              <a:gd name="connsiteY0-162" fmla="*/ 526618 h 526618"/>
+              <a:gd name="connsiteX1-163" fmla="*/ 811948 w 3352800"/>
+              <a:gd name="connsiteY1-164" fmla="*/ 60921 h 526618"/>
+              <a:gd name="connsiteX2-165" fmla="*/ 3352800 w 3352800"/>
+              <a:gd name="connsiteY2-166" fmla="*/ 0 h 526618"/>
+              <a:gd name="connsiteX3-167" fmla="*/ 3352800 w 3352800"/>
+              <a:gd name="connsiteY3-168" fmla="*/ 526618 h 526618"/>
+              <a:gd name="connsiteX4-169" fmla="*/ 0 w 3352800"/>
+              <a:gd name="connsiteY4-170" fmla="*/ 526618 h 526618"/>
+              <a:gd name="connsiteX0-171" fmla="*/ 0 w 3352800"/>
+              <a:gd name="connsiteY0-172" fmla="*/ 527584 h 527584"/>
+              <a:gd name="connsiteX1-173" fmla="*/ 751718 w 3352800"/>
+              <a:gd name="connsiteY1-174" fmla="*/ 0 h 527584"/>
+              <a:gd name="connsiteX2-175" fmla="*/ 3352800 w 3352800"/>
+              <a:gd name="connsiteY2-176" fmla="*/ 966 h 527584"/>
+              <a:gd name="connsiteX3-177" fmla="*/ 3352800 w 3352800"/>
+              <a:gd name="connsiteY3-178" fmla="*/ 527584 h 527584"/>
+              <a:gd name="connsiteX4-179" fmla="*/ 0 w 3352800"/>
+              <a:gd name="connsiteY4-180" fmla="*/ 527584 h 527584"/>
+              <a:gd name="connsiteX0-181" fmla="*/ 0 w 3352800"/>
+              <a:gd name="connsiteY0-182" fmla="*/ 527584 h 527584"/>
+              <a:gd name="connsiteX1-183" fmla="*/ 751718 w 3352800"/>
+              <a:gd name="connsiteY1-184" fmla="*/ 0 h 527584"/>
+              <a:gd name="connsiteX2-185" fmla="*/ 3241069 w 3352800"/>
+              <a:gd name="connsiteY2-186" fmla="*/ 94144 h 527584"/>
+              <a:gd name="connsiteX3-187" fmla="*/ 3352800 w 3352800"/>
+              <a:gd name="connsiteY3-188" fmla="*/ 527584 h 527584"/>
+              <a:gd name="connsiteX4-189" fmla="*/ 0 w 3352800"/>
+              <a:gd name="connsiteY4-190" fmla="*/ 527584 h 527584"/>
+              <a:gd name="connsiteX0-191" fmla="*/ 0 w 3352800"/>
+              <a:gd name="connsiteY0-192" fmla="*/ 527584 h 527584"/>
+              <a:gd name="connsiteX1-193" fmla="*/ 751718 w 3352800"/>
+              <a:gd name="connsiteY1-194" fmla="*/ 0 h 527584"/>
+              <a:gd name="connsiteX2-195" fmla="*/ 3352800 w 3352800"/>
+              <a:gd name="connsiteY2-196" fmla="*/ 271 h 527584"/>
+              <a:gd name="connsiteX3-197" fmla="*/ 3352800 w 3352800"/>
+              <a:gd name="connsiteY3-198" fmla="*/ 527584 h 527584"/>
+              <a:gd name="connsiteX4-199" fmla="*/ 0 w 3352800"/>
+              <a:gd name="connsiteY4-200" fmla="*/ 527584 h 527584"/>
+              <a:gd name="connsiteX0-201" fmla="*/ 0 w 3352800"/>
+              <a:gd name="connsiteY0-202" fmla="*/ 527313 h 527313"/>
+              <a:gd name="connsiteX1-203" fmla="*/ 900984 w 3352800"/>
+              <a:gd name="connsiteY1-204" fmla="*/ 97774 h 527313"/>
+              <a:gd name="connsiteX2-205" fmla="*/ 3352800 w 3352800"/>
+              <a:gd name="connsiteY2-206" fmla="*/ 0 h 527313"/>
+              <a:gd name="connsiteX3-207" fmla="*/ 3352800 w 3352800"/>
+              <a:gd name="connsiteY3-208" fmla="*/ 527313 h 527313"/>
+              <a:gd name="connsiteX4-209" fmla="*/ 0 w 3352800"/>
+              <a:gd name="connsiteY4-210" fmla="*/ 527313 h 527313"/>
+              <a:gd name="connsiteX0-211" fmla="*/ 0 w 3352800"/>
+              <a:gd name="connsiteY0-212" fmla="*/ 527584 h 527584"/>
+              <a:gd name="connsiteX1-213" fmla="*/ 748227 w 3352800"/>
+              <a:gd name="connsiteY1-214" fmla="*/ 0 h 527584"/>
+              <a:gd name="connsiteX2-215" fmla="*/ 3352800 w 3352800"/>
+              <a:gd name="connsiteY2-216" fmla="*/ 271 h 527584"/>
+              <a:gd name="connsiteX3-217" fmla="*/ 3352800 w 3352800"/>
+              <a:gd name="connsiteY3-218" fmla="*/ 527584 h 527584"/>
+              <a:gd name="connsiteX4-219" fmla="*/ 0 w 3352800"/>
+              <a:gd name="connsiteY4-220" fmla="*/ 527584 h 527584"/>
             </a:gdLst>
             <a:ahLst/>
             <a:cxnLst>
               <a:cxn ang="0">
-                <a:pos x="connsiteX0" y="connsiteY0"/>
+                <a:pos x="connsiteX0-1" y="connsiteY0-2"/>
               </a:cxn>
               <a:cxn ang="0">
-                <a:pos x="connsiteX1" y="connsiteY1"/>
+                <a:pos x="connsiteX1-3" y="connsiteY1-4"/>
               </a:cxn>
               <a:cxn ang="0">
-                <a:pos x="connsiteX2" y="connsiteY2"/>
+                <a:pos x="connsiteX2-5" y="connsiteY2-6"/>
               </a:cxn>
               <a:cxn ang="0">
-                <a:pos x="connsiteX3" y="connsiteY3"/>
+                <a:pos x="connsiteX3-7" y="connsiteY3-8"/>
               </a:cxn>
               <a:cxn ang="0">
-                <a:pos x="connsiteX4" y="connsiteY4"/>
+                <a:pos x="connsiteX4-9" y="connsiteY4-10"/>
               </a:cxn>
             </a:cxnLst>
             <a:rect l="l" t="t" r="r" b="b"/>
@@ -4331,6 +4481,7 @@
               <a:rPr lang="en-US" smtClean="0"/>
               <a:t>Click to edit Master text styles</a:t>
             </a:r>
+            <a:endParaRPr lang="en-US" smtClean="0"/>
           </a:p>
           <a:p>
             <a:pPr lvl="1"/>
@@ -4338,6 +4489,7 @@
               <a:rPr lang="en-US" smtClean="0"/>
               <a:t>Second level</a:t>
             </a:r>
+            <a:endParaRPr lang="en-US" smtClean="0"/>
           </a:p>
           <a:p>
             <a:pPr lvl="2"/>
@@ -4345,6 +4497,7 @@
               <a:rPr lang="en-US" smtClean="0"/>
               <a:t>Third level</a:t>
             </a:r>
+            <a:endParaRPr lang="en-US" smtClean="0"/>
           </a:p>
           <a:p>
             <a:pPr lvl="3"/>
@@ -4352,6 +4505,7 @@
               <a:rPr lang="en-US" smtClean="0"/>
               <a:t>Fourth level</a:t>
             </a:r>
+            <a:endParaRPr lang="en-US" smtClean="0"/>
           </a:p>
           <a:p>
             <a:pPr lvl="4"/>
@@ -4396,7 +4550,6 @@
           <a:p>
             <a:fld id="{5E148A0C-73D1-4EE5-BF2E-1E00A1A73849}" type="datetimeFigureOut">
               <a:rPr lang="en-SG" smtClean="0"/>
-              <a:t>28/3/2023</a:t>
             </a:fld>
             <a:endParaRPr lang="en-SG"/>
           </a:p>
@@ -4477,7 +4630,6 @@
           <a:p>
             <a:fld id="{5B0A8A63-B95F-4BD0-A647-9516EDAF554A}" type="slidenum">
               <a:rPr lang="en-SG" smtClean="0"/>
-              <a:t>‹#›</a:t>
             </a:fld>
             <a:endParaRPr lang="en-SG"/>
           </a:p>
@@ -4487,18 +4639,30 @@
   </p:cSld>
   <p:clrMap bg1="lt1" tx1="dk1" bg2="lt2" tx2="dk2" accent1="accent1" accent2="accent2" accent3="accent3" accent4="accent4" accent5="accent5" accent6="accent6" hlink="hlink" folHlink="folHlink"/>
   <p:sldLayoutIdLst>
-    <p:sldLayoutId id="2147483661" r:id="rId1"/>
-    <p:sldLayoutId id="2147483662" r:id="rId2"/>
-    <p:sldLayoutId id="2147483663" r:id="rId3"/>
-    <p:sldLayoutId id="2147483664" r:id="rId4"/>
-    <p:sldLayoutId id="2147483665" r:id="rId5"/>
-    <p:sldLayoutId id="2147483666" r:id="rId6"/>
-    <p:sldLayoutId id="2147483667" r:id="rId7"/>
-    <p:sldLayoutId id="2147483668" r:id="rId8"/>
-    <p:sldLayoutId id="2147483669" r:id="rId9"/>
-    <p:sldLayoutId id="2147483670" r:id="rId10"/>
-    <p:sldLayoutId id="2147483671" r:id="rId11"/>
+    <p:sldLayoutId id="2147483649" r:id="rId1"/>
+    <p:sldLayoutId id="2147483650" r:id="rId2"/>
+    <p:sldLayoutId id="2147483651" r:id="rId3"/>
+    <p:sldLayoutId id="2147483652" r:id="rId4"/>
+    <p:sldLayoutId id="2147483653" r:id="rId5"/>
+    <p:sldLayoutId id="2147483654" r:id="rId6"/>
+    <p:sldLayoutId id="2147483655" r:id="rId7"/>
+    <p:sldLayoutId id="2147483656" r:id="rId8"/>
+    <p:sldLayoutId id="2147483657" r:id="rId9"/>
+    <p:sldLayoutId id="2147483658" r:id="rId10"/>
+    <p:sldLayoutId id="2147483659" r:id="rId11"/>
   </p:sldLayoutIdLst>
+  <mc:AlternateContent xmlns:mc="http://schemas.openxmlformats.org/markup-compatibility/2006" xmlns:p159="http://schemas.microsoft.com/office/powerpoint/2015/09/main">
+    <mc:Choice Requires="p159">
+      <p:transition xmlns:p14="http://schemas.microsoft.com/office/powerpoint/2010/main" spd="slow" p14:dur="2000">
+        <p159:morph option="byObject"/>
+      </p:transition>
+    </mc:Choice>
+    <mc:Fallback>
+      <p:transition spd="slow">
+        <p:fade/>
+      </p:transition>
+    </mc:Fallback>
+  </mc:AlternateContent>
   <p:txStyles>
     <p:titleStyle>
       <a:lvl1pPr algn="l" defTabSz="914400" rtl="0" eaLnBrk="1" latinLnBrk="0" hangingPunct="1">
@@ -4521,7 +4685,7 @@
         <a:spcBef>
           <a:spcPts val="800"/>
         </a:spcBef>
-        <a:buFont typeface="Arial" pitchFamily="34" charset="0"/>
+        <a:buFont typeface="Arial" panose="020B0604020202020204" pitchFamily="34" charset="0"/>
         <a:buNone/>
         <a:defRPr sz="1600" b="1" kern="1200">
           <a:solidFill>
@@ -4532,14 +4696,14 @@
           <a:cs typeface="+mn-cs"/>
         </a:defRPr>
       </a:lvl1pPr>
-      <a:lvl2pPr marL="173736" indent="-173736" algn="l" defTabSz="914400" rtl="0" eaLnBrk="1" latinLnBrk="0" hangingPunct="1">
+      <a:lvl2pPr marL="173990" indent="-173990" algn="l" defTabSz="914400" rtl="0" eaLnBrk="1" latinLnBrk="0" hangingPunct="1">
         <a:spcBef>
           <a:spcPts val="300"/>
         </a:spcBef>
         <a:buClr>
           <a:schemeClr val="accent2"/>
         </a:buClr>
-        <a:buFont typeface="Wingdings" pitchFamily="2" charset="2"/>
+        <a:buFont typeface="Wingdings" panose="05000000000000000000" pitchFamily="2" charset="2"/>
         <a:buChar char="§"/>
         <a:defRPr sz="1600" kern="1200">
           <a:solidFill>
@@ -4550,14 +4714,14 @@
           <a:cs typeface="+mn-cs"/>
         </a:defRPr>
       </a:lvl2pPr>
-      <a:lvl3pPr marL="402336" indent="-164592" algn="l" defTabSz="914400" rtl="0" eaLnBrk="1" latinLnBrk="0" hangingPunct="1">
+      <a:lvl3pPr marL="402590" indent="-164465" algn="l" defTabSz="914400" rtl="0" eaLnBrk="1" latinLnBrk="0" hangingPunct="1">
         <a:spcBef>
           <a:spcPts val="300"/>
         </a:spcBef>
         <a:buClr>
           <a:schemeClr val="accent2"/>
         </a:buClr>
-        <a:buFont typeface="Wingdings" pitchFamily="2" charset="2"/>
+        <a:buFont typeface="Wingdings" panose="05000000000000000000" pitchFamily="2" charset="2"/>
         <a:buChar char="§"/>
         <a:defRPr sz="1600" kern="1200">
           <a:solidFill>
@@ -4568,14 +4732,14 @@
           <a:cs typeface="+mn-cs"/>
         </a:defRPr>
       </a:lvl3pPr>
-      <a:lvl4pPr marL="630936" indent="-164592" algn="l" defTabSz="914400" rtl="0" eaLnBrk="1" latinLnBrk="0" hangingPunct="1">
+      <a:lvl4pPr marL="631190" indent="-164465" algn="l" defTabSz="914400" rtl="0" eaLnBrk="1" latinLnBrk="0" hangingPunct="1">
         <a:spcBef>
           <a:spcPts val="300"/>
         </a:spcBef>
         <a:buClr>
           <a:schemeClr val="accent2"/>
         </a:buClr>
-        <a:buFont typeface="Wingdings" pitchFamily="2" charset="2"/>
+        <a:buFont typeface="Wingdings" panose="05000000000000000000" pitchFamily="2" charset="2"/>
         <a:buChar char="§"/>
         <a:defRPr sz="1600" kern="1200">
           <a:solidFill>
@@ -4586,14 +4750,14 @@
           <a:cs typeface="+mn-cs"/>
         </a:defRPr>
       </a:lvl4pPr>
-      <a:lvl5pPr marL="859536" indent="-173736" algn="l" defTabSz="914400" rtl="0" eaLnBrk="1" latinLnBrk="0" hangingPunct="1">
+      <a:lvl5pPr marL="859790" indent="-173990" algn="l" defTabSz="914400" rtl="0" eaLnBrk="1" latinLnBrk="0" hangingPunct="1">
         <a:spcBef>
           <a:spcPts val="300"/>
         </a:spcBef>
         <a:buClr>
           <a:schemeClr val="accent2"/>
         </a:buClr>
-        <a:buFont typeface="Wingdings" pitchFamily="2" charset="2"/>
+        <a:buFont typeface="Wingdings" panose="05000000000000000000" pitchFamily="2" charset="2"/>
         <a:buChar char="§"/>
         <a:defRPr sz="1600" kern="1200">
           <a:solidFill>
@@ -4604,14 +4768,14 @@
           <a:cs typeface="+mn-cs"/>
         </a:defRPr>
       </a:lvl5pPr>
-      <a:lvl6pPr marL="1097280" indent="-173736" algn="l" defTabSz="914400" rtl="0" eaLnBrk="1" latinLnBrk="0" hangingPunct="1">
+      <a:lvl6pPr marL="1097280" indent="-173990" algn="l" defTabSz="914400" rtl="0" eaLnBrk="1" latinLnBrk="0" hangingPunct="1">
         <a:spcBef>
           <a:spcPts val="300"/>
         </a:spcBef>
         <a:buClr>
           <a:schemeClr val="accent2"/>
         </a:buClr>
-        <a:buFont typeface="Wingdings" pitchFamily="2" charset="2"/>
+        <a:buFont typeface="Wingdings" panose="05000000000000000000" pitchFamily="2" charset="2"/>
         <a:buChar char="§"/>
         <a:defRPr sz="1400" kern="1200">
           <a:solidFill>
@@ -4622,14 +4786,14 @@
           <a:cs typeface="+mn-cs"/>
         </a:defRPr>
       </a:lvl6pPr>
-      <a:lvl7pPr marL="1353312" indent="-164592" algn="l" defTabSz="914400" rtl="0" eaLnBrk="1" latinLnBrk="0" hangingPunct="1">
+      <a:lvl7pPr marL="1353185" indent="-164465" algn="l" defTabSz="914400" rtl="0" eaLnBrk="1" latinLnBrk="0" hangingPunct="1">
         <a:spcBef>
           <a:spcPts val="300"/>
         </a:spcBef>
         <a:buClr>
           <a:schemeClr val="accent2"/>
         </a:buClr>
-        <a:buFont typeface="Wingdings" pitchFamily="2" charset="2"/>
+        <a:buFont typeface="Wingdings" panose="05000000000000000000" pitchFamily="2" charset="2"/>
         <a:buChar char="§"/>
         <a:defRPr sz="1400" kern="1200">
           <a:solidFill>
@@ -4640,14 +4804,14 @@
           <a:cs typeface="+mn-cs"/>
         </a:defRPr>
       </a:lvl7pPr>
-      <a:lvl8pPr marL="1581912" indent="-164592" algn="l" defTabSz="914400" rtl="0" eaLnBrk="1" latinLnBrk="0" hangingPunct="1">
+      <a:lvl8pPr marL="1581785" indent="-164465" algn="l" defTabSz="914400" rtl="0" eaLnBrk="1" latinLnBrk="0" hangingPunct="1">
         <a:spcBef>
           <a:spcPts val="300"/>
         </a:spcBef>
         <a:buClr>
           <a:schemeClr val="accent2"/>
         </a:buClr>
-        <a:buFont typeface="Wingdings" pitchFamily="2" charset="2"/>
+        <a:buFont typeface="Wingdings" panose="05000000000000000000" pitchFamily="2" charset="2"/>
         <a:buChar char="§"/>
         <a:defRPr sz="1400" kern="1200">
           <a:solidFill>
@@ -4658,14 +4822,14 @@
           <a:cs typeface="+mn-cs"/>
         </a:defRPr>
       </a:lvl8pPr>
-      <a:lvl9pPr marL="1792224" indent="-164592" algn="l" defTabSz="914400" rtl="0" eaLnBrk="1" latinLnBrk="0" hangingPunct="1">
+      <a:lvl9pPr marL="1791970" indent="-164465" algn="l" defTabSz="914400" rtl="0" eaLnBrk="1" latinLnBrk="0" hangingPunct="1">
         <a:spcBef>
           <a:spcPts val="300"/>
         </a:spcBef>
         <a:buClr>
           <a:schemeClr val="accent2"/>
         </a:buClr>
-        <a:buFont typeface="Wingdings" pitchFamily="2" charset="2"/>
+        <a:buFont typeface="Wingdings" panose="05000000000000000000" pitchFamily="2" charset="2"/>
         <a:buChar char="§"/>
         <a:defRPr sz="1400" kern="1200">
           <a:solidFill>
@@ -4840,19 +5004,704 @@
         </p:txBody>
       </p:sp>
     </p:spTree>
-    <p:extLst>
-      <p:ext uri="{BB962C8B-B14F-4D97-AF65-F5344CB8AC3E}">
-        <p14:creationId xmlns:p14="http://schemas.microsoft.com/office/powerpoint/2010/main" val="3033624627"/>
-      </p:ext>
-    </p:extLst>
   </p:cSld>
   <p:clrMapOvr>
     <a:masterClrMapping/>
   </p:clrMapOvr>
+  <mc:AlternateContent xmlns:mc="http://schemas.openxmlformats.org/markup-compatibility/2006" xmlns:p159="http://schemas.microsoft.com/office/powerpoint/2015/09/main">
+    <mc:Choice Requires="p159">
+      <p:transition xmlns:p14="http://schemas.microsoft.com/office/powerpoint/2010/main" spd="slow" p14:dur="2000">
+        <p159:morph option="byObject"/>
+      </p:transition>
+    </mc:Choice>
+    <mc:Fallback>
+      <p:transition spd="slow">
+        <p:fade/>
+      </p:transition>
+    </mc:Fallback>
+  </mc:AlternateContent>
 </p:sld>
 </file>
 
 <file path=ppt/slides/slide10.xml><?xml version="1.0" encoding="utf-8"?>
+<p:sld xmlns:a="http://schemas.openxmlformats.org/drawingml/2006/main" xmlns:r="http://schemas.openxmlformats.org/officeDocument/2006/relationships" xmlns:p="http://schemas.openxmlformats.org/presentationml/2006/main">
+  <p:cSld>
+    <p:spTree>
+      <p:nvGrpSpPr>
+        <p:cNvPr id="1" name=""/>
+        <p:cNvGrpSpPr/>
+        <p:nvPr/>
+      </p:nvGrpSpPr>
+      <p:grpSpPr/>
+      <p:sp>
+        <p:nvSpPr>
+          <p:cNvPr id="2" name="Title 1"/>
+          <p:cNvSpPr>
+            <a:spLocks noGrp="1"/>
+          </p:cNvSpPr>
+          <p:nvPr>
+            <p:ph type="title"/>
+          </p:nvPr>
+        </p:nvSpPr>
+        <p:spPr/>
+        <p:txBody>
+          <a:bodyPr/>
+          <a:p>
+            <a:r>
+              <a:rPr lang="en-US"/>
+              <a:t>report </a:t>
+            </a:r>
+            <a:endParaRPr lang="en-US"/>
+          </a:p>
+        </p:txBody>
+      </p:sp>
+      <p:sp>
+        <p:nvSpPr>
+          <p:cNvPr id="3" name="Content Placeholder 2"/>
+          <p:cNvSpPr>
+            <a:spLocks noGrp="1"/>
+          </p:cNvSpPr>
+          <p:nvPr>
+            <p:ph idx="1"/>
+          </p:nvPr>
+        </p:nvSpPr>
+        <p:spPr/>
+        <p:txBody>
+          <a:bodyPr/>
+          <a:p>
+            <a:pPr>
+              <a:buAutoNum type="arabicPeriod"/>
+            </a:pPr>
+            <a:r>
+              <a:rPr lang="en-US"/>
+              <a:t>Incoming date selection</a:t>
+            </a:r>
+            <a:endParaRPr lang="en-US"/>
+          </a:p>
+          <a:p>
+            <a:pPr>
+              <a:buAutoNum type="arabicPeriod"/>
+            </a:pPr>
+            <a:r>
+              <a:rPr lang="en-US"/>
+              <a:t>Outgoing date selection</a:t>
+            </a:r>
+            <a:endParaRPr lang="en-US"/>
+          </a:p>
+          <a:p>
+            <a:pPr>
+              <a:buAutoNum type="arabicPeriod"/>
+            </a:pPr>
+            <a:r>
+              <a:rPr lang="en-US"/>
+              <a:t>SKU type selection</a:t>
+            </a:r>
+            <a:endParaRPr lang="en-US"/>
+          </a:p>
+          <a:p>
+            <a:pPr>
+              <a:buAutoNum type="arabicPeriod"/>
+            </a:pPr>
+            <a:r>
+              <a:rPr lang="en-US"/>
+              <a:t>Records which fullfill the condition being input.</a:t>
+            </a:r>
+            <a:endParaRPr lang="en-US"/>
+          </a:p>
+          <a:p>
+            <a:pPr>
+              <a:buAutoNum type="arabicPeriod"/>
+            </a:pPr>
+            <a:r>
+              <a:rPr lang="en-US"/>
+              <a:t>Report generation.(Incoming, On hand balance, Weight List)</a:t>
+            </a:r>
+            <a:endParaRPr lang="en-US"/>
+          </a:p>
+          <a:p>
+            <a:pPr marL="0" indent="0"/>
+            <a:r>
+              <a:rPr lang="en-US"/>
+              <a:t>Note:</a:t>
+            </a:r>
+            <a:endParaRPr lang="en-US"/>
+          </a:p>
+          <a:p>
+            <a:pPr marL="285750" indent="-285750">
+              <a:buFont typeface="Arial" panose="020B0604020202020204" pitchFamily="34" charset="0"/>
+              <a:buChar char="•"/>
+            </a:pPr>
+            <a:r>
+              <a:rPr lang="en-US"/>
+              <a:t>Weight list report will only generate for those has been outbound.</a:t>
+            </a:r>
+            <a:endParaRPr lang="en-US"/>
+          </a:p>
+          <a:p>
+            <a:pPr marL="285750" indent="-285750">
+              <a:buFont typeface="Arial" panose="020B0604020202020204" pitchFamily="34" charset="0"/>
+              <a:buChar char="•"/>
+            </a:pPr>
+            <a:r>
+              <a:rPr lang="en-US"/>
+              <a:t>If no condition being input, the system will show all record from the database.</a:t>
+            </a:r>
+            <a:endParaRPr lang="en-US"/>
+          </a:p>
+          <a:p>
+            <a:pPr marL="285750" indent="-285750">
+              <a:buFont typeface="Arial" panose="020B0604020202020204" pitchFamily="34" charset="0"/>
+              <a:buChar char="•"/>
+            </a:pPr>
+            <a:endParaRPr lang="en-US"/>
+          </a:p>
+        </p:txBody>
+      </p:sp>
+    </p:spTree>
+  </p:cSld>
+  <p:clrMapOvr>
+    <a:masterClrMapping/>
+  </p:clrMapOvr>
+  <mc:AlternateContent xmlns:mc="http://schemas.openxmlformats.org/markup-compatibility/2006" xmlns:p159="http://schemas.microsoft.com/office/powerpoint/2015/09/main">
+    <mc:Choice Requires="p159">
+      <p:transition xmlns:p14="http://schemas.microsoft.com/office/powerpoint/2010/main" spd="slow" p14:dur="2000">
+        <p159:morph option="byObject"/>
+      </p:transition>
+    </mc:Choice>
+    <mc:Fallback>
+      <p:transition spd="slow">
+        <p:fade/>
+      </p:transition>
+    </mc:Fallback>
+  </mc:AlternateContent>
+</p:sld>
+</file>
+
+<file path=ppt/slides/slide11.xml><?xml version="1.0" encoding="utf-8"?>
+<p:sld xmlns:a="http://schemas.openxmlformats.org/drawingml/2006/main" xmlns:r="http://schemas.openxmlformats.org/officeDocument/2006/relationships" xmlns:p="http://schemas.openxmlformats.org/presentationml/2006/main">
+  <p:cSld>
+    <p:spTree>
+      <p:nvGrpSpPr>
+        <p:cNvPr id="1" name=""/>
+        <p:cNvGrpSpPr/>
+        <p:nvPr/>
+      </p:nvGrpSpPr>
+      <p:grpSpPr/>
+      <p:sp>
+        <p:nvSpPr>
+          <p:cNvPr id="2" name="Title 1"/>
+          <p:cNvSpPr>
+            <a:spLocks noGrp="1"/>
+          </p:cNvSpPr>
+          <p:nvPr>
+            <p:ph type="title"/>
+          </p:nvPr>
+        </p:nvSpPr>
+        <p:spPr/>
+        <p:txBody>
+          <a:bodyPr/>
+          <a:p>
+            <a:r>
+              <a:rPr lang="en-US"/>
+              <a:t>Report</a:t>
+            </a:r>
+            <a:endParaRPr lang="en-US"/>
+          </a:p>
+        </p:txBody>
+      </p:sp>
+      <p:pic>
+        <p:nvPicPr>
+          <p:cNvPr id="6" name="Content Placeholder 5"/>
+          <p:cNvPicPr>
+            <a:picLocks noChangeAspect="1"/>
+          </p:cNvPicPr>
+          <p:nvPr>
+            <p:ph idx="1"/>
+          </p:nvPr>
+        </p:nvPicPr>
+        <p:blipFill>
+          <a:blip r:embed="rId1"/>
+          <a:stretch>
+            <a:fillRect/>
+          </a:stretch>
+        </p:blipFill>
+        <p:spPr>
+          <a:xfrm>
+            <a:off x="251460" y="1052830"/>
+            <a:ext cx="8838565" cy="3626485"/>
+          </a:xfrm>
+          <a:prstGeom prst="rect">
+            <a:avLst/>
+          </a:prstGeom>
+        </p:spPr>
+      </p:pic>
+    </p:spTree>
+  </p:cSld>
+  <p:clrMapOvr>
+    <a:masterClrMapping/>
+  </p:clrMapOvr>
+  <mc:AlternateContent xmlns:mc="http://schemas.openxmlformats.org/markup-compatibility/2006" xmlns:p159="http://schemas.microsoft.com/office/powerpoint/2015/09/main">
+    <mc:Choice Requires="p159">
+      <p:transition xmlns:p14="http://schemas.microsoft.com/office/powerpoint/2010/main" spd="slow" p14:dur="2000">
+        <p159:morph option="byObject"/>
+      </p:transition>
+    </mc:Choice>
+    <mc:Fallback>
+      <p:transition spd="slow">
+        <p:fade/>
+      </p:transition>
+    </mc:Fallback>
+  </mc:AlternateContent>
+</p:sld>
+</file>
+
+<file path=ppt/slides/slide12.xml><?xml version="1.0" encoding="utf-8"?>
+<p:sld xmlns:a="http://schemas.openxmlformats.org/drawingml/2006/main" xmlns:r="http://schemas.openxmlformats.org/officeDocument/2006/relationships" xmlns:p="http://schemas.openxmlformats.org/presentationml/2006/main">
+  <p:cSld>
+    <p:spTree>
+      <p:nvGrpSpPr>
+        <p:cNvPr id="1" name=""/>
+        <p:cNvGrpSpPr/>
+        <p:nvPr/>
+      </p:nvGrpSpPr>
+      <p:grpSpPr/>
+      <p:sp>
+        <p:nvSpPr>
+          <p:cNvPr id="3" name="Content Placeholder 2"/>
+          <p:cNvSpPr>
+            <a:spLocks noGrp="1"/>
+          </p:cNvSpPr>
+          <p:nvPr>
+            <p:ph sz="half" idx="1"/>
+          </p:nvPr>
+        </p:nvSpPr>
+        <p:spPr>
+          <a:xfrm>
+            <a:off x="822960" y="1097280"/>
+            <a:ext cx="7520940" cy="3712210"/>
+          </a:xfrm>
+        </p:spPr>
+        <p:txBody>
+          <a:bodyPr/>
+          <a:p>
+            <a:pPr marL="514350" indent="-514350">
+              <a:buAutoNum type="arabicPeriod"/>
+            </a:pPr>
+            <a:r>
+              <a:rPr lang="en-US" sz="1600"/>
+              <a:t>SKU type code and description can be modified by user.</a:t>
+            </a:r>
+            <a:endParaRPr lang="en-US" sz="1600"/>
+          </a:p>
+          <a:p>
+            <a:pPr marL="514350" indent="-514350">
+              <a:buAutoNum type="arabicPeriod"/>
+            </a:pPr>
+            <a:r>
+              <a:rPr lang="en-US" sz="1600"/>
+              <a:t>Note that if SKU type code has been changed, the changes will not reflect to previous created package.</a:t>
+            </a:r>
+            <a:endParaRPr lang="en-US" sz="1600"/>
+          </a:p>
+          <a:p>
+            <a:pPr marL="514350" indent="-514350">
+              <a:buAutoNum type="arabicPeriod"/>
+            </a:pPr>
+            <a:r>
+              <a:rPr lang="en-US" sz="1600"/>
+              <a:t>After creation/modification, remember to save to prevent data loss.</a:t>
+            </a:r>
+            <a:endParaRPr lang="en-US" sz="1600"/>
+          </a:p>
+        </p:txBody>
+      </p:sp>
+      <p:sp>
+        <p:nvSpPr>
+          <p:cNvPr id="6" name="Title 5"/>
+          <p:cNvSpPr>
+            <a:spLocks noGrp="1"/>
+          </p:cNvSpPr>
+          <p:nvPr>
+            <p:ph type="title"/>
+          </p:nvPr>
+        </p:nvSpPr>
+        <p:spPr/>
+        <p:txBody>
+          <a:bodyPr/>
+          <a:p>
+            <a:r>
+              <a:rPr lang="en-US"/>
+              <a:t>SKU type code</a:t>
+            </a:r>
+            <a:endParaRPr lang="en-US"/>
+          </a:p>
+        </p:txBody>
+      </p:sp>
+      <p:pic>
+        <p:nvPicPr>
+          <p:cNvPr id="5" name="Content Placeholder 4"/>
+          <p:cNvPicPr>
+            <a:picLocks noChangeAspect="1"/>
+          </p:cNvPicPr>
+          <p:nvPr>
+            <p:ph sz="half" idx="2"/>
+          </p:nvPr>
+        </p:nvPicPr>
+        <p:blipFill>
+          <a:blip r:embed="rId1"/>
+          <a:stretch>
+            <a:fillRect/>
+          </a:stretch>
+        </p:blipFill>
+        <p:spPr>
+          <a:xfrm>
+            <a:off x="250190" y="2925445"/>
+            <a:ext cx="8720455" cy="1283970"/>
+          </a:xfrm>
+          <a:prstGeom prst="rect">
+            <a:avLst/>
+          </a:prstGeom>
+        </p:spPr>
+      </p:pic>
+    </p:spTree>
+  </p:cSld>
+  <p:clrMapOvr>
+    <a:masterClrMapping/>
+  </p:clrMapOvr>
+  <mc:AlternateContent xmlns:mc="http://schemas.openxmlformats.org/markup-compatibility/2006" xmlns:p159="http://schemas.microsoft.com/office/powerpoint/2015/09/main">
+    <mc:Choice Requires="p159">
+      <p:transition xmlns:p14="http://schemas.microsoft.com/office/powerpoint/2010/main" spd="slow" p14:dur="2000">
+        <p159:morph option="byObject"/>
+      </p:transition>
+    </mc:Choice>
+    <mc:Fallback>
+      <p:transition spd="slow">
+        <p:fade/>
+      </p:transition>
+    </mc:Fallback>
+  </mc:AlternateContent>
+</p:sld>
+</file>
+
+<file path=ppt/slides/slide13.xml><?xml version="1.0" encoding="utf-8"?>
+<p:sld xmlns:a="http://schemas.openxmlformats.org/drawingml/2006/main" xmlns:r="http://schemas.openxmlformats.org/officeDocument/2006/relationships" xmlns:p="http://schemas.openxmlformats.org/presentationml/2006/main">
+  <p:cSld>
+    <p:spTree>
+      <p:nvGrpSpPr>
+        <p:cNvPr id="1" name=""/>
+        <p:cNvGrpSpPr/>
+        <p:nvPr/>
+      </p:nvGrpSpPr>
+      <p:grpSpPr/>
+      <p:sp>
+        <p:nvSpPr>
+          <p:cNvPr id="3" name="Content Placeholder 2"/>
+          <p:cNvSpPr>
+            <a:spLocks noGrp="1"/>
+          </p:cNvSpPr>
+          <p:nvPr>
+            <p:ph sz="half" idx="2"/>
+          </p:nvPr>
+        </p:nvSpPr>
+        <p:spPr>
+          <a:xfrm>
+            <a:off x="822325" y="1097280"/>
+            <a:ext cx="7078345" cy="3712210"/>
+          </a:xfrm>
+        </p:spPr>
+        <p:txBody>
+          <a:bodyPr/>
+          <a:p>
+            <a:pPr>
+              <a:buAutoNum type="arabicPeriod"/>
+            </a:pPr>
+            <a:r>
+              <a:rPr lang="en-US" sz="1600"/>
+              <a:t>Top panel function:</a:t>
+            </a:r>
+            <a:endParaRPr lang="en-US" sz="1600"/>
+          </a:p>
+          <a:p>
+            <a:pPr lvl="2">
+              <a:buAutoNum type="arabicPeriod"/>
+            </a:pPr>
+            <a:r>
+              <a:rPr lang="en-US" sz="1140"/>
+              <a:t>create new user button</a:t>
+            </a:r>
+            <a:endParaRPr lang="en-US" sz="1140"/>
+          </a:p>
+          <a:p>
+            <a:pPr lvl="2">
+              <a:buAutoNum type="arabicPeriod"/>
+            </a:pPr>
+            <a:r>
+              <a:rPr lang="en-US" sz="1140"/>
+              <a:t>User level &amp; employee filter</a:t>
+            </a:r>
+            <a:endParaRPr lang="en-US" sz="1140"/>
+          </a:p>
+          <a:p>
+            <a:pPr lvl="2">
+              <a:buAutoNum type="arabicPeriod"/>
+            </a:pPr>
+            <a:r>
+              <a:rPr lang="en-US" sz="1140"/>
+              <a:t>Reset the filter (Refresh) button</a:t>
+            </a:r>
+            <a:endParaRPr lang="en-US" sz="1140"/>
+          </a:p>
+          <a:p>
+            <a:pPr lvl="0">
+              <a:buAutoNum type="arabicPeriod"/>
+            </a:pPr>
+            <a:r>
+              <a:rPr lang="en-US" sz="1590"/>
+              <a:t>Employee no and user level can be modified, after modification, remember to save.</a:t>
+            </a:r>
+            <a:endParaRPr lang="en-US" sz="1590"/>
+          </a:p>
+          <a:p>
+            <a:pPr lvl="0">
+              <a:buAutoNum type="arabicPeriod"/>
+            </a:pPr>
+            <a:r>
+              <a:rPr lang="en-US" sz="1590"/>
+              <a:t>Delete and r</a:t>
+            </a:r>
+            <a:r>
+              <a:rPr lang="en-US" sz="1585">
+                <a:sym typeface="+mn-ea"/>
+              </a:rPr>
+              <a:t>eset password </a:t>
+            </a:r>
+            <a:r>
+              <a:rPr lang="en-US" sz="1590"/>
+              <a:t>button will prompt user for confirmation, if user does not respond, system will not modify the data.</a:t>
+            </a:r>
+            <a:endParaRPr lang="en-US" sz="1590"/>
+          </a:p>
+          <a:p>
+            <a:pPr lvl="0">
+              <a:buAutoNum type="arabicPeriod"/>
+            </a:pPr>
+            <a:endParaRPr lang="en-US" sz="1590"/>
+          </a:p>
+        </p:txBody>
+      </p:sp>
+      <p:sp>
+        <p:nvSpPr>
+          <p:cNvPr id="4" name="Title 3"/>
+          <p:cNvSpPr>
+            <a:spLocks noGrp="1"/>
+          </p:cNvSpPr>
+          <p:nvPr>
+            <p:ph type="title"/>
+          </p:nvPr>
+        </p:nvSpPr>
+        <p:spPr/>
+        <p:txBody>
+          <a:bodyPr/>
+          <a:p>
+            <a:r>
+              <a:rPr lang="en-US"/>
+              <a:t>user </a:t>
+            </a:r>
+            <a:endParaRPr lang="en-US"/>
+          </a:p>
+        </p:txBody>
+      </p:sp>
+      <p:pic>
+        <p:nvPicPr>
+          <p:cNvPr id="5" name="Content Placeholder 4"/>
+          <p:cNvPicPr>
+            <a:picLocks noChangeAspect="1"/>
+          </p:cNvPicPr>
+          <p:nvPr>
+            <p:ph sz="half" idx="1"/>
+          </p:nvPr>
+        </p:nvPicPr>
+        <p:blipFill>
+          <a:blip r:embed="rId1"/>
+          <a:stretch>
+            <a:fillRect/>
+          </a:stretch>
+        </p:blipFill>
+        <p:spPr>
+          <a:xfrm>
+            <a:off x="226060" y="3645535"/>
+            <a:ext cx="8691880" cy="2319655"/>
+          </a:xfrm>
+          <a:prstGeom prst="rect">
+            <a:avLst/>
+          </a:prstGeom>
+        </p:spPr>
+      </p:pic>
+    </p:spTree>
+  </p:cSld>
+  <p:clrMapOvr>
+    <a:masterClrMapping/>
+  </p:clrMapOvr>
+  <mc:AlternateContent xmlns:mc="http://schemas.openxmlformats.org/markup-compatibility/2006" xmlns:p159="http://schemas.microsoft.com/office/powerpoint/2015/09/main">
+    <mc:Choice Requires="p159">
+      <p:transition xmlns:p14="http://schemas.microsoft.com/office/powerpoint/2010/main" spd="slow" p14:dur="2000">
+        <p159:morph option="byObject"/>
+      </p:transition>
+    </mc:Choice>
+    <mc:Fallback>
+      <p:transition spd="slow">
+        <p:fade/>
+      </p:transition>
+    </mc:Fallback>
+  </mc:AlternateContent>
+</p:sld>
+</file>
+
+<file path=ppt/slides/slide14.xml><?xml version="1.0" encoding="utf-8"?>
+<p:sld xmlns:a="http://schemas.openxmlformats.org/drawingml/2006/main" xmlns:r="http://schemas.openxmlformats.org/officeDocument/2006/relationships" xmlns:p="http://schemas.openxmlformats.org/presentationml/2006/main">
+  <p:cSld>
+    <p:spTree>
+      <p:nvGrpSpPr>
+        <p:cNvPr id="1" name=""/>
+        <p:cNvGrpSpPr/>
+        <p:nvPr/>
+      </p:nvGrpSpPr>
+      <p:grpSpPr/>
+      <p:sp>
+        <p:nvSpPr>
+          <p:cNvPr id="3" name="Content Placeholder 2"/>
+          <p:cNvSpPr>
+            <a:spLocks noGrp="1"/>
+          </p:cNvSpPr>
+          <p:nvPr>
+            <p:ph sz="half" idx="2"/>
+          </p:nvPr>
+        </p:nvSpPr>
+        <p:spPr>
+          <a:xfrm>
+            <a:off x="819150" y="1097280"/>
+            <a:ext cx="7524115" cy="3712210"/>
+          </a:xfrm>
+        </p:spPr>
+        <p:txBody>
+          <a:bodyPr/>
+          <a:p>
+            <a:pPr>
+              <a:buAutoNum type="arabicPeriod"/>
+            </a:pPr>
+            <a:r>
+              <a:rPr lang="en-US" sz="1600"/>
+              <a:t>User level should not be accessed other than system admin.</a:t>
+            </a:r>
+            <a:endParaRPr lang="en-US" sz="1600"/>
+          </a:p>
+          <a:p>
+            <a:pPr>
+              <a:buAutoNum type="arabicPeriod"/>
+            </a:pPr>
+            <a:r>
+              <a:rPr lang="en-US" sz="1600"/>
+              <a:t>This is where the access for each module will be modify.</a:t>
+            </a:r>
+            <a:endParaRPr lang="en-US" sz="1600"/>
+          </a:p>
+          <a:p>
+            <a:pPr>
+              <a:buAutoNum type="arabicPeriod"/>
+            </a:pPr>
+            <a:r>
+              <a:rPr lang="en-US" sz="1600"/>
+              <a:t>The modules cannot be changed or created, only the roles can be created and deleted, and the accessible rights of each role to each module can be modified.</a:t>
+            </a:r>
+            <a:endParaRPr lang="en-US" sz="1600"/>
+          </a:p>
+          <a:p>
+            <a:pPr>
+              <a:buAutoNum type="arabicPeriod"/>
+            </a:pPr>
+            <a:r>
+              <a:rPr lang="en-US" sz="1600"/>
+              <a:t>Please save after modification to prevent data loss.</a:t>
+            </a:r>
+            <a:endParaRPr lang="en-US" sz="1600"/>
+          </a:p>
+          <a:p>
+            <a:pPr>
+              <a:buAutoNum type="arabicPeriod"/>
+            </a:pPr>
+            <a:endParaRPr lang="en-US" sz="1600"/>
+          </a:p>
+        </p:txBody>
+      </p:sp>
+      <p:sp>
+        <p:nvSpPr>
+          <p:cNvPr id="4" name="Title 3"/>
+          <p:cNvSpPr>
+            <a:spLocks noGrp="1"/>
+          </p:cNvSpPr>
+          <p:nvPr>
+            <p:ph type="title"/>
+          </p:nvPr>
+        </p:nvSpPr>
+        <p:spPr/>
+        <p:txBody>
+          <a:bodyPr/>
+          <a:p>
+            <a:r>
+              <a:rPr lang="en-US"/>
+              <a:t>user level</a:t>
+            </a:r>
+            <a:endParaRPr lang="en-US"/>
+          </a:p>
+        </p:txBody>
+      </p:sp>
+      <p:pic>
+        <p:nvPicPr>
+          <p:cNvPr id="5" name="Content Placeholder 4"/>
+          <p:cNvPicPr>
+            <a:picLocks noChangeAspect="1"/>
+          </p:cNvPicPr>
+          <p:nvPr>
+            <p:ph sz="half" idx="1"/>
+          </p:nvPr>
+        </p:nvPicPr>
+        <p:blipFill>
+          <a:blip r:embed="rId1"/>
+          <a:stretch>
+            <a:fillRect/>
+          </a:stretch>
+        </p:blipFill>
+        <p:spPr>
+          <a:xfrm>
+            <a:off x="91440" y="2997200"/>
+            <a:ext cx="8961120" cy="2193925"/>
+          </a:xfrm>
+          <a:prstGeom prst="rect">
+            <a:avLst/>
+          </a:prstGeom>
+        </p:spPr>
+      </p:pic>
+    </p:spTree>
+  </p:cSld>
+  <p:clrMapOvr>
+    <a:masterClrMapping/>
+  </p:clrMapOvr>
+  <mc:AlternateContent xmlns:mc="http://schemas.openxmlformats.org/markup-compatibility/2006" xmlns:p159="http://schemas.microsoft.com/office/powerpoint/2015/09/main">
+    <mc:Choice Requires="p159">
+      <p:transition xmlns:p14="http://schemas.microsoft.com/office/powerpoint/2010/main" spd="slow" p14:dur="2000">
+        <p159:morph option="byObject"/>
+      </p:transition>
+    </mc:Choice>
+    <mc:Fallback>
+      <p:transition spd="slow">
+        <p:fade/>
+      </p:transition>
+    </mc:Fallback>
+  </mc:AlternateContent>
+</p:sld>
+</file>
+
+<file path=ppt/slides/slide15.xml><?xml version="1.0" encoding="utf-8"?>
 <p:sld xmlns:a="http://schemas.openxmlformats.org/drawingml/2006/main" xmlns:r="http://schemas.openxmlformats.org/officeDocument/2006/relationships" xmlns:p="http://schemas.openxmlformats.org/presentationml/2006/main">
   <p:cSld>
     <p:spTree>
@@ -4890,7 +5739,15 @@
             </a:r>
             <a:r>
               <a:rPr lang="en-SG" dirty="0" smtClean="0"/>
-              <a:t> feather tracking interface</a:t>
+              <a:t> feather tracking app/</a:t>
+            </a:r>
+            <a:r>
+              <a:rPr lang="en-SG" dirty="0"/>
+              <a:t> </a:t>
+            </a:r>
+            <a:r>
+              <a:rPr lang="en-SG" dirty="0" smtClean="0"/>
+              <a:t>service</a:t>
             </a:r>
             <a:endParaRPr lang="en-SG" dirty="0"/>
           </a:p>
@@ -4912,69 +5769,557 @@
           <a:lstStyle/>
           <a:p>
             <a:pPr>
-              <a:buFont typeface="Arial" pitchFamily="34" charset="0"/>
+              <a:buFont typeface="Arial" panose="020B0604020202020204" pitchFamily="34" charset="0"/>
               <a:buChar char="•"/>
             </a:pPr>
             <a:r>
-              <a:rPr lang="en-SG" dirty="0" err="1" smtClean="0"/>
-              <a:t>VueJs</a:t>
-            </a:r>
-            <a:r>
               <a:rPr lang="en-SG" dirty="0" smtClean="0"/>
-              <a:t> progressive web application, </a:t>
-            </a:r>
-            <a:r>
-              <a:rPr lang="en-SG" dirty="0" err="1" smtClean="0"/>
-              <a:t>vuex</a:t>
-            </a:r>
+              <a:t>Uses TCP connection to connect to WPF application process data.</a:t>
+            </a:r>
+            <a:endParaRPr lang="en-SG" dirty="0" smtClean="0"/>
+          </a:p>
+          <a:p>
+            <a:pPr>
+              <a:buFont typeface="Arial" panose="020B0604020202020204" pitchFamily="34" charset="0"/>
+              <a:buChar char="•"/>
+            </a:pPr>
             <a:r>
               <a:rPr lang="en-SG" dirty="0" smtClean="0"/>
-              <a:t> for token storage, fetch API.</a:t>
-            </a:r>
+              <a:t>Uses .NET Framework 4.7 (Seagull DLL limitation)</a:t>
+            </a:r>
+            <a:endParaRPr lang="en-SG" dirty="0" smtClean="0"/>
           </a:p>
           <a:p>
             <a:pPr>
-              <a:buFont typeface="Arial" pitchFamily="34" charset="0"/>
+              <a:buFont typeface="Arial" panose="020B0604020202020204" pitchFamily="34" charset="0"/>
               <a:buChar char="•"/>
             </a:pPr>
             <a:r>
               <a:rPr lang="en-SG" dirty="0" smtClean="0"/>
-              <a:t>Has to be run in https to get permission for using camera to scan QR, and for </a:t>
-            </a:r>
+              <a:t>Handles printing service and logging service, references the settings file in WPF application.</a:t>
+            </a:r>
+            <a:endParaRPr lang="en-SG" dirty="0" smtClean="0"/>
           </a:p>
           <a:p>
             <a:pPr>
-              <a:buFont typeface="Arial" pitchFamily="34" charset="0"/>
+              <a:buFont typeface="Arial" panose="020B0604020202020204" pitchFamily="34" charset="0"/>
               <a:buChar char="•"/>
             </a:pPr>
             <a:r>
-              <a:rPr lang="en-SG" dirty="0" smtClean="0"/>
-              <a:t>Login user has to have permission for outbound.</a:t>
-            </a:r>
-          </a:p>
-          <a:p>
-            <a:pPr>
-              <a:buFont typeface="Arial" pitchFamily="34" charset="0"/>
-              <a:buChar char="•"/>
-            </a:pPr>
-            <a:r>
-              <a:rPr lang="en-SG" dirty="0" smtClean="0"/>
-              <a:t>Act both as mobile application and web application.</a:t>
-            </a:r>
-            <a:endParaRPr lang="en-SG" dirty="0"/>
+              <a:rPr lang="en-US" altLang="en-SG" dirty="0" smtClean="0"/>
+              <a:t>Modify configuration_folder_path inside file </a:t>
+            </a:r>
+            <a:r>
+              <a:rPr lang="en-US" altLang="en-SG" dirty="0" smtClean="0">
+                <a:gradFill>
+                  <a:gsLst>
+                    <a:gs pos="0">
+                      <a:srgbClr val="007BD3"/>
+                    </a:gs>
+                    <a:gs pos="100000">
+                      <a:srgbClr val="034373"/>
+                    </a:gs>
+                  </a:gsLst>
+                  <a:lin scaled="0"/>
+                </a:gradFill>
+              </a:rPr>
+              <a:t>PDI_Feather_Tracking_App.exe.config</a:t>
+            </a:r>
+            <a:r>
+              <a:rPr lang="en-US" altLang="en-SG" dirty="0" smtClean="0"/>
+              <a:t> refers for the file path of appsettings.json in WPF application.</a:t>
+            </a:r>
+            <a:endParaRPr lang="en-US" altLang="en-SG" dirty="0" smtClean="0"/>
           </a:p>
         </p:txBody>
       </p:sp>
     </p:spTree>
-    <p:extLst>
-      <p:ext uri="{BB962C8B-B14F-4D97-AF65-F5344CB8AC3E}">
-        <p14:creationId xmlns:p14="http://schemas.microsoft.com/office/powerpoint/2010/main" val="509048040"/>
-      </p:ext>
-    </p:extLst>
   </p:cSld>
   <p:clrMapOvr>
     <a:masterClrMapping/>
   </p:clrMapOvr>
+  <mc:AlternateContent xmlns:mc="http://schemas.openxmlformats.org/markup-compatibility/2006" xmlns:p159="http://schemas.microsoft.com/office/powerpoint/2015/09/main">
+    <mc:Choice Requires="p159">
+      <p:transition xmlns:p14="http://schemas.microsoft.com/office/powerpoint/2010/main" spd="slow" p14:dur="2000">
+        <p159:morph option="byObject"/>
+      </p:transition>
+    </mc:Choice>
+    <mc:Fallback>
+      <p:transition spd="slow">
+        <p:fade/>
+      </p:transition>
+    </mc:Fallback>
+  </mc:AlternateContent>
+</p:sld>
+</file>
+
+<file path=ppt/slides/slide16.xml><?xml version="1.0" encoding="utf-8"?>
+<p:sld xmlns:a="http://schemas.openxmlformats.org/drawingml/2006/main" xmlns:r="http://schemas.openxmlformats.org/officeDocument/2006/relationships" xmlns:p="http://schemas.openxmlformats.org/presentationml/2006/main">
+  <p:cSld>
+    <p:spTree>
+      <p:nvGrpSpPr>
+        <p:cNvPr id="1" name=""/>
+        <p:cNvGrpSpPr/>
+        <p:nvPr/>
+      </p:nvGrpSpPr>
+      <p:grpSpPr>
+        <a:xfrm>
+          <a:off x="0" y="0"/>
+          <a:ext cx="0" cy="0"/>
+          <a:chOff x="0" y="0"/>
+          <a:chExt cx="0" cy="0"/>
+        </a:xfrm>
+      </p:grpSpPr>
+      <p:sp>
+        <p:nvSpPr>
+          <p:cNvPr id="2" name="Title 1"/>
+          <p:cNvSpPr>
+            <a:spLocks noGrp="1"/>
+          </p:cNvSpPr>
+          <p:nvPr>
+            <p:ph type="title"/>
+          </p:nvPr>
+        </p:nvSpPr>
+        <p:spPr/>
+        <p:txBody>
+          <a:bodyPr/>
+          <a:lstStyle/>
+          <a:p>
+            <a:r>
+              <a:rPr lang="en-SG" dirty="0" smtClean="0"/>
+              <a:t>PDI FEATHER TRACKING API</a:t>
+            </a:r>
+            <a:endParaRPr lang="en-SG" dirty="0"/>
+          </a:p>
+        </p:txBody>
+      </p:sp>
+      <p:sp>
+        <p:nvSpPr>
+          <p:cNvPr id="3" name="Content Placeholder 2"/>
+          <p:cNvSpPr>
+            <a:spLocks noGrp="1"/>
+          </p:cNvSpPr>
+          <p:nvPr>
+            <p:ph idx="1"/>
+          </p:nvPr>
+        </p:nvSpPr>
+        <p:spPr/>
+        <p:txBody>
+          <a:bodyPr/>
+          <a:lstStyle/>
+          <a:p>
+            <a:pPr>
+              <a:buFont typeface="Arial" panose="020B0604020202020204" pitchFamily="34" charset="0"/>
+              <a:buChar char="•"/>
+            </a:pPr>
+            <a:r>
+              <a:rPr lang="en-SG" dirty="0" smtClean="0"/>
+              <a:t>Act as database migration and web </a:t>
+            </a:r>
+            <a:r>
+              <a:rPr lang="en-SG" dirty="0" err="1" smtClean="0"/>
+              <a:t>api</a:t>
+            </a:r>
+            <a:r>
+              <a:rPr lang="en-SG" dirty="0" smtClean="0"/>
+              <a:t>.</a:t>
+            </a:r>
+            <a:endParaRPr lang="en-SG" dirty="0" smtClean="0"/>
+          </a:p>
+          <a:p>
+            <a:pPr>
+              <a:buFont typeface="Arial" panose="020B0604020202020204" pitchFamily="34" charset="0"/>
+              <a:buChar char="•"/>
+            </a:pPr>
+            <a:r>
+              <a:rPr lang="en-SG" dirty="0" smtClean="0"/>
+              <a:t>Database migration uses Entity Framework Core Code First Approach.</a:t>
+            </a:r>
+            <a:endParaRPr lang="en-SG" dirty="0" smtClean="0"/>
+          </a:p>
+          <a:p>
+            <a:pPr lvl="2">
+              <a:buFont typeface="Arial" panose="020B0604020202020204" pitchFamily="34" charset="0"/>
+              <a:buChar char="•"/>
+            </a:pPr>
+            <a:r>
+              <a:rPr lang="en-SG" dirty="0" smtClean="0"/>
+              <a:t>Add-Migration </a:t>
+            </a:r>
+            <a:r>
+              <a:rPr lang="en-SG" dirty="0" err="1" smtClean="0"/>
+              <a:t>MigrationName</a:t>
+            </a:r>
+            <a:endParaRPr lang="en-SG" dirty="0" smtClean="0"/>
+          </a:p>
+          <a:p>
+            <a:pPr lvl="3">
+              <a:buFont typeface="Arial" panose="020B0604020202020204" pitchFamily="34" charset="0"/>
+              <a:buChar char="•"/>
+            </a:pPr>
+            <a:r>
+              <a:rPr lang="en-SG" sz="1400" dirty="0" smtClean="0"/>
+              <a:t>Adds a new migration based on changes made on model classes and </a:t>
+            </a:r>
+            <a:r>
+              <a:rPr lang="en-SG" sz="1400" dirty="0" err="1" smtClean="0"/>
+              <a:t>seeders</a:t>
+            </a:r>
+            <a:endParaRPr lang="en-SG" sz="1400" dirty="0"/>
+          </a:p>
+          <a:p>
+            <a:pPr lvl="2">
+              <a:buFont typeface="Arial" panose="020B0604020202020204" pitchFamily="34" charset="0"/>
+              <a:buChar char="•"/>
+            </a:pPr>
+            <a:r>
+              <a:rPr lang="en-SG" dirty="0" smtClean="0"/>
+              <a:t>Update Database</a:t>
+            </a:r>
+            <a:endParaRPr lang="en-SG" dirty="0" smtClean="0"/>
+          </a:p>
+          <a:p>
+            <a:pPr lvl="3">
+              <a:buFont typeface="Arial" panose="020B0604020202020204" pitchFamily="34" charset="0"/>
+              <a:buChar char="•"/>
+            </a:pPr>
+            <a:r>
+              <a:rPr lang="en-SG" sz="1400" dirty="0" smtClean="0"/>
+              <a:t>Applies migration to database.</a:t>
+            </a:r>
+            <a:endParaRPr lang="en-SG" sz="1400" dirty="0" smtClean="0"/>
+          </a:p>
+          <a:p>
+            <a:pPr lvl="2">
+              <a:buFont typeface="Arial" panose="020B0604020202020204" pitchFamily="34" charset="0"/>
+              <a:buChar char="•"/>
+            </a:pPr>
+            <a:r>
+              <a:rPr lang="en-SG" dirty="0" smtClean="0"/>
+              <a:t>Remove-Migration</a:t>
+            </a:r>
+            <a:endParaRPr lang="en-SG" dirty="0" smtClean="0"/>
+          </a:p>
+          <a:p>
+            <a:pPr lvl="3">
+              <a:buFont typeface="Arial" panose="020B0604020202020204" pitchFamily="34" charset="0"/>
+              <a:buChar char="•"/>
+            </a:pPr>
+            <a:r>
+              <a:rPr lang="en-SG" sz="1400" dirty="0" smtClean="0"/>
+              <a:t>Remove last migration</a:t>
+            </a:r>
+            <a:endParaRPr lang="en-SG" sz="1400" dirty="0" smtClean="0"/>
+          </a:p>
+          <a:p>
+            <a:pPr lvl="1">
+              <a:buClr>
+                <a:srgbClr val="000000"/>
+              </a:buClr>
+              <a:buFont typeface="Arial" panose="020B0604020202020204" pitchFamily="34" charset="0"/>
+              <a:buChar char="•"/>
+            </a:pPr>
+            <a:r>
+              <a:rPr lang="en-US" altLang="en-SG" sz="1400" b="1" dirty="0" smtClean="0"/>
+              <a:t>  </a:t>
+            </a:r>
+            <a:r>
+              <a:rPr lang="en-US" altLang="en-SG" b="1" dirty="0" smtClean="0"/>
+              <a:t>U</a:t>
+            </a:r>
+            <a:r>
+              <a:rPr lang="en-US" altLang="en-SG" b="1" dirty="0" smtClean="0"/>
+              <a:t>se sysadmin on first time login to setup user access module and create user.</a:t>
+            </a:r>
+            <a:endParaRPr lang="en-US" altLang="en-SG" sz="1400" b="1" dirty="0" smtClean="0"/>
+          </a:p>
+          <a:p>
+            <a:pPr lvl="1">
+              <a:buFont typeface="Arial" panose="020B0604020202020204" pitchFamily="34" charset="0"/>
+              <a:buChar char="•"/>
+            </a:pPr>
+            <a:endParaRPr lang="en-SG" sz="1400" dirty="0" smtClean="0"/>
+          </a:p>
+          <a:p>
+            <a:pPr lvl="1">
+              <a:buFont typeface="Arial" panose="020B0604020202020204" pitchFamily="34" charset="0"/>
+              <a:buChar char="•"/>
+            </a:pPr>
+            <a:endParaRPr lang="en-SG" sz="1400" dirty="0" smtClean="0"/>
+          </a:p>
+          <a:p>
+            <a:pPr marL="0" lvl="1" indent="0">
+              <a:buNone/>
+            </a:pPr>
+            <a:endParaRPr lang="en-SG" sz="1400" dirty="0" smtClean="0"/>
+          </a:p>
+        </p:txBody>
+      </p:sp>
+    </p:spTree>
+  </p:cSld>
+  <p:clrMapOvr>
+    <a:masterClrMapping/>
+  </p:clrMapOvr>
+  <mc:AlternateContent xmlns:mc="http://schemas.openxmlformats.org/markup-compatibility/2006" xmlns:p159="http://schemas.microsoft.com/office/powerpoint/2015/09/main">
+    <mc:Choice Requires="p159">
+      <p:transition xmlns:p14="http://schemas.microsoft.com/office/powerpoint/2010/main" spd="slow" p14:dur="2000">
+        <p159:morph option="byObject"/>
+      </p:transition>
+    </mc:Choice>
+    <mc:Fallback>
+      <p:transition spd="slow">
+        <p:fade/>
+      </p:transition>
+    </mc:Fallback>
+  </mc:AlternateContent>
+</p:sld>
+</file>
+
+<file path=ppt/slides/slide17.xml><?xml version="1.0" encoding="utf-8"?>
+<p:sld xmlns:a="http://schemas.openxmlformats.org/drawingml/2006/main" xmlns:r="http://schemas.openxmlformats.org/officeDocument/2006/relationships" xmlns:p="http://schemas.openxmlformats.org/presentationml/2006/main">
+  <p:cSld>
+    <p:spTree>
+      <p:nvGrpSpPr>
+        <p:cNvPr id="1" name=""/>
+        <p:cNvGrpSpPr/>
+        <p:nvPr/>
+      </p:nvGrpSpPr>
+      <p:grpSpPr>
+        <a:xfrm>
+          <a:off x="0" y="0"/>
+          <a:ext cx="0" cy="0"/>
+          <a:chOff x="0" y="0"/>
+          <a:chExt cx="0" cy="0"/>
+        </a:xfrm>
+      </p:grpSpPr>
+      <p:sp>
+        <p:nvSpPr>
+          <p:cNvPr id="2" name="Title 1"/>
+          <p:cNvSpPr>
+            <a:spLocks noGrp="1"/>
+          </p:cNvSpPr>
+          <p:nvPr>
+            <p:ph type="title"/>
+          </p:nvPr>
+        </p:nvSpPr>
+        <p:spPr/>
+        <p:txBody>
+          <a:bodyPr/>
+          <a:lstStyle/>
+          <a:p>
+            <a:r>
+              <a:rPr lang="en-SG" dirty="0" err="1" smtClean="0"/>
+              <a:t>Pdi</a:t>
+            </a:r>
+            <a:r>
+              <a:rPr lang="en-SG" dirty="0" smtClean="0"/>
+              <a:t> feather tracking interface</a:t>
+            </a:r>
+            <a:endParaRPr lang="en-SG" dirty="0"/>
+          </a:p>
+        </p:txBody>
+      </p:sp>
+      <p:sp>
+        <p:nvSpPr>
+          <p:cNvPr id="3" name="Content Placeholder 2"/>
+          <p:cNvSpPr>
+            <a:spLocks noGrp="1"/>
+          </p:cNvSpPr>
+          <p:nvPr>
+            <p:ph idx="1"/>
+          </p:nvPr>
+        </p:nvSpPr>
+        <p:spPr/>
+        <p:txBody>
+          <a:bodyPr/>
+          <a:lstStyle/>
+          <a:p>
+            <a:pPr>
+              <a:buFont typeface="Arial" panose="020B0604020202020204" pitchFamily="34" charset="0"/>
+              <a:buChar char="•"/>
+            </a:pPr>
+            <a:r>
+              <a:rPr lang="en-SG" dirty="0" err="1" smtClean="0"/>
+              <a:t>VueJs</a:t>
+            </a:r>
+            <a:r>
+              <a:rPr lang="en-SG" dirty="0" smtClean="0"/>
+              <a:t> progressive web application, </a:t>
+            </a:r>
+            <a:r>
+              <a:rPr lang="en-SG" dirty="0" err="1" smtClean="0"/>
+              <a:t>vuex</a:t>
+            </a:r>
+            <a:r>
+              <a:rPr lang="en-SG" dirty="0" smtClean="0"/>
+              <a:t> for token storage, fetch API.</a:t>
+            </a:r>
+            <a:endParaRPr lang="en-SG" dirty="0" smtClean="0"/>
+          </a:p>
+          <a:p>
+            <a:pPr>
+              <a:buFont typeface="Arial" panose="020B0604020202020204" pitchFamily="34" charset="0"/>
+              <a:buChar char="•"/>
+            </a:pPr>
+            <a:r>
+              <a:rPr lang="en-SG" dirty="0" smtClean="0"/>
+              <a:t>Has to be run in https to get permission for using camera to scan QR, and for </a:t>
+            </a:r>
+            <a:endParaRPr lang="en-SG" dirty="0" smtClean="0"/>
+          </a:p>
+          <a:p>
+            <a:pPr>
+              <a:buFont typeface="Arial" panose="020B0604020202020204" pitchFamily="34" charset="0"/>
+              <a:buChar char="•"/>
+            </a:pPr>
+            <a:r>
+              <a:rPr lang="en-SG" dirty="0" smtClean="0"/>
+              <a:t>Login user has to have permission for outbound.</a:t>
+            </a:r>
+            <a:endParaRPr lang="en-SG" dirty="0" smtClean="0"/>
+          </a:p>
+          <a:p>
+            <a:pPr>
+              <a:buFont typeface="Arial" panose="020B0604020202020204" pitchFamily="34" charset="0"/>
+              <a:buChar char="•"/>
+            </a:pPr>
+            <a:r>
+              <a:rPr lang="en-SG" dirty="0" smtClean="0"/>
+              <a:t>Act both as mobile application and web application.</a:t>
+            </a:r>
+            <a:endParaRPr lang="en-SG" dirty="0" smtClean="0"/>
+          </a:p>
+          <a:p>
+            <a:pPr>
+              <a:buFont typeface="Arial" panose="020B0604020202020204" pitchFamily="34" charset="0"/>
+              <a:buChar char="•"/>
+            </a:pPr>
+            <a:r>
+              <a:rPr lang="en-US" altLang="en-SG" dirty="0" smtClean="0"/>
+              <a:t>In order for vue to host on IIS, </a:t>
+            </a:r>
+            <a:r>
+              <a:rPr lang="en-US" altLang="en-SG" dirty="0" smtClean="0">
+                <a:solidFill>
+                  <a:srgbClr val="0070C0"/>
+                </a:solidFill>
+              </a:rPr>
+              <a:t>web.config</a:t>
+            </a:r>
+            <a:r>
+              <a:rPr lang="en-US" altLang="en-SG" dirty="0" smtClean="0"/>
+              <a:t> file has to be created manually (refer to project hosted in test server)</a:t>
+            </a:r>
+            <a:endParaRPr lang="en-US" altLang="en-SG" dirty="0" smtClean="0"/>
+          </a:p>
+          <a:p>
+            <a:pPr>
+              <a:buFont typeface="Arial" panose="020B0604020202020204" pitchFamily="34" charset="0"/>
+              <a:buChar char="•"/>
+            </a:pPr>
+            <a:r>
+              <a:rPr lang="en-US" altLang="en-SG" dirty="0" smtClean="0"/>
+              <a:t>Once QR code scan successfully, the package will be marked as outbound.</a:t>
+            </a:r>
+            <a:endParaRPr lang="en-US" altLang="en-SG" dirty="0" smtClean="0"/>
+          </a:p>
+        </p:txBody>
+      </p:sp>
+    </p:spTree>
+  </p:cSld>
+  <p:clrMapOvr>
+    <a:masterClrMapping/>
+  </p:clrMapOvr>
+  <mc:AlternateContent xmlns:mc="http://schemas.openxmlformats.org/markup-compatibility/2006" xmlns:p159="http://schemas.microsoft.com/office/powerpoint/2015/09/main">
+    <mc:Choice Requires="p159">
+      <p:transition xmlns:p14="http://schemas.microsoft.com/office/powerpoint/2010/main" spd="slow" p14:dur="2000">
+        <p159:morph option="byObject"/>
+      </p:transition>
+    </mc:Choice>
+    <mc:Fallback>
+      <p:transition spd="slow">
+        <p:fade/>
+      </p:transition>
+    </mc:Fallback>
+  </mc:AlternateContent>
+</p:sld>
+</file>
+
+<file path=ppt/slides/slide18.xml><?xml version="1.0" encoding="utf-8"?>
+<p:sld xmlns:a="http://schemas.openxmlformats.org/drawingml/2006/main" xmlns:r="http://schemas.openxmlformats.org/officeDocument/2006/relationships" xmlns:p="http://schemas.openxmlformats.org/presentationml/2006/main">
+  <p:cSld>
+    <p:spTree>
+      <p:nvGrpSpPr>
+        <p:cNvPr id="1" name=""/>
+        <p:cNvGrpSpPr/>
+        <p:nvPr/>
+      </p:nvGrpSpPr>
+      <p:grpSpPr/>
+      <p:sp>
+        <p:nvSpPr>
+          <p:cNvPr id="2" name="Title 1"/>
+          <p:cNvSpPr>
+            <a:spLocks noGrp="1"/>
+          </p:cNvSpPr>
+          <p:nvPr>
+            <p:ph type="title"/>
+          </p:nvPr>
+        </p:nvSpPr>
+        <p:spPr/>
+        <p:txBody>
+          <a:bodyPr/>
+          <a:p>
+            <a:r>
+              <a:rPr lang="en-US"/>
+              <a:t>appsettings.json (setting file)</a:t>
+            </a:r>
+            <a:endParaRPr lang="en-US"/>
+          </a:p>
+        </p:txBody>
+      </p:sp>
+      <p:pic>
+        <p:nvPicPr>
+          <p:cNvPr id="4" name="Content Placeholder 3"/>
+          <p:cNvPicPr>
+            <a:picLocks noChangeAspect="1"/>
+          </p:cNvPicPr>
+          <p:nvPr>
+            <p:ph idx="1"/>
+          </p:nvPr>
+        </p:nvPicPr>
+        <p:blipFill>
+          <a:blip r:embed="rId1"/>
+          <a:stretch>
+            <a:fillRect/>
+          </a:stretch>
+        </p:blipFill>
+        <p:spPr>
+          <a:xfrm>
+            <a:off x="107315" y="1557020"/>
+            <a:ext cx="8822055" cy="2612390"/>
+          </a:xfrm>
+          <a:prstGeom prst="rect">
+            <a:avLst/>
+          </a:prstGeom>
+        </p:spPr>
+      </p:pic>
+    </p:spTree>
+  </p:cSld>
+  <p:clrMapOvr>
+    <a:masterClrMapping/>
+  </p:clrMapOvr>
+  <mc:AlternateContent xmlns:mc="http://schemas.openxmlformats.org/markup-compatibility/2006" xmlns:p159="http://schemas.microsoft.com/office/powerpoint/2015/09/main">
+    <mc:Choice Requires="p159">
+      <p:transition xmlns:p14="http://schemas.microsoft.com/office/powerpoint/2010/main" spd="slow" p14:dur="2000">
+        <p159:morph option="byObject"/>
+      </p:transition>
+    </mc:Choice>
+    <mc:Fallback>
+      <p:transition spd="slow">
+        <p:fade/>
+      </p:transition>
+    </mc:Fallback>
+  </mc:AlternateContent>
 </p:sld>
 </file>
 
@@ -5034,66 +6379,82 @@
           <a:lstStyle/>
           <a:p>
             <a:pPr>
-              <a:buFont typeface="Arial" pitchFamily="34" charset="0"/>
+              <a:buFont typeface="Arial" panose="020B0604020202020204" pitchFamily="34" charset="0"/>
               <a:buChar char="•"/>
             </a:pPr>
             <a:r>
               <a:rPr lang="en-SG" dirty="0" smtClean="0"/>
               <a:t>Prerequisite program</a:t>
             </a:r>
+            <a:endParaRPr lang="en-SG" dirty="0" smtClean="0"/>
           </a:p>
           <a:p>
             <a:pPr lvl="2">
-              <a:buFont typeface="Arial" pitchFamily="34" charset="0"/>
+              <a:buFont typeface="Arial" panose="020B0604020202020204" pitchFamily="34" charset="0"/>
               <a:buChar char="•"/>
             </a:pPr>
             <a:r>
               <a:rPr lang="en-SG" dirty="0" smtClean="0"/>
               <a:t>Git Bash</a:t>
             </a:r>
+            <a:endParaRPr lang="en-SG" dirty="0" smtClean="0"/>
           </a:p>
           <a:p>
             <a:pPr lvl="2">
-              <a:buFont typeface="Arial" pitchFamily="34" charset="0"/>
+              <a:buFont typeface="Arial" panose="020B0604020202020204" pitchFamily="34" charset="0"/>
               <a:buChar char="•"/>
             </a:pPr>
             <a:r>
               <a:rPr lang="en-SG" dirty="0" smtClean="0"/>
               <a:t>Bartender Software</a:t>
             </a:r>
+            <a:r>
+              <a:rPr lang="en-US" altLang="en-SG" dirty="0" smtClean="0"/>
+              <a:t> (*important)</a:t>
+            </a:r>
+            <a:endParaRPr lang="en-SG" dirty="0" smtClean="0"/>
           </a:p>
           <a:p>
             <a:pPr lvl="2">
-              <a:buFont typeface="Arial" pitchFamily="34" charset="0"/>
+              <a:buFont typeface="Arial" panose="020B0604020202020204" pitchFamily="34" charset="0"/>
               <a:buChar char="•"/>
             </a:pPr>
             <a:r>
               <a:rPr lang="en-SG" dirty="0" smtClean="0"/>
               <a:t>MySQL v8.0.32, Visual Studio Code, Visual Studio 2022, Node.js</a:t>
             </a:r>
+            <a:endParaRPr lang="en-SG" dirty="0" smtClean="0"/>
           </a:p>
           <a:p>
             <a:pPr lvl="2">
-              <a:buFont typeface="Arial" pitchFamily="34" charset="0"/>
+              <a:buFont typeface="Arial" panose="020B0604020202020204" pitchFamily="34" charset="0"/>
               <a:buChar char="•"/>
             </a:pPr>
             <a:r>
               <a:rPr lang="en-SG" dirty="0" smtClean="0"/>
               <a:t>Good to have: Hercules</a:t>
             </a:r>
+            <a:endParaRPr lang="en-SG" dirty="0" smtClean="0"/>
           </a:p>
         </p:txBody>
       </p:sp>
     </p:spTree>
-    <p:extLst>
-      <p:ext uri="{BB962C8B-B14F-4D97-AF65-F5344CB8AC3E}">
-        <p14:creationId xmlns:p14="http://schemas.microsoft.com/office/powerpoint/2010/main" val="2854344938"/>
-      </p:ext>
-    </p:extLst>
   </p:cSld>
   <p:clrMapOvr>
     <a:masterClrMapping/>
   </p:clrMapOvr>
+  <mc:AlternateContent xmlns:mc="http://schemas.openxmlformats.org/markup-compatibility/2006" xmlns:p159="http://schemas.microsoft.com/office/powerpoint/2015/09/main">
+    <mc:Choice Requires="p159">
+      <p:transition xmlns:p14="http://schemas.microsoft.com/office/powerpoint/2010/main" spd="slow" p14:dur="2000">
+        <p159:morph option="byObject"/>
+      </p:transition>
+    </mc:Choice>
+    <mc:Fallback>
+      <p:transition spd="slow">
+        <p:fade/>
+      </p:transition>
+    </mc:Fallback>
+  </mc:AlternateContent>
 </p:sld>
 </file>
 
@@ -5153,7 +6514,7 @@
           <a:lstStyle/>
           <a:p>
             <a:pPr>
-              <a:buFont typeface="Arial" pitchFamily="34" charset="0"/>
+              <a:buFont typeface="Arial" panose="020B0604020202020204" pitchFamily="34" charset="0"/>
               <a:buChar char="•"/>
             </a:pPr>
             <a:r>
@@ -5168,17 +6529,18 @@
           </a:p>
           <a:p>
             <a:pPr>
-              <a:buFont typeface="Arial" pitchFamily="34" charset="0"/>
+              <a:buFont typeface="Arial" panose="020B0604020202020204" pitchFamily="34" charset="0"/>
               <a:buChar char="•"/>
             </a:pPr>
             <a:r>
               <a:rPr lang="en-SG" dirty="0" smtClean="0"/>
               <a:t>Build the project.</a:t>
             </a:r>
+            <a:endParaRPr lang="en-SG" dirty="0" smtClean="0"/>
           </a:p>
           <a:p>
             <a:pPr>
-              <a:buFont typeface="Arial" pitchFamily="34" charset="0"/>
+              <a:buFont typeface="Arial" panose="020B0604020202020204" pitchFamily="34" charset="0"/>
               <a:buChar char="•"/>
             </a:pPr>
             <a:r>
@@ -5213,7 +6575,7 @@
           </a:p>
           <a:p>
             <a:pPr>
-              <a:buFont typeface="Arial" pitchFamily="34" charset="0"/>
+              <a:buFont typeface="Arial" panose="020B0604020202020204" pitchFamily="34" charset="0"/>
               <a:buChar char="•"/>
             </a:pPr>
             <a:r>
@@ -5228,10 +6590,11 @@
               <a:rPr lang="en-SG" dirty="0" smtClean="0"/>
               <a:t> script to do migration.</a:t>
             </a:r>
+            <a:endParaRPr lang="en-SG" dirty="0" smtClean="0"/>
           </a:p>
           <a:p>
             <a:pPr>
-              <a:buFont typeface="Arial" pitchFamily="34" charset="0"/>
+              <a:buFont typeface="Arial" panose="020B0604020202020204" pitchFamily="34" charset="0"/>
               <a:buChar char="•"/>
             </a:pPr>
             <a:r>
@@ -5246,10 +6609,11 @@
               <a:rPr lang="en-SG" dirty="0" smtClean="0"/>
               <a:t> Workbench.</a:t>
             </a:r>
+            <a:endParaRPr lang="en-SG" dirty="0" smtClean="0"/>
           </a:p>
           <a:p>
             <a:pPr>
-              <a:buFont typeface="Arial" pitchFamily="34" charset="0"/>
+              <a:buFont typeface="Arial" panose="020B0604020202020204" pitchFamily="34" charset="0"/>
               <a:buChar char="•"/>
             </a:pPr>
             <a:r>
@@ -5272,7 +6636,7 @@
           </a:p>
           <a:p>
             <a:pPr>
-              <a:buFont typeface="Arial" pitchFamily="34" charset="0"/>
+              <a:buFont typeface="Arial" panose="020B0604020202020204" pitchFamily="34" charset="0"/>
               <a:buChar char="•"/>
             </a:pPr>
             <a:r>
@@ -5284,15 +6648,22 @@
         </p:txBody>
       </p:sp>
     </p:spTree>
-    <p:extLst>
-      <p:ext uri="{BB962C8B-B14F-4D97-AF65-F5344CB8AC3E}">
-        <p14:creationId xmlns:p14="http://schemas.microsoft.com/office/powerpoint/2010/main" val="2761358669"/>
-      </p:ext>
-    </p:extLst>
   </p:cSld>
   <p:clrMapOvr>
     <a:masterClrMapping/>
   </p:clrMapOvr>
+  <mc:AlternateContent xmlns:mc="http://schemas.openxmlformats.org/markup-compatibility/2006" xmlns:p159="http://schemas.microsoft.com/office/powerpoint/2015/09/main">
+    <mc:Choice Requires="p159">
+      <p:transition xmlns:p14="http://schemas.microsoft.com/office/powerpoint/2010/main" spd="slow" p14:dur="2000">
+        <p159:morph option="byObject"/>
+      </p:transition>
+    </mc:Choice>
+    <mc:Fallback>
+      <p:transition spd="slow">
+        <p:fade/>
+      </p:transition>
+    </mc:Fallback>
+  </mc:AlternateContent>
 </p:sld>
 </file>
 
@@ -5352,7 +6723,7 @@
           <a:lstStyle/>
           <a:p>
             <a:pPr>
-              <a:buFont typeface="Arial" pitchFamily="34" charset="0"/>
+              <a:buFont typeface="Arial" panose="020B0604020202020204" pitchFamily="34" charset="0"/>
               <a:buChar char="•"/>
             </a:pPr>
             <a:r>
@@ -5375,20 +6746,22 @@
               <a:rPr lang="en-SG" dirty="0" smtClean="0"/>
               <a:t> </a:t>
             </a:r>
+            <a:endParaRPr lang="en-SG" dirty="0" smtClean="0"/>
           </a:p>
           <a:p>
             <a:pPr>
-              <a:buFont typeface="Arial" pitchFamily="34" charset="0"/>
+              <a:buFont typeface="Arial" panose="020B0604020202020204" pitchFamily="34" charset="0"/>
               <a:buChar char="•"/>
             </a:pPr>
             <a:r>
               <a:rPr lang="en-SG" dirty="0" smtClean="0"/>
               <a:t>Configure the printer name as the same shown in Windows printer utility.</a:t>
             </a:r>
+            <a:endParaRPr lang="en-SG" dirty="0" smtClean="0"/>
           </a:p>
           <a:p>
             <a:pPr>
-              <a:buFont typeface="Arial" pitchFamily="34" charset="0"/>
+              <a:buFont typeface="Arial" panose="020B0604020202020204" pitchFamily="34" charset="0"/>
               <a:buChar char="•"/>
             </a:pPr>
             <a:r>
@@ -5408,7 +6781,7 @@
           <p:nvPr/>
         </p:nvPicPr>
         <p:blipFill>
-          <a:blip r:embed="rId2">
+          <a:blip r:embed="rId1">
             <a:extLst>
               <a:ext uri="{28A0092B-C50C-407E-A947-70E740481C1C}">
                 <a14:useLocalDpi xmlns:a14="http://schemas.microsoft.com/office/drawing/2010/main" val="0"/>
@@ -5508,15 +6881,22 @@
         </p:txBody>
       </p:sp>
     </p:spTree>
-    <p:extLst>
-      <p:ext uri="{BB962C8B-B14F-4D97-AF65-F5344CB8AC3E}">
-        <p14:creationId xmlns:p14="http://schemas.microsoft.com/office/powerpoint/2010/main" val="3703656121"/>
-      </p:ext>
-    </p:extLst>
   </p:cSld>
   <p:clrMapOvr>
     <a:masterClrMapping/>
   </p:clrMapOvr>
+  <mc:AlternateContent xmlns:mc="http://schemas.openxmlformats.org/markup-compatibility/2006" xmlns:p159="http://schemas.microsoft.com/office/powerpoint/2015/09/main">
+    <mc:Choice Requires="p159">
+      <p:transition xmlns:p14="http://schemas.microsoft.com/office/powerpoint/2010/main" spd="slow" p14:dur="2000">
+        <p159:morph option="byObject"/>
+      </p:transition>
+    </mc:Choice>
+    <mc:Fallback>
+      <p:transition spd="slow">
+        <p:fade/>
+      </p:transition>
+    </mc:Fallback>
+  </mc:AlternateContent>
 </p:sld>
 </file>
 
@@ -5576,27 +6956,29 @@
           <a:lstStyle/>
           <a:p>
             <a:pPr>
-              <a:buFont typeface="Arial" pitchFamily="34" charset="0"/>
+              <a:buFont typeface="Arial" panose="020B0604020202020204" pitchFamily="34" charset="0"/>
               <a:buChar char="•"/>
             </a:pPr>
             <a:r>
               <a:rPr lang="en-SG" dirty="0" smtClean="0"/>
               <a:t>Configure the label template path, logging path and report storage path.</a:t>
             </a:r>
+            <a:endParaRPr lang="en-SG" dirty="0" smtClean="0"/>
           </a:p>
           <a:p>
             <a:pPr>
-              <a:buFont typeface="Arial" pitchFamily="34" charset="0"/>
+              <a:buFont typeface="Arial" panose="020B0604020202020204" pitchFamily="34" charset="0"/>
               <a:buChar char="•"/>
             </a:pPr>
             <a:r>
               <a:rPr lang="en-SG" dirty="0" smtClean="0"/>
               <a:t>Configure the database connection string to be the same as the database setup.</a:t>
             </a:r>
+            <a:endParaRPr lang="en-SG" dirty="0" smtClean="0"/>
           </a:p>
           <a:p>
             <a:pPr>
-              <a:buFont typeface="Arial" pitchFamily="34" charset="0"/>
+              <a:buFont typeface="Arial" panose="020B0604020202020204" pitchFamily="34" charset="0"/>
               <a:buChar char="•"/>
             </a:pPr>
             <a:r>
@@ -5607,10 +6989,11 @@
               <a:rPr lang="en-SG" dirty="0" smtClean="0"/>
               <a:t> (0: disable, 1:enable)</a:t>
             </a:r>
+            <a:endParaRPr lang="en-SG" dirty="0" smtClean="0"/>
           </a:p>
           <a:p>
             <a:pPr>
-              <a:buFont typeface="Arial" pitchFamily="34" charset="0"/>
+              <a:buFont typeface="Arial" panose="020B0604020202020204" pitchFamily="34" charset="0"/>
               <a:buChar char="•"/>
             </a:pPr>
             <a:r>
@@ -5621,10 +7004,11 @@
               <a:rPr lang="en-SG" dirty="0" smtClean="0"/>
               <a:t> (0:disable, 1:enable)</a:t>
             </a:r>
+            <a:endParaRPr lang="en-SG" dirty="0" smtClean="0"/>
           </a:p>
           <a:p>
             <a:pPr>
-              <a:buFont typeface="Arial" pitchFamily="34" charset="0"/>
+              <a:buFont typeface="Arial" panose="020B0604020202020204" pitchFamily="34" charset="0"/>
               <a:buChar char="•"/>
             </a:pPr>
             <a:r>
@@ -5643,30 +7027,49 @@
               <a:rPr lang="en-SG" dirty="0" smtClean="0"/>
               <a:t> (change this if the port has been used for other purpose).</a:t>
             </a:r>
+            <a:endParaRPr lang="en-SG" dirty="0" smtClean="0"/>
           </a:p>
           <a:p>
             <a:pPr>
-              <a:buFont typeface="Arial" pitchFamily="34" charset="0"/>
+              <a:buFont typeface="Arial" panose="020B0604020202020204" pitchFamily="34" charset="0"/>
               <a:buChar char="•"/>
             </a:pPr>
             <a:r>
               <a:rPr lang="en-SG" dirty="0" smtClean="0"/>
               <a:t>Program need to be restarted if the setting file has been changed.</a:t>
             </a:r>
-            <a:endParaRPr lang="en-SG" dirty="0"/>
+            <a:endParaRPr lang="en-SG" dirty="0" smtClean="0"/>
+          </a:p>
+          <a:p>
+            <a:pPr>
+              <a:buFont typeface="Arial" panose="020B0604020202020204" pitchFamily="34" charset="0"/>
+              <a:buChar char="•"/>
+            </a:pPr>
+            <a:r>
+              <a:rPr lang="en-US" altLang="en-SG" dirty="0"/>
+              <a:t>Outbound Link (change this to the url pdi frontend web application)</a:t>
+            </a:r>
+            <a:endParaRPr lang="en-US" altLang="en-SG" dirty="0"/>
           </a:p>
         </p:txBody>
       </p:sp>
     </p:spTree>
-    <p:extLst>
-      <p:ext uri="{BB962C8B-B14F-4D97-AF65-F5344CB8AC3E}">
-        <p14:creationId xmlns:p14="http://schemas.microsoft.com/office/powerpoint/2010/main" val="1560379045"/>
-      </p:ext>
-    </p:extLst>
   </p:cSld>
   <p:clrMapOvr>
     <a:masterClrMapping/>
   </p:clrMapOvr>
+  <mc:AlternateContent xmlns:mc="http://schemas.openxmlformats.org/markup-compatibility/2006" xmlns:p159="http://schemas.microsoft.com/office/powerpoint/2015/09/main">
+    <mc:Choice Requires="p159">
+      <p:transition xmlns:p14="http://schemas.microsoft.com/office/powerpoint/2010/main" spd="slow" p14:dur="2000">
+        <p159:morph option="byObject"/>
+      </p:transition>
+    </mc:Choice>
+    <mc:Fallback>
+      <p:transition spd="slow">
+        <p:fade/>
+      </p:transition>
+    </mc:Fallback>
+  </mc:AlternateContent>
 </p:sld>
 </file>
 
@@ -5710,35 +7113,49 @@
           </a:p>
         </p:txBody>
       </p:sp>
-      <p:sp>
-        <p:nvSpPr>
-          <p:cNvPr id="3" name="Content Placeholder 2"/>
-          <p:cNvSpPr>
-            <a:spLocks noGrp="1"/>
-          </p:cNvSpPr>
+      <p:pic>
+        <p:nvPicPr>
+          <p:cNvPr id="4" name="Content Placeholder 3"/>
+          <p:cNvPicPr>
+            <a:picLocks noChangeAspect="1"/>
+          </p:cNvPicPr>
           <p:nvPr>
             <p:ph idx="1"/>
           </p:nvPr>
-        </p:nvSpPr>
-        <p:spPr/>
-        <p:txBody>
-          <a:bodyPr/>
-          <a:lstStyle/>
-          <a:p>
-            <a:endParaRPr lang="en-SG" dirty="0"/>
-          </a:p>
-        </p:txBody>
-      </p:sp>
+        </p:nvPicPr>
+        <p:blipFill>
+          <a:blip r:embed="rId1"/>
+          <a:stretch>
+            <a:fillRect/>
+          </a:stretch>
+        </p:blipFill>
+        <p:spPr>
+          <a:xfrm>
+            <a:off x="822960" y="1776730"/>
+            <a:ext cx="7520940" cy="2226945"/>
+          </a:xfrm>
+          <a:prstGeom prst="rect">
+            <a:avLst/>
+          </a:prstGeom>
+        </p:spPr>
+      </p:pic>
     </p:spTree>
-    <p:extLst>
-      <p:ext uri="{BB962C8B-B14F-4D97-AF65-F5344CB8AC3E}">
-        <p14:creationId xmlns:p14="http://schemas.microsoft.com/office/powerpoint/2010/main" val="1680955628"/>
-      </p:ext>
-    </p:extLst>
   </p:cSld>
   <p:clrMapOvr>
     <a:masterClrMapping/>
   </p:clrMapOvr>
+  <mc:AlternateContent xmlns:mc="http://schemas.openxmlformats.org/markup-compatibility/2006" xmlns:p159="http://schemas.microsoft.com/office/powerpoint/2015/09/main">
+    <mc:Choice Requires="p159">
+      <p:transition xmlns:p14="http://schemas.microsoft.com/office/powerpoint/2010/main" spd="slow" p14:dur="2000">
+        <p159:morph option="byObject"/>
+      </p:transition>
+    </mc:Choice>
+    <mc:Fallback>
+      <p:transition spd="slow">
+        <p:fade/>
+      </p:transition>
+    </mc:Fallback>
+  </mc:AlternateContent>
 </p:sld>
 </file>
 
@@ -5806,17 +7223,18 @@
           <a:lstStyle/>
           <a:p>
             <a:pPr>
-              <a:buFont typeface="Arial" pitchFamily="34" charset="0"/>
+              <a:buFont typeface="Arial" panose="020B0604020202020204" pitchFamily="34" charset="0"/>
               <a:buChar char="•"/>
             </a:pPr>
             <a:r>
               <a:rPr lang="en-SG" dirty="0" smtClean="0"/>
               <a:t>WPF program should automatically run printer service if the path is set correctly.</a:t>
             </a:r>
+            <a:endParaRPr lang="en-SG" dirty="0" smtClean="0"/>
           </a:p>
           <a:p>
             <a:pPr>
-              <a:buFont typeface="Arial" pitchFamily="34" charset="0"/>
+              <a:buFont typeface="Arial" panose="020B0604020202020204" pitchFamily="34" charset="0"/>
               <a:buChar char="•"/>
             </a:pPr>
             <a:r>
@@ -5835,26 +7253,41 @@
               <a:rPr lang="en-SG" dirty="0" smtClean="0"/>
               <a:t>)</a:t>
             </a:r>
+            <a:endParaRPr lang="en-SG" dirty="0" smtClean="0"/>
           </a:p>
           <a:p>
             <a:pPr>
-              <a:buFont typeface="Arial" pitchFamily="34" charset="0"/>
+              <a:buFont typeface="Arial" panose="020B0604020202020204" pitchFamily="34" charset="0"/>
               <a:buChar char="•"/>
             </a:pPr>
+            <a:endParaRPr lang="en-SG" dirty="0" smtClean="0"/>
+          </a:p>
+          <a:p>
+            <a:pPr>
+              <a:buFont typeface="Arial" panose="020B0604020202020204" pitchFamily="34" charset="0"/>
+              <a:buChar char="•"/>
+            </a:pPr>
             <a:endParaRPr lang="en-SG" dirty="0"/>
           </a:p>
         </p:txBody>
       </p:sp>
     </p:spTree>
-    <p:extLst>
-      <p:ext uri="{BB962C8B-B14F-4D97-AF65-F5344CB8AC3E}">
-        <p14:creationId xmlns:p14="http://schemas.microsoft.com/office/powerpoint/2010/main" val="3508498512"/>
-      </p:ext>
-    </p:extLst>
   </p:cSld>
   <p:clrMapOvr>
     <a:masterClrMapping/>
   </p:clrMapOvr>
+  <mc:AlternateContent xmlns:mc="http://schemas.openxmlformats.org/markup-compatibility/2006" xmlns:p159="http://schemas.microsoft.com/office/powerpoint/2015/09/main">
+    <mc:Choice Requires="p159">
+      <p:transition xmlns:p14="http://schemas.microsoft.com/office/powerpoint/2010/main" spd="slow" p14:dur="2000">
+        <p159:morph option="byObject"/>
+      </p:transition>
+    </mc:Choice>
+    <mc:Fallback>
+      <p:transition spd="slow">
+        <p:fade/>
+      </p:transition>
+    </mc:Fallback>
+  </mc:AlternateContent>
 </p:sld>
 </file>
 
@@ -5867,14 +7300,7 @@
         <p:cNvGrpSpPr/>
         <p:nvPr/>
       </p:nvGrpSpPr>
-      <p:grpSpPr>
-        <a:xfrm>
-          <a:off x="0" y="0"/>
-          <a:ext cx="0" cy="0"/>
-          <a:chOff x="0" y="0"/>
-          <a:chExt cx="0" cy="0"/>
-        </a:xfrm>
-      </p:grpSpPr>
+      <p:grpSpPr/>
       <p:sp>
         <p:nvSpPr>
           <p:cNvPr id="2" name="Title 1"/>
@@ -5888,85 +7314,315 @@
         <p:spPr/>
         <p:txBody>
           <a:bodyPr/>
-          <a:lstStyle/>
-          <a:p>
-            <a:r>
-              <a:rPr lang="en-SG" dirty="0" err="1" smtClean="0"/>
-              <a:t>Pdi</a:t>
-            </a:r>
-            <a:r>
-              <a:rPr lang="en-SG" dirty="0" smtClean="0"/>
-              <a:t> feather tracking app/</a:t>
-            </a:r>
-            <a:r>
-              <a:rPr lang="en-SG" dirty="0"/>
-              <a:t> </a:t>
-            </a:r>
-            <a:r>
-              <a:rPr lang="en-SG" dirty="0" smtClean="0"/>
-              <a:t>service</a:t>
-            </a:r>
-            <a:endParaRPr lang="en-SG" dirty="0"/>
-          </a:p>
-        </p:txBody>
-      </p:sp>
-      <p:sp>
-        <p:nvSpPr>
-          <p:cNvPr id="3" name="Content Placeholder 2"/>
-          <p:cNvSpPr>
-            <a:spLocks noGrp="1"/>
-          </p:cNvSpPr>
-          <p:nvPr>
-            <p:ph idx="1"/>
-          </p:nvPr>
-        </p:nvSpPr>
-        <p:spPr/>
-        <p:txBody>
-          <a:bodyPr/>
-          <a:lstStyle/>
+          <a:p>
+            <a:r>
+              <a:rPr lang="en-US"/>
+              <a:t>Main page</a:t>
+            </a:r>
+            <a:endParaRPr lang="en-US"/>
+          </a:p>
+        </p:txBody>
+      </p:sp>
+      <p:sp>
+        <p:nvSpPr>
+          <p:cNvPr id="9" name="Content Placeholder 2"/>
+          <p:cNvSpPr>
+            <a:spLocks noGrp="1"/>
+          </p:cNvSpPr>
+          <p:nvPr/>
+        </p:nvSpPr>
+        <p:spPr>
+          <a:xfrm>
+            <a:off x="822960" y="1100628"/>
+            <a:ext cx="7520940" cy="3579849"/>
+          </a:xfrm>
+          <a:prstGeom prst="rect">
+            <a:avLst/>
+          </a:prstGeom>
+        </p:spPr>
+        <p:txBody>
+          <a:bodyPr vert="horz" lIns="91440" tIns="45720" rIns="91440" bIns="45720" rtlCol="0">
+            <a:normAutofit/>
+          </a:bodyPr>
+          <a:lstStyle>
+            <a:lvl1pPr marL="342900" indent="-342900" algn="l" defTabSz="914400" rtl="0" eaLnBrk="1" latinLnBrk="0" hangingPunct="1">
+              <a:spcBef>
+                <a:spcPts val="800"/>
+              </a:spcBef>
+              <a:buFont typeface="Arial" panose="020B0604020202020204" pitchFamily="34" charset="0"/>
+              <a:buNone/>
+              <a:defRPr sz="1600" b="1" kern="1200">
+                <a:solidFill>
+                  <a:schemeClr val="tx1"/>
+                </a:solidFill>
+                <a:latin typeface="+mn-lt"/>
+                <a:ea typeface="+mn-ea"/>
+                <a:cs typeface="+mn-cs"/>
+              </a:defRPr>
+            </a:lvl1pPr>
+            <a:lvl2pPr marL="173990" indent="-173990" algn="l" defTabSz="914400" rtl="0" eaLnBrk="1" latinLnBrk="0" hangingPunct="1">
+              <a:spcBef>
+                <a:spcPts val="300"/>
+              </a:spcBef>
+              <a:buClr>
+                <a:schemeClr val="accent2"/>
+              </a:buClr>
+              <a:buFont typeface="Wingdings" panose="05000000000000000000" pitchFamily="2" charset="2"/>
+              <a:buChar char="§"/>
+              <a:defRPr sz="1600" kern="1200">
+                <a:solidFill>
+                  <a:schemeClr val="tx1"/>
+                </a:solidFill>
+                <a:latin typeface="+mn-lt"/>
+                <a:ea typeface="+mn-ea"/>
+                <a:cs typeface="+mn-cs"/>
+              </a:defRPr>
+            </a:lvl2pPr>
+            <a:lvl3pPr marL="402590" indent="-164465" algn="l" defTabSz="914400" rtl="0" eaLnBrk="1" latinLnBrk="0" hangingPunct="1">
+              <a:spcBef>
+                <a:spcPts val="300"/>
+              </a:spcBef>
+              <a:buClr>
+                <a:schemeClr val="accent2"/>
+              </a:buClr>
+              <a:buFont typeface="Wingdings" panose="05000000000000000000" pitchFamily="2" charset="2"/>
+              <a:buChar char="§"/>
+              <a:defRPr sz="1600" kern="1200">
+                <a:solidFill>
+                  <a:schemeClr val="tx1"/>
+                </a:solidFill>
+                <a:latin typeface="+mn-lt"/>
+                <a:ea typeface="+mn-ea"/>
+                <a:cs typeface="+mn-cs"/>
+              </a:defRPr>
+            </a:lvl3pPr>
+            <a:lvl4pPr marL="631190" indent="-164465" algn="l" defTabSz="914400" rtl="0" eaLnBrk="1" latinLnBrk="0" hangingPunct="1">
+              <a:spcBef>
+                <a:spcPts val="300"/>
+              </a:spcBef>
+              <a:buClr>
+                <a:schemeClr val="accent2"/>
+              </a:buClr>
+              <a:buFont typeface="Wingdings" panose="05000000000000000000" pitchFamily="2" charset="2"/>
+              <a:buChar char="§"/>
+              <a:defRPr sz="1600" kern="1200">
+                <a:solidFill>
+                  <a:schemeClr val="tx1"/>
+                </a:solidFill>
+                <a:latin typeface="+mn-lt"/>
+                <a:ea typeface="+mn-ea"/>
+                <a:cs typeface="+mn-cs"/>
+              </a:defRPr>
+            </a:lvl4pPr>
+            <a:lvl5pPr marL="859790" indent="-173990" algn="l" defTabSz="914400" rtl="0" eaLnBrk="1" latinLnBrk="0" hangingPunct="1">
+              <a:spcBef>
+                <a:spcPts val="300"/>
+              </a:spcBef>
+              <a:buClr>
+                <a:schemeClr val="accent2"/>
+              </a:buClr>
+              <a:buFont typeface="Wingdings" panose="05000000000000000000" pitchFamily="2" charset="2"/>
+              <a:buChar char="§"/>
+              <a:defRPr sz="1600" kern="1200">
+                <a:solidFill>
+                  <a:schemeClr val="tx1"/>
+                </a:solidFill>
+                <a:latin typeface="+mn-lt"/>
+                <a:ea typeface="+mn-ea"/>
+                <a:cs typeface="+mn-cs"/>
+              </a:defRPr>
+            </a:lvl5pPr>
+            <a:lvl6pPr marL="1097280" indent="-173990" algn="l" defTabSz="914400" rtl="0" eaLnBrk="1" latinLnBrk="0" hangingPunct="1">
+              <a:spcBef>
+                <a:spcPts val="300"/>
+              </a:spcBef>
+              <a:buClr>
+                <a:schemeClr val="accent2"/>
+              </a:buClr>
+              <a:buFont typeface="Wingdings" panose="05000000000000000000" pitchFamily="2" charset="2"/>
+              <a:buChar char="§"/>
+              <a:defRPr sz="1400" kern="1200">
+                <a:solidFill>
+                  <a:schemeClr val="tx1"/>
+                </a:solidFill>
+                <a:latin typeface="+mn-lt"/>
+                <a:ea typeface="+mn-ea"/>
+                <a:cs typeface="+mn-cs"/>
+              </a:defRPr>
+            </a:lvl6pPr>
+            <a:lvl7pPr marL="1353185" indent="-164465" algn="l" defTabSz="914400" rtl="0" eaLnBrk="1" latinLnBrk="0" hangingPunct="1">
+              <a:spcBef>
+                <a:spcPts val="300"/>
+              </a:spcBef>
+              <a:buClr>
+                <a:schemeClr val="accent2"/>
+              </a:buClr>
+              <a:buFont typeface="Wingdings" panose="05000000000000000000" pitchFamily="2" charset="2"/>
+              <a:buChar char="§"/>
+              <a:defRPr sz="1400" kern="1200">
+                <a:solidFill>
+                  <a:schemeClr val="tx1"/>
+                </a:solidFill>
+                <a:latin typeface="+mn-lt"/>
+                <a:ea typeface="+mn-ea"/>
+                <a:cs typeface="+mn-cs"/>
+              </a:defRPr>
+            </a:lvl7pPr>
+            <a:lvl8pPr marL="1581785" indent="-164465" algn="l" defTabSz="914400" rtl="0" eaLnBrk="1" latinLnBrk="0" hangingPunct="1">
+              <a:spcBef>
+                <a:spcPts val="300"/>
+              </a:spcBef>
+              <a:buClr>
+                <a:schemeClr val="accent2"/>
+              </a:buClr>
+              <a:buFont typeface="Wingdings" panose="05000000000000000000" pitchFamily="2" charset="2"/>
+              <a:buChar char="§"/>
+              <a:defRPr sz="1400" kern="1200">
+                <a:solidFill>
+                  <a:schemeClr val="tx1"/>
+                </a:solidFill>
+                <a:latin typeface="+mn-lt"/>
+                <a:ea typeface="+mn-ea"/>
+                <a:cs typeface="+mn-cs"/>
+              </a:defRPr>
+            </a:lvl8pPr>
+            <a:lvl9pPr marL="1791970" indent="-164465" algn="l" defTabSz="914400" rtl="0" eaLnBrk="1" latinLnBrk="0" hangingPunct="1">
+              <a:spcBef>
+                <a:spcPts val="300"/>
+              </a:spcBef>
+              <a:buClr>
+                <a:schemeClr val="accent2"/>
+              </a:buClr>
+              <a:buFont typeface="Wingdings" panose="05000000000000000000" pitchFamily="2" charset="2"/>
+              <a:buChar char="§"/>
+              <a:defRPr sz="1400" kern="1200">
+                <a:solidFill>
+                  <a:schemeClr val="tx1"/>
+                </a:solidFill>
+                <a:latin typeface="+mn-lt"/>
+                <a:ea typeface="+mn-ea"/>
+                <a:cs typeface="+mn-cs"/>
+              </a:defRPr>
+            </a:lvl9pPr>
+          </a:lstStyle>
           <a:p>
             <a:pPr>
-              <a:buFont typeface="Arial" pitchFamily="34" charset="0"/>
-              <a:buChar char="•"/>
-            </a:pPr>
-            <a:r>
-              <a:rPr lang="en-SG" dirty="0" smtClean="0"/>
-              <a:t>Uses TCP connection to connect to WPF application process data.</a:t>
-            </a:r>
+              <a:buFont typeface="Arial" panose="020B0604020202020204" pitchFamily="34" charset="0"/>
+              <a:buAutoNum type="arabicPeriod"/>
+            </a:pPr>
+            <a:r>
+              <a:rPr lang="en-US" altLang="en-SG" dirty="0"/>
+              <a:t>Menu bar</a:t>
+            </a:r>
+            <a:endParaRPr lang="en-US" altLang="en-SG" dirty="0"/>
           </a:p>
           <a:p>
             <a:pPr>
-              <a:buFont typeface="Arial" pitchFamily="34" charset="0"/>
-              <a:buChar char="•"/>
-            </a:pPr>
-            <a:r>
-              <a:rPr lang="en-SG" dirty="0" smtClean="0"/>
-              <a:t>Uses .NET Framework 4.7 (Seagull DLL limitation)</a:t>
-            </a:r>
-          </a:p>
-          <a:p>
-            <a:pPr>
-              <a:buFont typeface="Arial" pitchFamily="34" charset="0"/>
-              <a:buChar char="•"/>
-            </a:pPr>
-            <a:r>
-              <a:rPr lang="en-SG" dirty="0" smtClean="0"/>
-              <a:t>Handles printing service and logging service, references the settings file in WPF application.</a:t>
-            </a:r>
-            <a:endParaRPr lang="en-SG" dirty="0"/>
+              <a:buFont typeface="Arial" panose="020B0604020202020204" pitchFamily="34" charset="0"/>
+              <a:buAutoNum type="arabicPeriod"/>
+            </a:pPr>
+            <a:r>
+              <a:rPr lang="en-US" altLang="en-SG" dirty="0"/>
+              <a:t>Logged in user </a:t>
+            </a:r>
+            <a:endParaRPr lang="en-US" altLang="en-SG" dirty="0"/>
+          </a:p>
+          <a:p>
+            <a:pPr lvl="2">
+              <a:buFont typeface="Arial" panose="020B0604020202020204" pitchFamily="34" charset="0"/>
+              <a:buAutoNum type="arabicPeriod"/>
+            </a:pPr>
+            <a:r>
+              <a:rPr lang="en-US" altLang="en-SG" dirty="0"/>
+              <a:t>Change password</a:t>
+            </a:r>
+            <a:endParaRPr lang="en-US" altLang="en-SG" dirty="0"/>
+          </a:p>
+          <a:p>
+            <a:pPr lvl="2">
+              <a:buFont typeface="Arial" panose="020B0604020202020204" pitchFamily="34" charset="0"/>
+              <a:buAutoNum type="arabicPeriod"/>
+            </a:pPr>
+            <a:r>
+              <a:rPr lang="en-US" altLang="en-SG" dirty="0"/>
+              <a:t>Logout</a:t>
+            </a:r>
+            <a:endParaRPr lang="en-US" altLang="en-SG" dirty="0"/>
+          </a:p>
+          <a:p>
+            <a:pPr lvl="0">
+              <a:buFont typeface="Arial" panose="020B0604020202020204" pitchFamily="34" charset="0"/>
+              <a:buAutoNum type="arabicPeriod"/>
+            </a:pPr>
+            <a:r>
+              <a:rPr lang="en-US" altLang="en-SG" dirty="0"/>
+              <a:t>Tare weight setting - only able to modify by those having rights</a:t>
+            </a:r>
+            <a:endParaRPr lang="en-US" altLang="en-SG" dirty="0"/>
+          </a:p>
+          <a:p>
+            <a:pPr lvl="0">
+              <a:buFont typeface="Arial" panose="020B0604020202020204" pitchFamily="34" charset="0"/>
+              <a:buAutoNum type="arabicPeriod"/>
+            </a:pPr>
+            <a:r>
+              <a:rPr lang="en-US" altLang="en-SG" dirty="0"/>
+              <a:t>Navigate to outbound url (set in setting file)</a:t>
+            </a:r>
+            <a:endParaRPr lang="en-US" altLang="en-SG" dirty="0"/>
+          </a:p>
+          <a:p>
+            <a:pPr lvl="0">
+              <a:buFont typeface="Arial" panose="020B0604020202020204" pitchFamily="34" charset="0"/>
+              <a:buAutoNum type="arabicPeriod"/>
+            </a:pPr>
+            <a:r>
+              <a:rPr lang="en-US" altLang="en-SG" dirty="0"/>
+              <a:t>Main display of weight read from weighting machine, and selection of SKU type. Reprint functions if label fails to print, user can input the batch number and reprint the label.</a:t>
+            </a:r>
+            <a:endParaRPr lang="en-US" altLang="en-SG" dirty="0"/>
+          </a:p>
+          <a:p>
+            <a:pPr lvl="0">
+              <a:buFont typeface="Arial" panose="020B0604020202020204" pitchFamily="34" charset="0"/>
+              <a:buAutoNum type="arabicPeriod"/>
+            </a:pPr>
+            <a:r>
+              <a:rPr lang="en-US" altLang="en-SG" dirty="0"/>
+              <a:t>Log record.</a:t>
+            </a:r>
+            <a:endParaRPr lang="en-US" altLang="en-SG" dirty="0"/>
+          </a:p>
+          <a:p>
+            <a:pPr lvl="0">
+              <a:buFont typeface="Arial" panose="020B0604020202020204" pitchFamily="34" charset="0"/>
+              <a:buAutoNum type="arabicPeriod"/>
+            </a:pPr>
+            <a:r>
+              <a:rPr lang="en-US" altLang="en-SG" dirty="0"/>
+              <a:t>Saved record</a:t>
+            </a:r>
+            <a:endParaRPr lang="en-US" altLang="en-SG" dirty="0"/>
           </a:p>
         </p:txBody>
       </p:sp>
     </p:spTree>
-    <p:extLst>
-      <p:ext uri="{BB962C8B-B14F-4D97-AF65-F5344CB8AC3E}">
-        <p14:creationId xmlns:p14="http://schemas.microsoft.com/office/powerpoint/2010/main" val="806230907"/>
-      </p:ext>
-    </p:extLst>
   </p:cSld>
   <p:clrMapOvr>
     <a:masterClrMapping/>
   </p:clrMapOvr>
+  <mc:AlternateContent xmlns:mc="http://schemas.openxmlformats.org/markup-compatibility/2006" xmlns:p159="http://schemas.microsoft.com/office/powerpoint/2015/09/main">
+    <mc:Choice Requires="p159">
+      <p:transition xmlns:p14="http://schemas.microsoft.com/office/powerpoint/2010/main" spd="slow" p14:dur="2000">
+        <p159:morph option="byObject"/>
+      </p:transition>
+    </mc:Choice>
+    <mc:Fallback>
+      <p:transition spd="slow">
+        <p:fade/>
+      </p:transition>
+    </mc:Fallback>
+  </mc:AlternateContent>
 </p:sld>
 </file>
 
@@ -5979,17 +7635,10 @@
         <p:cNvGrpSpPr/>
         <p:nvPr/>
       </p:nvGrpSpPr>
-      <p:grpSpPr>
-        <a:xfrm>
-          <a:off x="0" y="0"/>
-          <a:ext cx="0" cy="0"/>
-          <a:chOff x="0" y="0"/>
-          <a:chExt cx="0" cy="0"/>
-        </a:xfrm>
-      </p:grpSpPr>
-      <p:sp>
-        <p:nvSpPr>
-          <p:cNvPr id="2" name="Title 1"/>
+      <p:grpSpPr/>
+      <p:sp>
+        <p:nvSpPr>
+          <p:cNvPr id="4" name="Title 3"/>
           <p:cNvSpPr>
             <a:spLocks noGrp="1"/>
           </p:cNvSpPr>
@@ -6000,146 +7649,58 @@
         <p:spPr/>
         <p:txBody>
           <a:bodyPr/>
-          <a:lstStyle/>
-          <a:p>
-            <a:r>
-              <a:rPr lang="en-SG" dirty="0" smtClean="0"/>
-              <a:t>PDI FEATHER TRACKING API</a:t>
-            </a:r>
-            <a:endParaRPr lang="en-SG" dirty="0"/>
-          </a:p>
-        </p:txBody>
-      </p:sp>
-      <p:sp>
-        <p:nvSpPr>
-          <p:cNvPr id="3" name="Content Placeholder 2"/>
-          <p:cNvSpPr>
-            <a:spLocks noGrp="1"/>
-          </p:cNvSpPr>
+          <a:p>
+            <a:r>
+              <a:rPr lang="en-US"/>
+              <a:t>main page</a:t>
+            </a:r>
+            <a:endParaRPr lang="en-US"/>
+          </a:p>
+        </p:txBody>
+      </p:sp>
+      <p:pic>
+        <p:nvPicPr>
+          <p:cNvPr id="7" name="Content Placeholder 6"/>
+          <p:cNvPicPr>
+            <a:picLocks noChangeAspect="1"/>
+          </p:cNvPicPr>
           <p:nvPr>
             <p:ph idx="1"/>
           </p:nvPr>
-        </p:nvSpPr>
-        <p:spPr/>
-        <p:txBody>
-          <a:bodyPr/>
-          <a:lstStyle/>
-          <a:p>
-            <a:pPr>
-              <a:buFont typeface="Arial" pitchFamily="34" charset="0"/>
-              <a:buChar char="•"/>
-            </a:pPr>
-            <a:r>
-              <a:rPr lang="en-SG" dirty="0" smtClean="0"/>
-              <a:t>Act as database migration and web </a:t>
-            </a:r>
-            <a:r>
-              <a:rPr lang="en-SG" dirty="0" err="1" smtClean="0"/>
-              <a:t>api</a:t>
-            </a:r>
-            <a:r>
-              <a:rPr lang="en-SG" dirty="0" smtClean="0"/>
-              <a:t>.</a:t>
-            </a:r>
-          </a:p>
-          <a:p>
-            <a:pPr>
-              <a:buFont typeface="Arial" pitchFamily="34" charset="0"/>
-              <a:buChar char="•"/>
-            </a:pPr>
-            <a:r>
-              <a:rPr lang="en-SG" dirty="0" smtClean="0"/>
-              <a:t>Database migration uses Entity Framework Core Code First Approach.</a:t>
-            </a:r>
-          </a:p>
-          <a:p>
-            <a:pPr lvl="2">
-              <a:buFont typeface="Arial" pitchFamily="34" charset="0"/>
-              <a:buChar char="•"/>
-            </a:pPr>
-            <a:r>
-              <a:rPr lang="en-SG" dirty="0" smtClean="0"/>
-              <a:t>Add-Migration </a:t>
-            </a:r>
-            <a:r>
-              <a:rPr lang="en-SG" dirty="0" err="1" smtClean="0"/>
-              <a:t>MigrationName</a:t>
-            </a:r>
-            <a:endParaRPr lang="en-SG" dirty="0" smtClean="0"/>
-          </a:p>
-          <a:p>
-            <a:pPr lvl="3">
-              <a:buFont typeface="Arial" pitchFamily="34" charset="0"/>
-              <a:buChar char="•"/>
-            </a:pPr>
-            <a:r>
-              <a:rPr lang="en-SG" sz="1400" dirty="0" smtClean="0"/>
-              <a:t>Adds a new migration based on changes made on model classes and </a:t>
-            </a:r>
-            <a:r>
-              <a:rPr lang="en-SG" sz="1400" dirty="0" err="1" smtClean="0"/>
-              <a:t>seeders</a:t>
-            </a:r>
-            <a:endParaRPr lang="en-SG" sz="1400" dirty="0"/>
-          </a:p>
-          <a:p>
-            <a:pPr lvl="2">
-              <a:buFont typeface="Arial" pitchFamily="34" charset="0"/>
-              <a:buChar char="•"/>
-            </a:pPr>
-            <a:r>
-              <a:rPr lang="en-SG" dirty="0" smtClean="0"/>
-              <a:t>Update Database</a:t>
-            </a:r>
-          </a:p>
-          <a:p>
-            <a:pPr lvl="3">
-              <a:buFont typeface="Arial" pitchFamily="34" charset="0"/>
-              <a:buChar char="•"/>
-            </a:pPr>
-            <a:r>
-              <a:rPr lang="en-SG" sz="1400" dirty="0" smtClean="0"/>
-              <a:t>Applies migration to database.</a:t>
-            </a:r>
-          </a:p>
-          <a:p>
-            <a:pPr lvl="2">
-              <a:buFont typeface="Arial" pitchFamily="34" charset="0"/>
-              <a:buChar char="•"/>
-            </a:pPr>
-            <a:r>
-              <a:rPr lang="en-SG" dirty="0" smtClean="0"/>
-              <a:t>Remove-Migration</a:t>
-            </a:r>
-          </a:p>
-          <a:p>
-            <a:pPr lvl="3">
-              <a:buFont typeface="Arial" pitchFamily="34" charset="0"/>
-              <a:buChar char="•"/>
-            </a:pPr>
-            <a:r>
-              <a:rPr lang="en-SG" sz="1400" dirty="0" smtClean="0"/>
-              <a:t>Remove last migration</a:t>
-            </a:r>
-          </a:p>
-          <a:p>
-            <a:pPr marL="0" lvl="1" indent="0">
-              <a:buNone/>
-            </a:pPr>
-            <a:endParaRPr lang="en-SG" sz="1400" dirty="0" smtClean="0"/>
-          </a:p>
-        </p:txBody>
-      </p:sp>
+        </p:nvPicPr>
+        <p:blipFill>
+          <a:blip r:embed="rId1"/>
+          <a:stretch>
+            <a:fillRect/>
+          </a:stretch>
+        </p:blipFill>
+        <p:spPr>
+          <a:xfrm>
+            <a:off x="582295" y="1100455"/>
+            <a:ext cx="8196580" cy="3940810"/>
+          </a:xfrm>
+          <a:prstGeom prst="rect">
+            <a:avLst/>
+          </a:prstGeom>
+        </p:spPr>
+      </p:pic>
     </p:spTree>
-    <p:extLst>
-      <p:ext uri="{BB962C8B-B14F-4D97-AF65-F5344CB8AC3E}">
-        <p14:creationId xmlns:p14="http://schemas.microsoft.com/office/powerpoint/2010/main" val="2835419365"/>
-      </p:ext>
-    </p:extLst>
   </p:cSld>
   <p:clrMapOvr>
     <a:masterClrMapping/>
   </p:clrMapOvr>
+  <mc:AlternateContent xmlns:mc="http://schemas.openxmlformats.org/markup-compatibility/2006" xmlns:p159="http://schemas.microsoft.com/office/powerpoint/2015/09/main">
+    <mc:Choice Requires="p159">
+      <p:transition xmlns:p14="http://schemas.microsoft.com/office/powerpoint/2010/main" spd="slow" p14:dur="2000">
+        <p159:morph option="byObject"/>
+      </p:transition>
+    </mc:Choice>
+    <mc:Fallback>
+      <p:transition spd="slow">
+        <p:fade/>
+      </p:transition>
+    </mc:Fallback>
+  </mc:AlternateContent>
 </p:sld>
 </file>
 
@@ -6414,7 +7975,10 @@
       </a:bgFillStyleLst>
     </a:fmtScheme>
   </a:themeElements>
-  <a:objectDefaults/>
-  <a:extraClrSchemeLst/>
+  <a:extLst>
+    <a:ext uri="{05A4C25C-085E-4340-85A3-A5531E510DB2}">
+      <thm15:themeFamily xmlns:thm15="http://schemas.microsoft.com/office/thememl/2012/main" name="Office Theme" id="{62F939B6-93AF-4DB8-9C6B-D6C7DFDC589F}" vid="{4A3C46E8-61CC-4603-A589-7422A47A8E4A}"/>
+    </a:ext>
+  </a:extLst>
 </a:theme>
 </file>
--- a/PDI_Feather_Tracking_WPF/PDI_Feather_Tracking_WPF/PDI Feather tracking.pptx
+++ b/PDI_Feather_Tracking_WPF/PDI_Feather_Tracking_WPF/PDI Feather tracking.pptx
@@ -22,7 +22,8 @@
     <p:sldId id="263" r:id="rId17"/>
     <p:sldId id="264" r:id="rId18"/>
     <p:sldId id="265" r:id="rId19"/>
-    <p:sldId id="273" r:id="rId20"/>
+    <p:sldId id="277" r:id="rId20"/>
+    <p:sldId id="273" r:id="rId21"/>
   </p:sldIdLst>
   <p:sldSz cx="9144000" cy="6858000" type="screen4x3"/>
   <p:notesSz cx="6858000" cy="9144000"/>
@@ -6131,7 +6132,9 @@
         </p:nvSpPr>
         <p:spPr/>
         <p:txBody>
-          <a:bodyPr/>
+          <a:bodyPr>
+            <a:normAutofit lnSpcReduction="10000"/>
+          </a:bodyPr>
           <a:lstStyle/>
           <a:p>
             <a:pPr>
@@ -6219,7 +6222,29 @@
             </a:pPr>
             <a:r>
               <a:rPr lang="en-US" altLang="en-SG" dirty="0" smtClean="0"/>
-              <a:t>Once QR code scan successfully, the package will be marked as outbound.</a:t>
+              <a:t>Once QR code scan successfully, the package will be added to list displayed in table form.</a:t>
+            </a:r>
+            <a:endParaRPr lang="en-US" altLang="en-SG" dirty="0" smtClean="0"/>
+          </a:p>
+          <a:p>
+            <a:pPr>
+              <a:buFont typeface="Arial" panose="020B0604020202020204" pitchFamily="34" charset="0"/>
+              <a:buChar char="•"/>
+            </a:pPr>
+            <a:r>
+              <a:rPr lang="en-US" altLang="en-SG" dirty="0" smtClean="0"/>
+              <a:t>User has to enter the container id in order to outbound.</a:t>
+            </a:r>
+            <a:endParaRPr lang="en-US" altLang="en-SG" dirty="0" smtClean="0"/>
+          </a:p>
+          <a:p>
+            <a:pPr>
+              <a:buFont typeface="Arial" panose="020B0604020202020204" pitchFamily="34" charset="0"/>
+              <a:buChar char="•"/>
+            </a:pPr>
+            <a:r>
+              <a:rPr lang="en-US" altLang="en-SG" dirty="0" smtClean="0"/>
+              <a:t>If the packages passed contained invalid batch no or batch no has been outbound, the message will be displayed.</a:t>
             </a:r>
             <a:endParaRPr lang="en-US" altLang="en-SG" dirty="0" smtClean="0"/>
           </a:p>
@@ -6246,6 +6271,92 @@
 </file>
 
 <file path=ppt/slides/slide18.xml><?xml version="1.0" encoding="utf-8"?>
+<p:sld xmlns:a="http://schemas.openxmlformats.org/drawingml/2006/main" xmlns:r="http://schemas.openxmlformats.org/officeDocument/2006/relationships" xmlns:p="http://schemas.openxmlformats.org/presentationml/2006/main">
+  <p:cSld>
+    <p:spTree>
+      <p:nvGrpSpPr>
+        <p:cNvPr id="1" name=""/>
+        <p:cNvGrpSpPr/>
+        <p:nvPr/>
+      </p:nvGrpSpPr>
+      <p:grpSpPr/>
+      <p:sp>
+        <p:nvSpPr>
+          <p:cNvPr id="2" name="Title 1"/>
+          <p:cNvSpPr>
+            <a:spLocks noGrp="1"/>
+          </p:cNvSpPr>
+          <p:nvPr>
+            <p:ph type="title"/>
+          </p:nvPr>
+        </p:nvSpPr>
+        <p:spPr/>
+        <p:txBody>
+          <a:bodyPr/>
+          <a:p>
+            <a:r>
+              <a:rPr lang="en-SG" dirty="0" err="1" smtClean="0">
+                <a:sym typeface="+mn-ea"/>
+              </a:rPr>
+              <a:t>Pdi</a:t>
+            </a:r>
+            <a:r>
+              <a:rPr lang="en-SG" dirty="0" smtClean="0">
+                <a:sym typeface="+mn-ea"/>
+              </a:rPr>
+              <a:t> feather tracking interface</a:t>
+            </a:r>
+            <a:endParaRPr lang="en-US"/>
+          </a:p>
+        </p:txBody>
+      </p:sp>
+      <p:pic>
+        <p:nvPicPr>
+          <p:cNvPr id="4" name="Content Placeholder 3"/>
+          <p:cNvPicPr>
+            <a:picLocks noChangeAspect="1"/>
+          </p:cNvPicPr>
+          <p:nvPr>
+            <p:ph idx="1"/>
+          </p:nvPr>
+        </p:nvPicPr>
+        <p:blipFill>
+          <a:blip r:embed="rId1"/>
+          <a:stretch>
+            <a:fillRect/>
+          </a:stretch>
+        </p:blipFill>
+        <p:spPr>
+          <a:xfrm>
+            <a:off x="822960" y="1602105"/>
+            <a:ext cx="7520940" cy="2576195"/>
+          </a:xfrm>
+          <a:prstGeom prst="rect">
+            <a:avLst/>
+          </a:prstGeom>
+        </p:spPr>
+      </p:pic>
+    </p:spTree>
+  </p:cSld>
+  <p:clrMapOvr>
+    <a:masterClrMapping/>
+  </p:clrMapOvr>
+  <mc:AlternateContent xmlns:mc="http://schemas.openxmlformats.org/markup-compatibility/2006" xmlns:p159="http://schemas.microsoft.com/office/powerpoint/2015/09/main">
+    <mc:Choice Requires="p159">
+      <p:transition xmlns:p14="http://schemas.microsoft.com/office/powerpoint/2010/main" spd="slow" p14:dur="2000">
+        <p159:morph option="byObject"/>
+      </p:transition>
+    </mc:Choice>
+    <mc:Fallback>
+      <p:transition spd="slow">
+        <p:fade/>
+      </p:transition>
+    </mc:Fallback>
+  </mc:AlternateContent>
+</p:sld>
+</file>
+
+<file path=ppt/slides/slide19.xml><?xml version="1.0" encoding="utf-8"?>
 <p:sld xmlns:a="http://schemas.openxmlformats.org/drawingml/2006/main" xmlns:r="http://schemas.openxmlformats.org/officeDocument/2006/relationships" xmlns:p="http://schemas.openxmlformats.org/presentationml/2006/main">
   <p:cSld>
     <p:spTree>

--- a/PDI_Feather_Tracking_WPF/PDI_Feather_Tracking_WPF/PDI Feather tracking.pptx
+++ b/PDI_Feather_Tracking_WPF/PDI_Feather_Tracking_WPF/PDI Feather tracking.pptx
@@ -5120,6 +5120,26 @@
             <a:endParaRPr lang="en-US"/>
           </a:p>
           <a:p>
+            <a:pPr lvl="2">
+              <a:buAutoNum type="arabicPeriod"/>
+            </a:pPr>
+            <a:r>
+              <a:rPr lang="en-US"/>
+              <a:t>can be generated by container id or without.</a:t>
+            </a:r>
+            <a:endParaRPr lang="en-US"/>
+          </a:p>
+          <a:p>
+            <a:pPr lvl="2">
+              <a:buAutoNum type="arabicPeriod"/>
+            </a:pPr>
+            <a:r>
+              <a:rPr lang="en-US"/>
+              <a:t>container id will be filtered by filtered packages records.</a:t>
+            </a:r>
+            <a:endParaRPr lang="en-US"/>
+          </a:p>
+          <a:p>
             <a:pPr marL="0" indent="0"/>
             <a:r>
               <a:rPr lang="en-US"/>
@@ -5212,12 +5232,12 @@
       </p:sp>
       <p:pic>
         <p:nvPicPr>
-          <p:cNvPr id="6" name="Content Placeholder 5"/>
+          <p:cNvPr id="4" name="Content Placeholder 3"/>
           <p:cNvPicPr>
             <a:picLocks noChangeAspect="1"/>
           </p:cNvPicPr>
           <p:nvPr>
-            <p:ph idx="1"/>
+            <p:ph sz="half" idx="1"/>
           </p:nvPr>
         </p:nvPicPr>
         <p:blipFill>
@@ -5228,8 +5248,8 @@
         </p:blipFill>
         <p:spPr>
           <a:xfrm>
-            <a:off x="251460" y="1052830"/>
-            <a:ext cx="8838565" cy="3626485"/>
+            <a:off x="394970" y="908685"/>
+            <a:ext cx="8594725" cy="4093210"/>
           </a:xfrm>
           <a:prstGeom prst="rect">
             <a:avLst/>
@@ -5311,6 +5331,16 @@
             <a:r>
               <a:rPr lang="en-US" sz="1600"/>
               <a:t>After creation/modification, remember to save to prevent data loss.</a:t>
+            </a:r>
+            <a:endParaRPr lang="en-US" sz="1600"/>
+          </a:p>
+          <a:p>
+            <a:pPr marL="514350" indent="-514350">
+              <a:buAutoNum type="arabicPeriod"/>
+            </a:pPr>
+            <a:r>
+              <a:rPr lang="en-US" sz="1600"/>
+              <a:t>The description will be passed as label title.</a:t>
             </a:r>
             <a:endParaRPr lang="en-US" sz="1600"/>
           </a:p>

--- a/PDI_Feather_Tracking_WPF/PDI_Feather_Tracking_WPF/PDI Feather tracking.pptx
+++ b/PDI_Feather_Tracking_WPF/PDI_Feather_Tracking_WPF/PDI Feather tracking.pptx
@@ -23,7 +23,8 @@
     <p:sldId id="264" r:id="rId18"/>
     <p:sldId id="265" r:id="rId19"/>
     <p:sldId id="277" r:id="rId20"/>
-    <p:sldId id="273" r:id="rId21"/>
+    <p:sldId id="279" r:id="rId21"/>
+    <p:sldId id="273" r:id="rId22"/>
   </p:sldIdLst>
   <p:sldSz cx="9144000" cy="6858000" type="screen4x3"/>
   <p:notesSz cx="6858000" cy="9144000"/>
@@ -6342,7 +6343,7 @@
       </p:sp>
       <p:pic>
         <p:nvPicPr>
-          <p:cNvPr id="4" name="Content Placeholder 3"/>
+          <p:cNvPr id="5" name="Content Placeholder 4"/>
           <p:cNvPicPr>
             <a:picLocks noChangeAspect="1"/>
           </p:cNvPicPr>
@@ -6358,14 +6359,60 @@
         </p:blipFill>
         <p:spPr>
           <a:xfrm>
-            <a:off x="822960" y="1602105"/>
-            <a:ext cx="7520940" cy="2576195"/>
+            <a:off x="822960" y="1457960"/>
+            <a:ext cx="7520940" cy="2863850"/>
           </a:xfrm>
           <a:prstGeom prst="rect">
             <a:avLst/>
           </a:prstGeom>
         </p:spPr>
       </p:pic>
+      <p:sp>
+        <p:nvSpPr>
+          <p:cNvPr id="6" name="Title 1"/>
+          <p:cNvSpPr>
+            <a:spLocks noGrp="1"/>
+          </p:cNvSpPr>
+          <p:nvPr/>
+        </p:nvSpPr>
+        <p:spPr>
+          <a:xfrm>
+            <a:off x="899160" y="914400"/>
+            <a:ext cx="7520940" cy="548640"/>
+          </a:xfrm>
+          <a:prstGeom prst="rect">
+            <a:avLst/>
+          </a:prstGeom>
+        </p:spPr>
+        <p:txBody>
+          <a:bodyPr vert="horz" lIns="91440" tIns="45720" rIns="91440" bIns="45720" rtlCol="0" anchor="ctr">
+            <a:noAutofit/>
+          </a:bodyPr>
+          <a:lstStyle>
+            <a:lvl1pPr algn="l" defTabSz="914400" rtl="0" eaLnBrk="1" latinLnBrk="0" hangingPunct="1">
+              <a:spcBef>
+                <a:spcPct val="0"/>
+              </a:spcBef>
+              <a:buNone/>
+              <a:defRPr sz="2800" kern="1200" cap="all" baseline="0">
+                <a:solidFill>
+                  <a:schemeClr val="tx1"/>
+                </a:solidFill>
+                <a:latin typeface="+mj-lt"/>
+                <a:ea typeface="+mj-ea"/>
+                <a:cs typeface="+mj-cs"/>
+              </a:defRPr>
+            </a:lvl1pPr>
+          </a:lstStyle>
+          <a:p>
+            <a:r>
+              <a:rPr lang="en-US" altLang="en-SG"/>
+              <a:t>outbound module</a:t>
+            </a:r>
+            <a:endParaRPr lang="en-US" altLang="en-SG"/>
+          </a:p>
+        </p:txBody>
+      </p:sp>
     </p:spTree>
   </p:cSld>
   <p:clrMapOvr>
@@ -6411,8 +6458,16 @@
           <a:bodyPr/>
           <a:p>
             <a:r>
-              <a:rPr lang="en-US"/>
-              <a:t>appsettings.json (setting file)</a:t>
+              <a:rPr lang="en-SG" dirty="0" err="1" smtClean="0">
+                <a:sym typeface="+mn-ea"/>
+              </a:rPr>
+              <a:t>Pdi</a:t>
+            </a:r>
+            <a:r>
+              <a:rPr lang="en-SG" dirty="0" smtClean="0">
+                <a:sym typeface="+mn-ea"/>
+              </a:rPr>
+              <a:t> feather tracking interface</a:t>
             </a:r>
             <a:endParaRPr lang="en-US"/>
           </a:p>
@@ -6436,14 +6491,60 @@
         </p:blipFill>
         <p:spPr>
           <a:xfrm>
-            <a:off x="107315" y="1557020"/>
-            <a:ext cx="8822055" cy="2612390"/>
+            <a:off x="822960" y="1459230"/>
+            <a:ext cx="7520940" cy="2861945"/>
           </a:xfrm>
           <a:prstGeom prst="rect">
             <a:avLst/>
           </a:prstGeom>
         </p:spPr>
       </p:pic>
+      <p:sp>
+        <p:nvSpPr>
+          <p:cNvPr id="6" name="Title 1"/>
+          <p:cNvSpPr>
+            <a:spLocks noGrp="1"/>
+          </p:cNvSpPr>
+          <p:nvPr/>
+        </p:nvSpPr>
+        <p:spPr>
+          <a:xfrm>
+            <a:off x="899160" y="914400"/>
+            <a:ext cx="7520940" cy="548640"/>
+          </a:xfrm>
+          <a:prstGeom prst="rect">
+            <a:avLst/>
+          </a:prstGeom>
+        </p:spPr>
+        <p:txBody>
+          <a:bodyPr vert="horz" lIns="91440" tIns="45720" rIns="91440" bIns="45720" rtlCol="0" anchor="ctr">
+            <a:noAutofit/>
+          </a:bodyPr>
+          <a:lstStyle>
+            <a:lvl1pPr algn="l" defTabSz="914400" rtl="0" eaLnBrk="1" latinLnBrk="0" hangingPunct="1">
+              <a:spcBef>
+                <a:spcPct val="0"/>
+              </a:spcBef>
+              <a:buNone/>
+              <a:defRPr sz="2800" kern="1200" cap="all" baseline="0">
+                <a:solidFill>
+                  <a:schemeClr val="tx1"/>
+                </a:solidFill>
+                <a:latin typeface="+mj-lt"/>
+                <a:ea typeface="+mj-ea"/>
+                <a:cs typeface="+mj-cs"/>
+              </a:defRPr>
+            </a:lvl1pPr>
+          </a:lstStyle>
+          <a:p>
+            <a:r>
+              <a:rPr lang="en-US" altLang="en-SG"/>
+              <a:t>package cancellation module</a:t>
+            </a:r>
+            <a:endParaRPr lang="en-US" altLang="en-SG"/>
+          </a:p>
+        </p:txBody>
+      </p:sp>
     </p:spTree>
   </p:cSld>
   <p:clrMapOvr>
@@ -6579,6 +6680,84 @@
           </a:p>
         </p:txBody>
       </p:sp>
+    </p:spTree>
+  </p:cSld>
+  <p:clrMapOvr>
+    <a:masterClrMapping/>
+  </p:clrMapOvr>
+  <mc:AlternateContent xmlns:mc="http://schemas.openxmlformats.org/markup-compatibility/2006" xmlns:p159="http://schemas.microsoft.com/office/powerpoint/2015/09/main">
+    <mc:Choice Requires="p159">
+      <p:transition xmlns:p14="http://schemas.microsoft.com/office/powerpoint/2010/main" spd="slow" p14:dur="2000">
+        <p159:morph option="byObject"/>
+      </p:transition>
+    </mc:Choice>
+    <mc:Fallback>
+      <p:transition spd="slow">
+        <p:fade/>
+      </p:transition>
+    </mc:Fallback>
+  </mc:AlternateContent>
+</p:sld>
+</file>
+
+<file path=ppt/slides/slide20.xml><?xml version="1.0" encoding="utf-8"?>
+<p:sld xmlns:a="http://schemas.openxmlformats.org/drawingml/2006/main" xmlns:r="http://schemas.openxmlformats.org/officeDocument/2006/relationships" xmlns:p="http://schemas.openxmlformats.org/presentationml/2006/main">
+  <p:cSld>
+    <p:spTree>
+      <p:nvGrpSpPr>
+        <p:cNvPr id="1" name=""/>
+        <p:cNvGrpSpPr/>
+        <p:nvPr/>
+      </p:nvGrpSpPr>
+      <p:grpSpPr/>
+      <p:sp>
+        <p:nvSpPr>
+          <p:cNvPr id="2" name="Title 1"/>
+          <p:cNvSpPr>
+            <a:spLocks noGrp="1"/>
+          </p:cNvSpPr>
+          <p:nvPr>
+            <p:ph type="title"/>
+          </p:nvPr>
+        </p:nvSpPr>
+        <p:spPr/>
+        <p:txBody>
+          <a:bodyPr/>
+          <a:p>
+            <a:r>
+              <a:rPr lang="en-US"/>
+              <a:t>appsettings.json (setting file)</a:t>
+            </a:r>
+            <a:endParaRPr lang="en-US"/>
+          </a:p>
+        </p:txBody>
+      </p:sp>
+      <p:pic>
+        <p:nvPicPr>
+          <p:cNvPr id="4" name="Content Placeholder 3"/>
+          <p:cNvPicPr>
+            <a:picLocks noChangeAspect="1"/>
+          </p:cNvPicPr>
+          <p:nvPr>
+            <p:ph idx="1"/>
+          </p:nvPr>
+        </p:nvPicPr>
+        <p:blipFill>
+          <a:blip r:embed="rId1"/>
+          <a:stretch>
+            <a:fillRect/>
+          </a:stretch>
+        </p:blipFill>
+        <p:spPr>
+          <a:xfrm>
+            <a:off x="107315" y="1557020"/>
+            <a:ext cx="8822055" cy="2612390"/>
+          </a:xfrm>
+          <a:prstGeom prst="rect">
+            <a:avLst/>
+          </a:prstGeom>
+        </p:spPr>
+      </p:pic>
     </p:spTree>
   </p:cSld>
   <p:clrMapOvr>

--- a/PDI_Feather_Tracking_WPF/PDI_Feather_Tracking_WPF/PDI Feather tracking.pptx
+++ b/PDI_Feather_Tracking_WPF/PDI_Feather_Tracking_WPF/PDI Feather tracking.pptx
@@ -6341,75 +6341,297 @@
           </a:p>
         </p:txBody>
       </p:sp>
-      <p:pic>
-        <p:nvPicPr>
-          <p:cNvPr id="5" name="Content Placeholder 4"/>
-          <p:cNvPicPr>
-            <a:picLocks noChangeAspect="1"/>
-          </p:cNvPicPr>
+      <p:graphicFrame>
+        <p:nvGraphicFramePr>
+          <p:cNvPr id="8" name="Content Placeholder 7"/>
+          <p:cNvGraphicFramePr>
+            <a:graphicFrameLocks noChangeAspect="1"/>
+          </p:cNvGraphicFramePr>
           <p:nvPr>
             <p:ph idx="1"/>
           </p:nvPr>
-        </p:nvPicPr>
-        <p:blipFill>
-          <a:blip r:embed="rId1"/>
-          <a:stretch>
-            <a:fillRect/>
-          </a:stretch>
-        </p:blipFill>
+        </p:nvGraphicFramePr>
+        <p:xfrm>
+          <a:off x="1499235" y="1100455"/>
+          <a:ext cx="6167120" cy="3580130"/>
+        </p:xfrm>
+        <a:graphic>
+          <a:graphicData uri="http://schemas.openxmlformats.org/presentationml/2006/ole">
+            <mc:AlternateContent xmlns:mc="http://schemas.openxmlformats.org/markup-compatibility/2006">
+              <mc:Choice xmlns:v="urn:schemas-microsoft-com:vml" Requires="v">
+                <p:oleObj spid="_x0000_s9" name="" r:id="rId1" imgW="11781790" imgH="6838950" progId="Paint.Picture">
+                  <p:embed/>
+                </p:oleObj>
+              </mc:Choice>
+              <mc:Fallback>
+                <p:oleObj name="" r:id="rId1" imgW="11781790" imgH="6838950" progId="Paint.Picture">
+                  <p:embed/>
+                  <p:pic>
+                    <p:nvPicPr>
+                      <p:cNvPr id="0" name="Picture 8"/>
+                      <p:cNvPicPr/>
+                      <p:nvPr/>
+                    </p:nvPicPr>
+                    <p:blipFill>
+                      <a:blip r:embed="rId2"/>
+                      <a:stretch>
+                        <a:fillRect/>
+                      </a:stretch>
+                    </p:blipFill>
+                    <p:spPr>
+                      <a:xfrm>
+                        <a:off x="1499235" y="1100455"/>
+                        <a:ext cx="6167120" cy="3580130"/>
+                      </a:xfrm>
+                      <a:prstGeom prst="rect">
+                        <a:avLst/>
+                      </a:prstGeom>
+                    </p:spPr>
+                  </p:pic>
+                </p:oleObj>
+              </mc:Fallback>
+            </mc:AlternateContent>
+          </a:graphicData>
+        </a:graphic>
+      </p:graphicFrame>
+      <p:cxnSp>
+        <p:nvCxnSpPr>
+          <p:cNvPr id="12" name="Elbow Connector 11"/>
+          <p:cNvCxnSpPr>
+            <a:endCxn id="16" idx="1"/>
+          </p:cNvCxnSpPr>
+          <p:nvPr/>
+        </p:nvCxnSpPr>
         <p:spPr>
           <a:xfrm>
-            <a:off x="822960" y="1457960"/>
-            <a:ext cx="7520940" cy="2863850"/>
+            <a:off x="6804025" y="1340485"/>
+            <a:ext cx="931545" cy="441960"/>
+          </a:xfrm>
+          <a:prstGeom prst="bentConnector3">
+            <a:avLst>
+              <a:gd name="adj1" fmla="val -68"/>
+            </a:avLst>
+          </a:prstGeom>
+          <a:ln>
+            <a:tailEnd type="arrow" w="med" len="med"/>
+          </a:ln>
+        </p:spPr>
+        <p:style>
+          <a:lnRef idx="1">
+            <a:schemeClr val="accent2"/>
+          </a:lnRef>
+          <a:fillRef idx="0">
+            <a:schemeClr val="accent2"/>
+          </a:fillRef>
+          <a:effectRef idx="0">
+            <a:schemeClr val="accent2"/>
+          </a:effectRef>
+          <a:fontRef idx="minor">
+            <a:schemeClr val="tx1"/>
+          </a:fontRef>
+        </p:style>
+      </p:cxnSp>
+      <p:cxnSp>
+        <p:nvCxnSpPr>
+          <p:cNvPr id="14" name="Elbow Connector 13"/>
+          <p:cNvCxnSpPr>
+            <a:endCxn id="17" idx="1"/>
+          </p:cNvCxnSpPr>
+          <p:nvPr/>
+        </p:nvCxnSpPr>
+        <p:spPr>
+          <a:xfrm rot="5400000" flipV="1">
+            <a:off x="6821170" y="1538605"/>
+            <a:ext cx="1112520" cy="715645"/>
+          </a:xfrm>
+          <a:prstGeom prst="bentConnector2">
+            <a:avLst/>
+          </a:prstGeom>
+          <a:ln>
+            <a:tailEnd type="arrow" w="med" len="med"/>
+          </a:ln>
+        </p:spPr>
+        <p:style>
+          <a:lnRef idx="1">
+            <a:schemeClr val="accent3"/>
+          </a:lnRef>
+          <a:fillRef idx="0">
+            <a:schemeClr val="accent3"/>
+          </a:fillRef>
+          <a:effectRef idx="0">
+            <a:schemeClr val="accent3"/>
+          </a:effectRef>
+          <a:fontRef idx="minor">
+            <a:schemeClr val="tx1"/>
+          </a:fontRef>
+        </p:style>
+      </p:cxnSp>
+      <p:cxnSp>
+        <p:nvCxnSpPr>
+          <p:cNvPr id="15" name="Elbow Connector 14"/>
+          <p:cNvCxnSpPr>
+            <a:endCxn id="18" idx="1"/>
+          </p:cNvCxnSpPr>
+          <p:nvPr/>
+        </p:nvCxnSpPr>
+        <p:spPr>
+          <a:xfrm rot="5400000" flipV="1">
+            <a:off x="6562725" y="2012950"/>
+            <a:ext cx="1845310" cy="499745"/>
+          </a:xfrm>
+          <a:prstGeom prst="bentConnector2">
+            <a:avLst/>
+          </a:prstGeom>
+          <a:ln>
+            <a:solidFill>
+              <a:srgbClr val="92D050"/>
+            </a:solidFill>
+            <a:tailEnd type="arrow" w="med" len="med"/>
+          </a:ln>
+        </p:spPr>
+        <p:style>
+          <a:lnRef idx="1">
+            <a:schemeClr val="accent3"/>
+          </a:lnRef>
+          <a:fillRef idx="0">
+            <a:schemeClr val="accent3"/>
+          </a:fillRef>
+          <a:effectRef idx="0">
+            <a:schemeClr val="accent3"/>
+          </a:effectRef>
+          <a:fontRef idx="minor">
+            <a:schemeClr val="tx1"/>
+          </a:fontRef>
+        </p:style>
+      </p:cxnSp>
+      <p:sp>
+        <p:nvSpPr>
+          <p:cNvPr id="16" name="Text Box 15"/>
+          <p:cNvSpPr txBox="1"/>
+          <p:nvPr/>
+        </p:nvSpPr>
+        <p:spPr>
+          <a:xfrm>
+            <a:off x="7735570" y="1628775"/>
+            <a:ext cx="1233170" cy="306705"/>
           </a:xfrm>
           <a:prstGeom prst="rect">
             <a:avLst/>
           </a:prstGeom>
         </p:spPr>
-      </p:pic>
-      <p:sp>
-        <p:nvSpPr>
-          <p:cNvPr id="6" name="Title 1"/>
-          <p:cNvSpPr>
-            <a:spLocks noGrp="1"/>
-          </p:cNvSpPr>
+        <p:style>
+          <a:lnRef idx="2">
+            <a:schemeClr val="accent2"/>
+          </a:lnRef>
+          <a:fillRef idx="1">
+            <a:schemeClr val="lt1"/>
+          </a:fillRef>
+          <a:effectRef idx="0">
+            <a:schemeClr val="accent2"/>
+          </a:effectRef>
+          <a:fontRef idx="minor">
+            <a:schemeClr val="dk1"/>
+          </a:fontRef>
+        </p:style>
+        <p:txBody>
+          <a:bodyPr wrap="square" rtlCol="0">
+            <a:spAutoFit/>
+          </a:bodyPr>
+          <a:p>
+            <a:r>
+              <a:rPr lang="en-US" sz="1400"/>
+              <a:t>Outbound</a:t>
+            </a:r>
+            <a:endParaRPr lang="en-US" sz="1400"/>
+          </a:p>
+        </p:txBody>
+      </p:sp>
+      <p:sp>
+        <p:nvSpPr>
+          <p:cNvPr id="17" name="Text Box 16"/>
+          <p:cNvSpPr txBox="1"/>
           <p:nvPr/>
         </p:nvSpPr>
         <p:spPr>
           <a:xfrm>
-            <a:off x="899160" y="914400"/>
-            <a:ext cx="7520940" cy="548640"/>
+            <a:off x="7735570" y="2192020"/>
+            <a:ext cx="1232535" cy="521970"/>
           </a:xfrm>
           <a:prstGeom prst="rect">
             <a:avLst/>
           </a:prstGeom>
         </p:spPr>
-        <p:txBody>
-          <a:bodyPr vert="horz" lIns="91440" tIns="45720" rIns="91440" bIns="45720" rtlCol="0" anchor="ctr">
-            <a:noAutofit/>
+        <p:style>
+          <a:lnRef idx="2">
+            <a:schemeClr val="accent3"/>
+          </a:lnRef>
+          <a:fillRef idx="1">
+            <a:schemeClr val="lt1"/>
+          </a:fillRef>
+          <a:effectRef idx="0">
+            <a:schemeClr val="accent3"/>
+          </a:effectRef>
+          <a:fontRef idx="minor">
+            <a:schemeClr val="dk1"/>
+          </a:fontRef>
+        </p:style>
+        <p:txBody>
+          <a:bodyPr wrap="square" rtlCol="0">
+            <a:spAutoFit/>
           </a:bodyPr>
-          <a:lstStyle>
-            <a:lvl1pPr algn="l" defTabSz="914400" rtl="0" eaLnBrk="1" latinLnBrk="0" hangingPunct="1">
-              <a:spcBef>
-                <a:spcPct val="0"/>
-              </a:spcBef>
-              <a:buNone/>
-              <a:defRPr sz="2800" kern="1200" cap="all" baseline="0">
-                <a:solidFill>
-                  <a:schemeClr val="tx1"/>
-                </a:solidFill>
-                <a:latin typeface="+mj-lt"/>
-                <a:ea typeface="+mj-ea"/>
-                <a:cs typeface="+mj-cs"/>
-              </a:defRPr>
-            </a:lvl1pPr>
-          </a:lstStyle>
-          <a:p>
-            <a:r>
-              <a:rPr lang="en-US" altLang="en-SG"/>
-              <a:t>outbound module</a:t>
-            </a:r>
-            <a:endParaRPr lang="en-US" altLang="en-SG"/>
+          <a:p>
+            <a:r>
+              <a:rPr lang="en-US" sz="1400"/>
+              <a:t>Cancel Outbound</a:t>
+            </a:r>
+            <a:endParaRPr lang="en-US" sz="1400"/>
+          </a:p>
+        </p:txBody>
+      </p:sp>
+      <p:sp>
+        <p:nvSpPr>
+          <p:cNvPr id="18" name="Text Box 17"/>
+          <p:cNvSpPr txBox="1"/>
+          <p:nvPr/>
+        </p:nvSpPr>
+        <p:spPr>
+          <a:xfrm>
+            <a:off x="7735570" y="2924810"/>
+            <a:ext cx="1231900" cy="521970"/>
+          </a:xfrm>
+          <a:prstGeom prst="rect">
+            <a:avLst/>
+          </a:prstGeom>
+          <a:ln>
+            <a:solidFill>
+              <a:srgbClr val="92D050"/>
+            </a:solidFill>
+          </a:ln>
+        </p:spPr>
+        <p:style>
+          <a:lnRef idx="2">
+            <a:schemeClr val="accent4"/>
+          </a:lnRef>
+          <a:fillRef idx="1">
+            <a:schemeClr val="lt1"/>
+          </a:fillRef>
+          <a:effectRef idx="0">
+            <a:schemeClr val="accent4"/>
+          </a:effectRef>
+          <a:fontRef idx="minor">
+            <a:schemeClr val="dk1"/>
+          </a:fontRef>
+        </p:style>
+        <p:txBody>
+          <a:bodyPr wrap="square" rtlCol="0">
+            <a:spAutoFit/>
+          </a:bodyPr>
+          <a:p>
+            <a:r>
+              <a:rPr lang="en-US" sz="1400"/>
+              <a:t>Update container</a:t>
+            </a:r>
+            <a:endParaRPr lang="en-US" sz="1400"/>
           </a:p>
         </p:txBody>
       </p:sp>
@@ -6473,32 +6695,6 @@
           </a:p>
         </p:txBody>
       </p:sp>
-      <p:pic>
-        <p:nvPicPr>
-          <p:cNvPr id="4" name="Content Placeholder 3"/>
-          <p:cNvPicPr>
-            <a:picLocks noChangeAspect="1"/>
-          </p:cNvPicPr>
-          <p:nvPr>
-            <p:ph idx="1"/>
-          </p:nvPr>
-        </p:nvPicPr>
-        <p:blipFill>
-          <a:blip r:embed="rId1"/>
-          <a:stretch>
-            <a:fillRect/>
-          </a:stretch>
-        </p:blipFill>
-        <p:spPr>
-          <a:xfrm>
-            <a:off x="822960" y="1459230"/>
-            <a:ext cx="7520940" cy="2861945"/>
-          </a:xfrm>
-          <a:prstGeom prst="rect">
-            <a:avLst/>
-          </a:prstGeom>
-        </p:spPr>
-      </p:pic>
       <p:sp>
         <p:nvSpPr>
           <p:cNvPr id="6" name="Title 1"/>
@@ -6510,7 +6706,7 @@
         <p:spPr>
           <a:xfrm>
             <a:off x="899160" y="914400"/>
-            <a:ext cx="7520940" cy="548640"/>
+            <a:ext cx="2921635" cy="529590"/>
           </a:xfrm>
           <a:prstGeom prst="rect">
             <a:avLst/>
@@ -6538,13 +6734,111 @@
           </a:lstStyle>
           <a:p>
             <a:r>
-              <a:rPr lang="en-US" altLang="en-SG"/>
+              <a:rPr lang="en-US" altLang="en-SG" sz="1400"/>
               <a:t>package cancellation module</a:t>
             </a:r>
-            <a:endParaRPr lang="en-US" altLang="en-SG"/>
-          </a:p>
-        </p:txBody>
-      </p:sp>
+            <a:endParaRPr lang="en-US" altLang="en-SG" sz="1400"/>
+          </a:p>
+        </p:txBody>
+      </p:sp>
+      <p:pic>
+        <p:nvPicPr>
+          <p:cNvPr id="10" name="Content Placeholder 9"/>
+          <p:cNvPicPr>
+            <a:picLocks noChangeAspect="1"/>
+          </p:cNvPicPr>
+          <p:nvPr>
+            <p:ph sz="half" idx="1"/>
+          </p:nvPr>
+        </p:nvPicPr>
+        <p:blipFill>
+          <a:blip r:embed="rId1"/>
+          <a:stretch>
+            <a:fillRect/>
+          </a:stretch>
+        </p:blipFill>
+        <p:spPr>
+          <a:xfrm>
+            <a:off x="822960" y="1443990"/>
+            <a:ext cx="3200400" cy="1499870"/>
+          </a:xfrm>
+          <a:prstGeom prst="rect">
+            <a:avLst/>
+          </a:prstGeom>
+        </p:spPr>
+      </p:pic>
+      <p:sp>
+        <p:nvSpPr>
+          <p:cNvPr id="11" name="Title 1"/>
+          <p:cNvSpPr>
+            <a:spLocks noGrp="1"/>
+          </p:cNvSpPr>
+          <p:nvPr/>
+        </p:nvSpPr>
+        <p:spPr>
+          <a:xfrm>
+            <a:off x="5147945" y="914400"/>
+            <a:ext cx="2921635" cy="529590"/>
+          </a:xfrm>
+          <a:prstGeom prst="rect">
+            <a:avLst/>
+          </a:prstGeom>
+        </p:spPr>
+        <p:txBody>
+          <a:bodyPr vert="horz" lIns="91440" tIns="45720" rIns="91440" bIns="45720" rtlCol="0" anchor="ctr">
+            <a:noAutofit/>
+          </a:bodyPr>
+          <a:lstStyle>
+            <a:lvl1pPr algn="l" defTabSz="914400" rtl="0" eaLnBrk="1" latinLnBrk="0" hangingPunct="1">
+              <a:spcBef>
+                <a:spcPct val="0"/>
+              </a:spcBef>
+              <a:buNone/>
+              <a:defRPr sz="2800" kern="1200" cap="all" baseline="0">
+                <a:solidFill>
+                  <a:schemeClr val="tx1"/>
+                </a:solidFill>
+                <a:latin typeface="+mj-lt"/>
+                <a:ea typeface="+mj-ea"/>
+                <a:cs typeface="+mj-cs"/>
+              </a:defRPr>
+            </a:lvl1pPr>
+          </a:lstStyle>
+          <a:p>
+            <a:r>
+              <a:rPr lang="en-US" altLang="en-SG" sz="1400"/>
+              <a:t>update container module</a:t>
+            </a:r>
+            <a:endParaRPr lang="en-US" altLang="en-SG" sz="1400"/>
+          </a:p>
+        </p:txBody>
+      </p:sp>
+      <p:pic>
+        <p:nvPicPr>
+          <p:cNvPr id="12" name="Content Placeholder 11"/>
+          <p:cNvPicPr>
+            <a:picLocks noChangeAspect="1"/>
+          </p:cNvPicPr>
+          <p:nvPr>
+            <p:ph sz="half" idx="2"/>
+          </p:nvPr>
+        </p:nvPicPr>
+        <p:blipFill>
+          <a:blip r:embed="rId2"/>
+          <a:stretch>
+            <a:fillRect/>
+          </a:stretch>
+        </p:blipFill>
+        <p:spPr>
+          <a:xfrm>
+            <a:off x="5003800" y="1443990"/>
+            <a:ext cx="3200400" cy="3106420"/>
+          </a:xfrm>
+          <a:prstGeom prst="rect">
+            <a:avLst/>
+          </a:prstGeom>
+        </p:spPr>
+      </p:pic>
     </p:spTree>
   </p:cSld>
   <p:clrMapOvr>
